--- a/design/hackaton.pptx
+++ b/design/hackaton.pptx
@@ -5,7 +5,12 @@
     <p:sldMasterId id="2147483648" r:id="rId1"/>
   </p:sldMasterIdLst>
   <p:sldIdLst>
-    <p:sldId id="256" r:id="rId2"/>
+    <p:sldId id="260" r:id="rId2"/>
+    <p:sldId id="257" r:id="rId3"/>
+    <p:sldId id="258" r:id="rId4"/>
+    <p:sldId id="256" r:id="rId5"/>
+    <p:sldId id="259" r:id="rId6"/>
+    <p:sldId id="261" r:id="rId7"/>
   </p:sldIdLst>
   <p:sldSz cx="12192000" cy="6858000"/>
   <p:notesSz cx="6858000" cy="9144000"/>
@@ -104,7 +109,24 @@
       </a:defRPr>
     </a:lvl9pPr>
   </p:defaultTextStyle>
+  <p:extLst>
+    <p:ext uri="{EFAFB233-063F-42B5-8137-9DF3F51BA10A}">
+      <p15:sldGuideLst xmlns:p15="http://schemas.microsoft.com/office/powerpoint/2012/main"/>
+    </p:ext>
+  </p:extLst>
 </p:presentation>
+</file>
+
+<file path=ppt/commentAuthors.xml><?xml version="1.0" encoding="utf-8"?>
+<p:cmAuthorLst xmlns:a="http://schemas.openxmlformats.org/drawingml/2006/main" xmlns:r="http://schemas.openxmlformats.org/officeDocument/2006/relationships" xmlns:p="http://schemas.openxmlformats.org/presentationml/2006/main">
+  <p:cmAuthor id="1" name="Joseph Toulier Pighi" initials="JTP" lastIdx="1" clrIdx="0">
+    <p:extLst>
+      <p:ext uri="{19B8F6BF-5375-455C-9EA6-DF929625EA0E}">
+        <p15:presenceInfo xmlns:p15="http://schemas.microsoft.com/office/powerpoint/2012/main" userId="d49548773ed2ac36" providerId="Windows Live"/>
+      </p:ext>
+    </p:extLst>
+  </p:cmAuthor>
+</p:cmAuthorLst>
 </file>
 
 <file path=ppt/slideLayouts/slideLayout1.xml><?xml version="1.0" encoding="utf-8"?>
@@ -254,7 +276,7 @@
           <a:p>
             <a:fld id="{48DFA550-804D-4715-893F-B5DA2F4561D0}" type="datetimeFigureOut">
               <a:rPr lang="en-US" smtClean="0"/>
-              <a:t>2/11/2021</a:t>
+              <a:t>2/12/2021</a:t>
             </a:fld>
             <a:endParaRPr lang="en-US"/>
           </a:p>
@@ -452,7 +474,7 @@
           <a:p>
             <a:fld id="{48DFA550-804D-4715-893F-B5DA2F4561D0}" type="datetimeFigureOut">
               <a:rPr lang="en-US" smtClean="0"/>
-              <a:t>2/11/2021</a:t>
+              <a:t>2/12/2021</a:t>
             </a:fld>
             <a:endParaRPr lang="en-US"/>
           </a:p>
@@ -660,7 +682,7 @@
           <a:p>
             <a:fld id="{48DFA550-804D-4715-893F-B5DA2F4561D0}" type="datetimeFigureOut">
               <a:rPr lang="en-US" smtClean="0"/>
-              <a:t>2/11/2021</a:t>
+              <a:t>2/12/2021</a:t>
             </a:fld>
             <a:endParaRPr lang="en-US"/>
           </a:p>
@@ -858,7 +880,7 @@
           <a:p>
             <a:fld id="{48DFA550-804D-4715-893F-B5DA2F4561D0}" type="datetimeFigureOut">
               <a:rPr lang="en-US" smtClean="0"/>
-              <a:t>2/11/2021</a:t>
+              <a:t>2/12/2021</a:t>
             </a:fld>
             <a:endParaRPr lang="en-US"/>
           </a:p>
@@ -1133,7 +1155,7 @@
           <a:p>
             <a:fld id="{48DFA550-804D-4715-893F-B5DA2F4561D0}" type="datetimeFigureOut">
               <a:rPr lang="en-US" smtClean="0"/>
-              <a:t>2/11/2021</a:t>
+              <a:t>2/12/2021</a:t>
             </a:fld>
             <a:endParaRPr lang="en-US"/>
           </a:p>
@@ -1398,7 +1420,7 @@
           <a:p>
             <a:fld id="{48DFA550-804D-4715-893F-B5DA2F4561D0}" type="datetimeFigureOut">
               <a:rPr lang="en-US" smtClean="0"/>
-              <a:t>2/11/2021</a:t>
+              <a:t>2/12/2021</a:t>
             </a:fld>
             <a:endParaRPr lang="en-US"/>
           </a:p>
@@ -1810,7 +1832,7 @@
           <a:p>
             <a:fld id="{48DFA550-804D-4715-893F-B5DA2F4561D0}" type="datetimeFigureOut">
               <a:rPr lang="en-US" smtClean="0"/>
-              <a:t>2/11/2021</a:t>
+              <a:t>2/12/2021</a:t>
             </a:fld>
             <a:endParaRPr lang="en-US"/>
           </a:p>
@@ -1951,7 +1973,7 @@
           <a:p>
             <a:fld id="{48DFA550-804D-4715-893F-B5DA2F4561D0}" type="datetimeFigureOut">
               <a:rPr lang="en-US" smtClean="0"/>
-              <a:t>2/11/2021</a:t>
+              <a:t>2/12/2021</a:t>
             </a:fld>
             <a:endParaRPr lang="en-US"/>
           </a:p>
@@ -2064,7 +2086,7 @@
           <a:p>
             <a:fld id="{48DFA550-804D-4715-893F-B5DA2F4561D0}" type="datetimeFigureOut">
               <a:rPr lang="en-US" smtClean="0"/>
-              <a:t>2/11/2021</a:t>
+              <a:t>2/12/2021</a:t>
             </a:fld>
             <a:endParaRPr lang="en-US"/>
           </a:p>
@@ -2375,7 +2397,7 @@
           <a:p>
             <a:fld id="{48DFA550-804D-4715-893F-B5DA2F4561D0}" type="datetimeFigureOut">
               <a:rPr lang="en-US" smtClean="0"/>
-              <a:t>2/11/2021</a:t>
+              <a:t>2/12/2021</a:t>
             </a:fld>
             <a:endParaRPr lang="en-US"/>
           </a:p>
@@ -2663,7 +2685,7 @@
           <a:p>
             <a:fld id="{48DFA550-804D-4715-893F-B5DA2F4561D0}" type="datetimeFigureOut">
               <a:rPr lang="en-US" smtClean="0"/>
-              <a:t>2/11/2021</a:t>
+              <a:t>2/12/2021</a:t>
             </a:fld>
             <a:endParaRPr lang="en-US"/>
           </a:p>
@@ -2904,7 +2926,7 @@
           <a:p>
             <a:fld id="{48DFA550-804D-4715-893F-B5DA2F4561D0}" type="datetimeFigureOut">
               <a:rPr lang="en-US" smtClean="0"/>
-              <a:t>2/11/2021</a:t>
+              <a:t>2/12/2021</a:t>
             </a:fld>
             <a:endParaRPr lang="en-US"/>
           </a:p>
@@ -3307,6 +3329,3263 @@
 <file path=ppt/slides/slide1.xml><?xml version="1.0" encoding="utf-8"?>
 <p:sld xmlns:a="http://schemas.openxmlformats.org/drawingml/2006/main" xmlns:r="http://schemas.openxmlformats.org/officeDocument/2006/relationships" xmlns:p="http://schemas.openxmlformats.org/presentationml/2006/main">
   <p:cSld>
+    <p:bg>
+      <p:bgPr>
+        <a:solidFill>
+          <a:schemeClr val="bg1">
+            <a:tint val="95000"/>
+            <a:satMod val="170000"/>
+          </a:schemeClr>
+        </a:solidFill>
+        <a:effectLst/>
+      </p:bgPr>
+    </p:bg>
+    <p:spTree>
+      <p:nvGrpSpPr>
+        <p:cNvPr id="1" name=""/>
+        <p:cNvGrpSpPr/>
+        <p:nvPr/>
+      </p:nvGrpSpPr>
+      <p:grpSpPr>
+        <a:xfrm>
+          <a:off x="0" y="0"/>
+          <a:ext cx="0" cy="0"/>
+          <a:chOff x="0" y="0"/>
+          <a:chExt cx="0" cy="0"/>
+        </a:xfrm>
+      </p:grpSpPr>
+      <p:sp useBgFill="1">
+        <p:nvSpPr>
+          <p:cNvPr id="73" name="Rectangle 72">
+            <a:extLst>
+              <a:ext uri="{FF2B5EF4-FFF2-40B4-BE49-F238E27FC236}">
+                <a16:creationId xmlns:a16="http://schemas.microsoft.com/office/drawing/2014/main" id="{9B76D444-2756-434F-AE61-96D69830C13E}"/>
+              </a:ext>
+              <a:ext uri="{C183D7F6-B498-43B3-948B-1728B52AA6E4}">
+                <adec:decorative xmlns:adec="http://schemas.microsoft.com/office/drawing/2017/decorative" val="1"/>
+              </a:ext>
+            </a:extLst>
+          </p:cNvPr>
+          <p:cNvSpPr>
+            <a:spLocks noGrp="1" noRot="1" noChangeAspect="1" noMove="1" noResize="1" noEditPoints="1" noAdjustHandles="1" noChangeArrowheads="1" noChangeShapeType="1" noTextEdit="1"/>
+          </p:cNvSpPr>
+          <p:nvPr>
+            <p:extLst>
+              <p:ext uri="{386F3935-93C4-4BCD-93E2-E3B085C9AB24}">
+                <p16:designElem xmlns:p16="http://schemas.microsoft.com/office/powerpoint/2015/main" val="1"/>
+              </p:ext>
+            </p:extLst>
+          </p:nvPr>
+        </p:nvSpPr>
+        <p:spPr>
+          <a:xfrm>
+            <a:off x="0" y="0"/>
+            <a:ext cx="12188952" cy="6858000"/>
+          </a:xfrm>
+          <a:prstGeom prst="rect">
+            <a:avLst/>
+          </a:prstGeom>
+          <a:ln>
+            <a:noFill/>
+          </a:ln>
+        </p:spPr>
+        <p:style>
+          <a:lnRef idx="2">
+            <a:schemeClr val="accent1">
+              <a:shade val="50000"/>
+            </a:schemeClr>
+          </a:lnRef>
+          <a:fillRef idx="1">
+            <a:schemeClr val="accent1"/>
+          </a:fillRef>
+          <a:effectRef idx="0">
+            <a:schemeClr val="accent1"/>
+          </a:effectRef>
+          <a:fontRef idx="minor">
+            <a:schemeClr val="lt1"/>
+          </a:fontRef>
+        </p:style>
+        <p:txBody>
+          <a:bodyPr rtlCol="0" anchor="ctr"/>
+          <a:lstStyle/>
+          <a:p>
+            <a:pPr algn="ctr"/>
+            <a:endParaRPr lang="en-US"/>
+          </a:p>
+        </p:txBody>
+      </p:sp>
+      <p:pic>
+        <p:nvPicPr>
+          <p:cNvPr id="5124" name="Picture 4">
+            <a:extLst>
+              <a:ext uri="{FF2B5EF4-FFF2-40B4-BE49-F238E27FC236}">
+                <a16:creationId xmlns:a16="http://schemas.microsoft.com/office/drawing/2014/main" id="{B025D681-EEA5-456B-BABD-991DC8FA3A95}"/>
+              </a:ext>
+            </a:extLst>
+          </p:cNvPr>
+          <p:cNvPicPr>
+            <a:picLocks noChangeAspect="1" noChangeArrowheads="1"/>
+          </p:cNvPicPr>
+          <p:nvPr/>
+        </p:nvPicPr>
+        <p:blipFill rotWithShape="1">
+          <a:blip r:embed="rId2">
+            <a:extLst>
+              <a:ext uri="{28A0092B-C50C-407E-A947-70E740481C1C}">
+                <a14:useLocalDpi xmlns:a14="http://schemas.microsoft.com/office/drawing/2010/main" val="0"/>
+              </a:ext>
+            </a:extLst>
+          </a:blip>
+          <a:srcRect t="20249" r="-1" b="17646"/>
+          <a:stretch/>
+        </p:blipFill>
+        <p:spPr bwMode="auto">
+          <a:xfrm>
+            <a:off x="320040" y="320040"/>
+            <a:ext cx="11548872" cy="4303462"/>
+          </a:xfrm>
+          <a:prstGeom prst="rect">
+            <a:avLst/>
+          </a:prstGeom>
+          <a:noFill/>
+          <a:extLst>
+            <a:ext uri="{909E8E84-426E-40DD-AFC4-6F175D3DCCD1}">
+              <a14:hiddenFill xmlns:a14="http://schemas.microsoft.com/office/drawing/2010/main">
+                <a:solidFill>
+                  <a:srgbClr val="FFFFFF"/>
+                </a:solidFill>
+              </a14:hiddenFill>
+            </a:ext>
+          </a:extLst>
+        </p:spPr>
+      </p:pic>
+      <p:sp>
+        <p:nvSpPr>
+          <p:cNvPr id="75" name="Rectangle 74">
+            <a:extLst>
+              <a:ext uri="{FF2B5EF4-FFF2-40B4-BE49-F238E27FC236}">
+                <a16:creationId xmlns:a16="http://schemas.microsoft.com/office/drawing/2014/main" id="{A27B6159-7734-4564-9E0F-C4BC43C36E52}"/>
+              </a:ext>
+              <a:ext uri="{C183D7F6-B498-43B3-948B-1728B52AA6E4}">
+                <adec:decorative xmlns:adec="http://schemas.microsoft.com/office/drawing/2017/decorative" val="1"/>
+              </a:ext>
+            </a:extLst>
+          </p:cNvPr>
+          <p:cNvSpPr>
+            <a:spLocks noGrp="1" noRot="1" noChangeAspect="1" noMove="1" noResize="1" noEditPoints="1" noAdjustHandles="1" noChangeArrowheads="1" noChangeShapeType="1" noTextEdit="1"/>
+          </p:cNvSpPr>
+          <p:nvPr>
+            <p:extLst>
+              <p:ext uri="{386F3935-93C4-4BCD-93E2-E3B085C9AB24}">
+                <p16:designElem xmlns:p16="http://schemas.microsoft.com/office/powerpoint/2015/main" val="1"/>
+              </p:ext>
+            </p:extLst>
+          </p:nvPr>
+        </p:nvSpPr>
+        <p:spPr bwMode="ltGray">
+          <a:xfrm>
+            <a:off x="321564" y="4782312"/>
+            <a:ext cx="11548872" cy="1755648"/>
+          </a:xfrm>
+          <a:prstGeom prst="rect">
+            <a:avLst/>
+          </a:prstGeom>
+          <a:solidFill>
+            <a:schemeClr val="tx1">
+              <a:alpha val="93000"/>
+            </a:schemeClr>
+          </a:solidFill>
+          <a:ln w="127000" cap="sq" cmpd="thinThick">
+            <a:noFill/>
+          </a:ln>
+        </p:spPr>
+        <p:style>
+          <a:lnRef idx="2">
+            <a:schemeClr val="accent1">
+              <a:shade val="50000"/>
+            </a:schemeClr>
+          </a:lnRef>
+          <a:fillRef idx="1">
+            <a:schemeClr val="accent1"/>
+          </a:fillRef>
+          <a:effectRef idx="0">
+            <a:schemeClr val="accent1"/>
+          </a:effectRef>
+          <a:fontRef idx="minor">
+            <a:schemeClr val="lt1"/>
+          </a:fontRef>
+        </p:style>
+        <p:txBody>
+          <a:bodyPr rtlCol="0" anchor="ctr"/>
+          <a:lstStyle/>
+          <a:p>
+            <a:pPr marL="0" marR="0" lvl="0" indent="0" algn="ctr" defTabSz="914400" rtl="0" eaLnBrk="1" fontAlgn="auto" latinLnBrk="0" hangingPunct="1">
+              <a:lnSpc>
+                <a:spcPct val="100000"/>
+              </a:lnSpc>
+              <a:spcBef>
+                <a:spcPts val="0"/>
+              </a:spcBef>
+              <a:spcAft>
+                <a:spcPts val="0"/>
+              </a:spcAft>
+              <a:buClrTx/>
+              <a:buSzTx/>
+              <a:buFontTx/>
+              <a:buNone/>
+              <a:tabLst/>
+              <a:defRPr/>
+            </a:pPr>
+            <a:endParaRPr kumimoji="0" lang="en-US" sz="1800" b="0" i="0" u="none" strike="noStrike" kern="1200" cap="none" spc="0" normalizeH="0" baseline="0" noProof="0">
+              <a:ln>
+                <a:noFill/>
+              </a:ln>
+              <a:solidFill>
+                <a:prstClr val="white"/>
+              </a:solidFill>
+              <a:effectLst/>
+              <a:uLnTx/>
+              <a:uFillTx/>
+              <a:latin typeface="Calibri" panose="020F0502020204030204"/>
+              <a:ea typeface="+mn-ea"/>
+              <a:cs typeface="+mn-cs"/>
+            </a:endParaRPr>
+          </a:p>
+        </p:txBody>
+      </p:sp>
+      <p:cxnSp>
+        <p:nvCxnSpPr>
+          <p:cNvPr id="77" name="Straight Connector 76">
+            <a:extLst>
+              <a:ext uri="{FF2B5EF4-FFF2-40B4-BE49-F238E27FC236}">
+                <a16:creationId xmlns:a16="http://schemas.microsoft.com/office/drawing/2014/main" id="{E2FFB46B-05BC-4950-B18A-9593FDAE6ED7}"/>
+              </a:ext>
+              <a:ext uri="{C183D7F6-B498-43B3-948B-1728B52AA6E4}">
+                <adec:decorative xmlns:adec="http://schemas.microsoft.com/office/drawing/2017/decorative" val="1"/>
+              </a:ext>
+            </a:extLst>
+          </p:cNvPr>
+          <p:cNvCxnSpPr>
+            <a:cxnSpLocks noGrp="1" noRot="1" noChangeAspect="1" noMove="1" noResize="1" noEditPoints="1" noAdjustHandles="1" noChangeArrowheads="1" noChangeShapeType="1"/>
+          </p:cNvCxnSpPr>
+          <p:nvPr>
+            <p:extLst>
+              <p:ext uri="{386F3935-93C4-4BCD-93E2-E3B085C9AB24}">
+                <p16:designElem xmlns:p16="http://schemas.microsoft.com/office/powerpoint/2015/main" val="1"/>
+              </p:ext>
+            </p:extLst>
+          </p:nvPr>
+        </p:nvCxnSpPr>
+        <p:spPr>
+          <a:xfrm flipV="1">
+            <a:off x="4059936" y="5237979"/>
+            <a:ext cx="0" cy="914400"/>
+          </a:xfrm>
+          <a:prstGeom prst="line">
+            <a:avLst/>
+          </a:prstGeom>
+          <a:ln w="19050">
+            <a:solidFill>
+              <a:schemeClr val="bg1">
+                <a:alpha val="80000"/>
+              </a:schemeClr>
+            </a:solidFill>
+          </a:ln>
+        </p:spPr>
+        <p:style>
+          <a:lnRef idx="1">
+            <a:schemeClr val="accent1"/>
+          </a:lnRef>
+          <a:fillRef idx="0">
+            <a:schemeClr val="accent1"/>
+          </a:fillRef>
+          <a:effectRef idx="0">
+            <a:schemeClr val="accent1"/>
+          </a:effectRef>
+          <a:fontRef idx="minor">
+            <a:schemeClr val="tx1"/>
+          </a:fontRef>
+        </p:style>
+      </p:cxnSp>
+      <p:pic>
+        <p:nvPicPr>
+          <p:cNvPr id="7" name="Picture 6">
+            <a:extLst>
+              <a:ext uri="{FF2B5EF4-FFF2-40B4-BE49-F238E27FC236}">
+                <a16:creationId xmlns:a16="http://schemas.microsoft.com/office/drawing/2014/main" id="{1AD71059-26E9-429A-BA0B-7FBB64CFA56D}"/>
+              </a:ext>
+            </a:extLst>
+          </p:cNvPr>
+          <p:cNvPicPr>
+            <a:picLocks noChangeAspect="1"/>
+          </p:cNvPicPr>
+          <p:nvPr/>
+        </p:nvPicPr>
+        <p:blipFill>
+          <a:blip r:embed="rId3"/>
+          <a:stretch>
+            <a:fillRect/>
+          </a:stretch>
+        </p:blipFill>
+        <p:spPr>
+          <a:xfrm>
+            <a:off x="5011928" y="5317236"/>
+            <a:ext cx="5105400" cy="685800"/>
+          </a:xfrm>
+          <a:prstGeom prst="rect">
+            <a:avLst/>
+          </a:prstGeom>
+        </p:spPr>
+      </p:pic>
+    </p:spTree>
+    <p:extLst>
+      <p:ext uri="{BB962C8B-B14F-4D97-AF65-F5344CB8AC3E}">
+        <p14:creationId xmlns:p14="http://schemas.microsoft.com/office/powerpoint/2010/main" val="3145683095"/>
+      </p:ext>
+    </p:extLst>
+  </p:cSld>
+  <p:clrMapOvr>
+    <a:overrideClrMapping bg1="dk1" tx1="lt1" bg2="dk2" tx2="lt2" accent1="accent1" accent2="accent2" accent3="accent3" accent4="accent4" accent5="accent5" accent6="accent6" hlink="hlink" folHlink="folHlink"/>
+  </p:clrMapOvr>
+</p:sld>
+</file>
+
+<file path=ppt/slides/slide2.xml><?xml version="1.0" encoding="utf-8"?>
+<p:sld xmlns:a="http://schemas.openxmlformats.org/drawingml/2006/main" xmlns:r="http://schemas.openxmlformats.org/officeDocument/2006/relationships" xmlns:p="http://schemas.openxmlformats.org/presentationml/2006/main">
+  <p:cSld>
+    <p:spTree>
+      <p:nvGrpSpPr>
+        <p:cNvPr id="1" name=""/>
+        <p:cNvGrpSpPr/>
+        <p:nvPr/>
+      </p:nvGrpSpPr>
+      <p:grpSpPr>
+        <a:xfrm>
+          <a:off x="0" y="0"/>
+          <a:ext cx="0" cy="0"/>
+          <a:chOff x="0" y="0"/>
+          <a:chExt cx="0" cy="0"/>
+        </a:xfrm>
+      </p:grpSpPr>
+      <p:sp>
+        <p:nvSpPr>
+          <p:cNvPr id="2" name="Title 1">
+            <a:extLst>
+              <a:ext uri="{FF2B5EF4-FFF2-40B4-BE49-F238E27FC236}">
+                <a16:creationId xmlns:a16="http://schemas.microsoft.com/office/drawing/2014/main" id="{2F62499C-B2C0-4BFC-8C5D-7D082CE7D97F}"/>
+              </a:ext>
+            </a:extLst>
+          </p:cNvPr>
+          <p:cNvSpPr>
+            <a:spLocks noGrp="1"/>
+          </p:cNvSpPr>
+          <p:nvPr>
+            <p:ph type="title"/>
+          </p:nvPr>
+        </p:nvSpPr>
+        <p:spPr>
+          <a:xfrm rot="21231582">
+            <a:off x="628128" y="491343"/>
+            <a:ext cx="5011753" cy="1325563"/>
+          </a:xfrm>
+        </p:spPr>
+        <p:txBody>
+          <a:bodyPr>
+            <a:normAutofit fontScale="90000"/>
+          </a:bodyPr>
+          <a:lstStyle/>
+          <a:p>
+            <a:r>
+              <a:rPr lang="en-US" sz="6600" b="1">
+                <a:solidFill>
+                  <a:srgbClr val="FF0000"/>
+                </a:solidFill>
+              </a:rPr>
+              <a:t>¿Qué me pasó?</a:t>
+            </a:r>
+          </a:p>
+        </p:txBody>
+      </p:sp>
+      <p:pic>
+        <p:nvPicPr>
+          <p:cNvPr id="1026" name="Picture 2" descr="Resultado de imagen para papá png">
+            <a:extLst>
+              <a:ext uri="{FF2B5EF4-FFF2-40B4-BE49-F238E27FC236}">
+                <a16:creationId xmlns:a16="http://schemas.microsoft.com/office/drawing/2014/main" id="{EEC566E1-AEC4-4D06-ABB6-6B76E2EFC056}"/>
+              </a:ext>
+            </a:extLst>
+          </p:cNvPr>
+          <p:cNvPicPr>
+            <a:picLocks noChangeAspect="1" noChangeArrowheads="1"/>
+          </p:cNvPicPr>
+          <p:nvPr/>
+        </p:nvPicPr>
+        <p:blipFill>
+          <a:blip r:embed="rId2">
+            <a:extLst>
+              <a:ext uri="{28A0092B-C50C-407E-A947-70E740481C1C}">
+                <a14:useLocalDpi xmlns:a14="http://schemas.microsoft.com/office/drawing/2010/main" val="0"/>
+              </a:ext>
+            </a:extLst>
+          </a:blip>
+          <a:srcRect/>
+          <a:stretch>
+            <a:fillRect/>
+          </a:stretch>
+        </p:blipFill>
+        <p:spPr bwMode="auto">
+          <a:xfrm rot="21099927">
+            <a:off x="712591" y="2996666"/>
+            <a:ext cx="1625845" cy="1520726"/>
+          </a:xfrm>
+          <a:prstGeom prst="rect">
+            <a:avLst/>
+          </a:prstGeom>
+          <a:noFill/>
+          <a:extLst>
+            <a:ext uri="{909E8E84-426E-40DD-AFC4-6F175D3DCCD1}">
+              <a14:hiddenFill xmlns:a14="http://schemas.microsoft.com/office/drawing/2010/main">
+                <a:solidFill>
+                  <a:srgbClr val="FFFFFF"/>
+                </a:solidFill>
+              </a14:hiddenFill>
+            </a:ext>
+          </a:extLst>
+        </p:spPr>
+      </p:pic>
+      <p:pic>
+        <p:nvPicPr>
+          <p:cNvPr id="1032" name="Picture 8" descr="Resultado de imagen para mamá enojada png">
+            <a:extLst>
+              <a:ext uri="{FF2B5EF4-FFF2-40B4-BE49-F238E27FC236}">
+                <a16:creationId xmlns:a16="http://schemas.microsoft.com/office/drawing/2014/main" id="{84C71DC2-84F6-4B80-9A41-CAE9AD8BB592}"/>
+              </a:ext>
+            </a:extLst>
+          </p:cNvPr>
+          <p:cNvPicPr>
+            <a:picLocks noChangeAspect="1" noChangeArrowheads="1"/>
+          </p:cNvPicPr>
+          <p:nvPr/>
+        </p:nvPicPr>
+        <p:blipFill>
+          <a:blip r:embed="rId3">
+            <a:extLst>
+              <a:ext uri="{28A0092B-C50C-407E-A947-70E740481C1C}">
+                <a14:useLocalDpi xmlns:a14="http://schemas.microsoft.com/office/drawing/2010/main" val="0"/>
+              </a:ext>
+            </a:extLst>
+          </a:blip>
+          <a:srcRect/>
+          <a:stretch>
+            <a:fillRect/>
+          </a:stretch>
+        </p:blipFill>
+        <p:spPr bwMode="auto">
+          <a:xfrm>
+            <a:off x="5829240" y="683116"/>
+            <a:ext cx="1181100" cy="3810000"/>
+          </a:xfrm>
+          <a:prstGeom prst="rect">
+            <a:avLst/>
+          </a:prstGeom>
+          <a:noFill/>
+          <a:extLst>
+            <a:ext uri="{909E8E84-426E-40DD-AFC4-6F175D3DCCD1}">
+              <a14:hiddenFill xmlns:a14="http://schemas.microsoft.com/office/drawing/2010/main">
+                <a:solidFill>
+                  <a:srgbClr val="FFFFFF"/>
+                </a:solidFill>
+              </a14:hiddenFill>
+            </a:ext>
+          </a:extLst>
+        </p:spPr>
+      </p:pic>
+      <p:grpSp>
+        <p:nvGrpSpPr>
+          <p:cNvPr id="24" name="Group 23">
+            <a:extLst>
+              <a:ext uri="{FF2B5EF4-FFF2-40B4-BE49-F238E27FC236}">
+                <a16:creationId xmlns:a16="http://schemas.microsoft.com/office/drawing/2014/main" id="{F8A34CD7-463A-457F-ACDD-0F6BBD91A64B}"/>
+              </a:ext>
+            </a:extLst>
+          </p:cNvPr>
+          <p:cNvGrpSpPr/>
+          <p:nvPr/>
+        </p:nvGrpSpPr>
+        <p:grpSpPr>
+          <a:xfrm>
+            <a:off x="2329850" y="2274501"/>
+            <a:ext cx="2786425" cy="3916189"/>
+            <a:chOff x="2329850" y="2274501"/>
+            <a:chExt cx="2786425" cy="3916189"/>
+          </a:xfrm>
+        </p:grpSpPr>
+        <p:pic>
+          <p:nvPicPr>
+            <p:cNvPr id="1030" name="Picture 6" descr="Resultado de imagen para celular png">
+              <a:extLst>
+                <a:ext uri="{FF2B5EF4-FFF2-40B4-BE49-F238E27FC236}">
+                  <a16:creationId xmlns:a16="http://schemas.microsoft.com/office/drawing/2014/main" id="{9EA7CC10-2D23-4A09-8005-C0948D4434DC}"/>
+                </a:ext>
+              </a:extLst>
+            </p:cNvPr>
+            <p:cNvPicPr>
+              <a:picLocks noChangeAspect="1" noChangeArrowheads="1"/>
+            </p:cNvPicPr>
+            <p:nvPr/>
+          </p:nvPicPr>
+          <p:blipFill>
+            <a:blip r:embed="rId4">
+              <a:extLst>
+                <a:ext uri="{28A0092B-C50C-407E-A947-70E740481C1C}">
+                  <a14:useLocalDpi xmlns:a14="http://schemas.microsoft.com/office/drawing/2010/main" val="0"/>
+                </a:ext>
+              </a:extLst>
+            </a:blip>
+            <a:srcRect/>
+            <a:stretch>
+              <a:fillRect/>
+            </a:stretch>
+          </p:blipFill>
+          <p:spPr bwMode="auto">
+            <a:xfrm rot="744086">
+              <a:off x="2860490" y="4522601"/>
+              <a:ext cx="1668089" cy="1668089"/>
+            </a:xfrm>
+            <a:prstGeom prst="rect">
+              <a:avLst/>
+            </a:prstGeom>
+            <a:noFill/>
+            <a:extLst>
+              <a:ext uri="{909E8E84-426E-40DD-AFC4-6F175D3DCCD1}">
+                <a14:hiddenFill xmlns:a14="http://schemas.microsoft.com/office/drawing/2010/main">
+                  <a:solidFill>
+                    <a:srgbClr val="FFFFFF"/>
+                  </a:solidFill>
+                </a14:hiddenFill>
+              </a:ext>
+            </a:extLst>
+          </p:spPr>
+        </p:pic>
+        <p:pic>
+          <p:nvPicPr>
+            <p:cNvPr id="1036" name="Picture 12" descr="Resultado de imagen para visa card gold png">
+              <a:extLst>
+                <a:ext uri="{FF2B5EF4-FFF2-40B4-BE49-F238E27FC236}">
+                  <a16:creationId xmlns:a16="http://schemas.microsoft.com/office/drawing/2014/main" id="{56657B00-6AA7-43B5-AFF9-E9737918D58A}"/>
+                </a:ext>
+              </a:extLst>
+            </p:cNvPr>
+            <p:cNvPicPr>
+              <a:picLocks noChangeAspect="1" noChangeArrowheads="1"/>
+            </p:cNvPicPr>
+            <p:nvPr/>
+          </p:nvPicPr>
+          <p:blipFill>
+            <a:blip r:embed="rId5">
+              <a:extLst>
+                <a:ext uri="{28A0092B-C50C-407E-A947-70E740481C1C}">
+                  <a14:useLocalDpi xmlns:a14="http://schemas.microsoft.com/office/drawing/2010/main" val="0"/>
+                </a:ext>
+              </a:extLst>
+            </a:blip>
+            <a:srcRect/>
+            <a:stretch>
+              <a:fillRect/>
+            </a:stretch>
+          </p:blipFill>
+          <p:spPr bwMode="auto">
+            <a:xfrm rot="1736221">
+              <a:off x="3107006" y="2274501"/>
+              <a:ext cx="2009269" cy="1291673"/>
+            </a:xfrm>
+            <a:prstGeom prst="rect">
+              <a:avLst/>
+            </a:prstGeom>
+            <a:noFill/>
+            <a:extLst>
+              <a:ext uri="{909E8E84-426E-40DD-AFC4-6F175D3DCCD1}">
+                <a14:hiddenFill xmlns:a14="http://schemas.microsoft.com/office/drawing/2010/main">
+                  <a:solidFill>
+                    <a:srgbClr val="FFFFFF"/>
+                  </a:solidFill>
+                </a14:hiddenFill>
+              </a:ext>
+            </a:extLst>
+          </p:spPr>
+        </p:pic>
+        <p:cxnSp>
+          <p:nvCxnSpPr>
+            <p:cNvPr id="5" name="Straight Arrow Connector 4">
+              <a:extLst>
+                <a:ext uri="{FF2B5EF4-FFF2-40B4-BE49-F238E27FC236}">
+                  <a16:creationId xmlns:a16="http://schemas.microsoft.com/office/drawing/2014/main" id="{C600AECD-B884-4D7A-96BB-1082CFB4CF3C}"/>
+                </a:ext>
+              </a:extLst>
+            </p:cNvPr>
+            <p:cNvCxnSpPr>
+              <a:cxnSpLocks/>
+              <a:stCxn id="1026" idx="3"/>
+              <a:endCxn id="1036" idx="2"/>
+            </p:cNvCxnSpPr>
+            <p:nvPr/>
+          </p:nvCxnSpPr>
+          <p:spPr>
+            <a:xfrm flipV="1">
+              <a:off x="2329850" y="3485543"/>
+              <a:ext cx="1469304" cy="153651"/>
+            </a:xfrm>
+            <a:prstGeom prst="straightConnector1">
+              <a:avLst/>
+            </a:prstGeom>
+            <a:ln w="38100">
+              <a:tailEnd type="triangle"/>
+            </a:ln>
+            <a:effectLst>
+              <a:glow rad="139700">
+                <a:schemeClr val="accent6">
+                  <a:satMod val="175000"/>
+                  <a:alpha val="40000"/>
+                </a:schemeClr>
+              </a:glow>
+              <a:innerShdw blurRad="63500" dist="50800" dir="18900000">
+                <a:prstClr val="black">
+                  <a:alpha val="50000"/>
+                </a:prstClr>
+              </a:innerShdw>
+            </a:effectLst>
+          </p:spPr>
+          <p:style>
+            <a:lnRef idx="1">
+              <a:schemeClr val="accent6"/>
+            </a:lnRef>
+            <a:fillRef idx="0">
+              <a:schemeClr val="accent6"/>
+            </a:fillRef>
+            <a:effectRef idx="0">
+              <a:schemeClr val="accent6"/>
+            </a:effectRef>
+            <a:fontRef idx="minor">
+              <a:schemeClr val="tx1"/>
+            </a:fontRef>
+          </p:style>
+        </p:cxnSp>
+        <p:cxnSp>
+          <p:nvCxnSpPr>
+            <p:cNvPr id="16" name="Straight Arrow Connector 15">
+              <a:extLst>
+                <a:ext uri="{FF2B5EF4-FFF2-40B4-BE49-F238E27FC236}">
+                  <a16:creationId xmlns:a16="http://schemas.microsoft.com/office/drawing/2014/main" id="{7CD0A8D5-2DAF-483F-81A6-A0735B2DD4BF}"/>
+                </a:ext>
+              </a:extLst>
+            </p:cNvPr>
+            <p:cNvCxnSpPr>
+              <a:cxnSpLocks/>
+              <a:stCxn id="1026" idx="3"/>
+              <a:endCxn id="1030" idx="1"/>
+            </p:cNvCxnSpPr>
+            <p:nvPr/>
+          </p:nvCxnSpPr>
+          <p:spPr>
+            <a:xfrm>
+              <a:off x="2329850" y="3639194"/>
+              <a:ext cx="550101" cy="1538333"/>
+            </a:xfrm>
+            <a:prstGeom prst="straightConnector1">
+              <a:avLst/>
+            </a:prstGeom>
+            <a:ln w="38100">
+              <a:tailEnd type="triangle"/>
+            </a:ln>
+            <a:effectLst>
+              <a:glow rad="139700">
+                <a:schemeClr val="accent6">
+                  <a:satMod val="175000"/>
+                  <a:alpha val="40000"/>
+                </a:schemeClr>
+              </a:glow>
+              <a:innerShdw blurRad="63500" dist="50800" dir="18900000">
+                <a:prstClr val="black">
+                  <a:alpha val="50000"/>
+                </a:prstClr>
+              </a:innerShdw>
+            </a:effectLst>
+          </p:spPr>
+          <p:style>
+            <a:lnRef idx="1">
+              <a:schemeClr val="accent6"/>
+            </a:lnRef>
+            <a:fillRef idx="0">
+              <a:schemeClr val="accent6"/>
+            </a:fillRef>
+            <a:effectRef idx="0">
+              <a:schemeClr val="accent6"/>
+            </a:effectRef>
+            <a:fontRef idx="minor">
+              <a:schemeClr val="tx1"/>
+            </a:fontRef>
+          </p:style>
+        </p:cxnSp>
+      </p:grpSp>
+      <p:grpSp>
+        <p:nvGrpSpPr>
+          <p:cNvPr id="25" name="Group 24">
+            <a:extLst>
+              <a:ext uri="{FF2B5EF4-FFF2-40B4-BE49-F238E27FC236}">
+                <a16:creationId xmlns:a16="http://schemas.microsoft.com/office/drawing/2014/main" id="{7D2CFB01-B506-43E4-A215-DD59A3DE68D9}"/>
+              </a:ext>
+            </a:extLst>
+          </p:cNvPr>
+          <p:cNvGrpSpPr/>
+          <p:nvPr/>
+        </p:nvGrpSpPr>
+        <p:grpSpPr>
+          <a:xfrm>
+            <a:off x="4509118" y="4689715"/>
+            <a:ext cx="2834074" cy="1660634"/>
+            <a:chOff x="4509118" y="4689715"/>
+            <a:chExt cx="2834074" cy="1660634"/>
+          </a:xfrm>
+        </p:grpSpPr>
+        <p:pic>
+          <p:nvPicPr>
+            <p:cNvPr id="1028" name="Picture 4" descr="Resultado de imagen para papá png">
+              <a:extLst>
+                <a:ext uri="{FF2B5EF4-FFF2-40B4-BE49-F238E27FC236}">
+                  <a16:creationId xmlns:a16="http://schemas.microsoft.com/office/drawing/2014/main" id="{5BBE596E-3484-4287-BFBB-03E1DDE0AC4E}"/>
+                </a:ext>
+              </a:extLst>
+            </p:cNvPr>
+            <p:cNvPicPr>
+              <a:picLocks noChangeAspect="1" noChangeArrowheads="1"/>
+            </p:cNvPicPr>
+            <p:nvPr/>
+          </p:nvPicPr>
+          <p:blipFill rotWithShape="1">
+            <a:blip r:embed="rId6">
+              <a:extLst>
+                <a:ext uri="{28A0092B-C50C-407E-A947-70E740481C1C}">
+                  <a14:useLocalDpi xmlns:a14="http://schemas.microsoft.com/office/drawing/2010/main" val="0"/>
+                </a:ext>
+              </a:extLst>
+            </a:blip>
+            <a:srcRect l="8128" t="11973" r="13069"/>
+            <a:stretch/>
+          </p:blipFill>
+          <p:spPr bwMode="auto">
+            <a:xfrm>
+              <a:off x="5856577" y="4689715"/>
+              <a:ext cx="1486615" cy="1660634"/>
+            </a:xfrm>
+            <a:prstGeom prst="rect">
+              <a:avLst/>
+            </a:prstGeom>
+            <a:noFill/>
+            <a:extLst>
+              <a:ext uri="{909E8E84-426E-40DD-AFC4-6F175D3DCCD1}">
+                <a14:hiddenFill xmlns:a14="http://schemas.microsoft.com/office/drawing/2010/main">
+                  <a:solidFill>
+                    <a:srgbClr val="FFFFFF"/>
+                  </a:solidFill>
+                </a14:hiddenFill>
+              </a:ext>
+            </a:extLst>
+          </p:spPr>
+        </p:pic>
+        <p:cxnSp>
+          <p:nvCxnSpPr>
+            <p:cNvPr id="19" name="Straight Arrow Connector 18">
+              <a:extLst>
+                <a:ext uri="{FF2B5EF4-FFF2-40B4-BE49-F238E27FC236}">
+                  <a16:creationId xmlns:a16="http://schemas.microsoft.com/office/drawing/2014/main" id="{EFBBE943-2E54-48C6-8C1D-A6A375D0D8D7}"/>
+                </a:ext>
+              </a:extLst>
+            </p:cNvPr>
+            <p:cNvCxnSpPr>
+              <a:cxnSpLocks/>
+              <a:stCxn id="1030" idx="3"/>
+              <a:endCxn id="1028" idx="1"/>
+            </p:cNvCxnSpPr>
+            <p:nvPr/>
+          </p:nvCxnSpPr>
+          <p:spPr>
+            <a:xfrm flipV="1">
+              <a:off x="4509118" y="5520032"/>
+              <a:ext cx="1347459" cy="15733"/>
+            </a:xfrm>
+            <a:prstGeom prst="straightConnector1">
+              <a:avLst/>
+            </a:prstGeom>
+            <a:ln w="38100">
+              <a:tailEnd type="triangle"/>
+            </a:ln>
+            <a:effectLst>
+              <a:glow rad="139700">
+                <a:schemeClr val="accent6">
+                  <a:satMod val="175000"/>
+                  <a:alpha val="40000"/>
+                </a:schemeClr>
+              </a:glow>
+              <a:innerShdw blurRad="63500" dist="50800" dir="18900000">
+                <a:prstClr val="black">
+                  <a:alpha val="50000"/>
+                </a:prstClr>
+              </a:innerShdw>
+            </a:effectLst>
+          </p:spPr>
+          <p:style>
+            <a:lnRef idx="1">
+              <a:schemeClr val="accent6"/>
+            </a:lnRef>
+            <a:fillRef idx="0">
+              <a:schemeClr val="accent6"/>
+            </a:fillRef>
+            <a:effectRef idx="0">
+              <a:schemeClr val="accent6"/>
+            </a:effectRef>
+            <a:fontRef idx="minor">
+              <a:schemeClr val="tx1"/>
+            </a:fontRef>
+          </p:style>
+        </p:cxnSp>
+      </p:grpSp>
+      <p:grpSp>
+        <p:nvGrpSpPr>
+          <p:cNvPr id="26" name="Group 25">
+            <a:extLst>
+              <a:ext uri="{FF2B5EF4-FFF2-40B4-BE49-F238E27FC236}">
+                <a16:creationId xmlns:a16="http://schemas.microsoft.com/office/drawing/2014/main" id="{98CD34A6-DB16-4C67-A374-8FE05BE4694A}"/>
+              </a:ext>
+            </a:extLst>
+          </p:cNvPr>
+          <p:cNvGrpSpPr/>
+          <p:nvPr/>
+        </p:nvGrpSpPr>
+        <p:grpSpPr>
+          <a:xfrm>
+            <a:off x="7343192" y="3263621"/>
+            <a:ext cx="3635412" cy="3265959"/>
+            <a:chOff x="7343192" y="3263621"/>
+            <a:chExt cx="3635412" cy="3265959"/>
+          </a:xfrm>
+        </p:grpSpPr>
+        <p:pic>
+          <p:nvPicPr>
+            <p:cNvPr id="1038" name="Picture 14" descr="Resultado de imagen para roblox png">
+              <a:extLst>
+                <a:ext uri="{FF2B5EF4-FFF2-40B4-BE49-F238E27FC236}">
+                  <a16:creationId xmlns:a16="http://schemas.microsoft.com/office/drawing/2014/main" id="{176E445F-6346-47B7-9F79-9F75D99FD66D}"/>
+                </a:ext>
+              </a:extLst>
+            </p:cNvPr>
+            <p:cNvPicPr>
+              <a:picLocks noChangeAspect="1" noChangeArrowheads="1"/>
+            </p:cNvPicPr>
+            <p:nvPr/>
+          </p:nvPicPr>
+          <p:blipFill>
+            <a:blip r:embed="rId7">
+              <a:extLst>
+                <a:ext uri="{28A0092B-C50C-407E-A947-70E740481C1C}">
+                  <a14:useLocalDpi xmlns:a14="http://schemas.microsoft.com/office/drawing/2010/main" val="0"/>
+                </a:ext>
+              </a:extLst>
+            </a:blip>
+            <a:srcRect/>
+            <a:stretch>
+              <a:fillRect/>
+            </a:stretch>
+          </p:blipFill>
+          <p:spPr bwMode="auto">
+            <a:xfrm>
+              <a:off x="8869242" y="3263621"/>
+              <a:ext cx="1784190" cy="1416024"/>
+            </a:xfrm>
+            <a:prstGeom prst="rect">
+              <a:avLst/>
+            </a:prstGeom>
+            <a:noFill/>
+            <a:extLst>
+              <a:ext uri="{909E8E84-426E-40DD-AFC4-6F175D3DCCD1}">
+                <a14:hiddenFill xmlns:a14="http://schemas.microsoft.com/office/drawing/2010/main">
+                  <a:solidFill>
+                    <a:srgbClr val="FFFFFF"/>
+                  </a:solidFill>
+                </a14:hiddenFill>
+              </a:ext>
+            </a:extLst>
+          </p:spPr>
+        </p:pic>
+        <p:cxnSp>
+          <p:nvCxnSpPr>
+            <p:cNvPr id="22" name="Straight Arrow Connector 21">
+              <a:extLst>
+                <a:ext uri="{FF2B5EF4-FFF2-40B4-BE49-F238E27FC236}">
+                  <a16:creationId xmlns:a16="http://schemas.microsoft.com/office/drawing/2014/main" id="{3AFF0BB3-27B9-466F-BA81-8A7B92FD88AC}"/>
+                </a:ext>
+              </a:extLst>
+            </p:cNvPr>
+            <p:cNvCxnSpPr>
+              <a:cxnSpLocks/>
+              <a:stCxn id="1028" idx="3"/>
+              <a:endCxn id="1038" idx="1"/>
+            </p:cNvCxnSpPr>
+            <p:nvPr/>
+          </p:nvCxnSpPr>
+          <p:spPr>
+            <a:xfrm flipV="1">
+              <a:off x="7343192" y="3971633"/>
+              <a:ext cx="1526050" cy="1548399"/>
+            </a:xfrm>
+            <a:prstGeom prst="straightConnector1">
+              <a:avLst/>
+            </a:prstGeom>
+            <a:ln w="38100">
+              <a:tailEnd type="triangle"/>
+            </a:ln>
+            <a:effectLst>
+              <a:glow rad="139700">
+                <a:schemeClr val="accent6">
+                  <a:satMod val="175000"/>
+                  <a:alpha val="40000"/>
+                </a:schemeClr>
+              </a:glow>
+              <a:innerShdw blurRad="63500" dist="50800" dir="18900000">
+                <a:prstClr val="black">
+                  <a:alpha val="50000"/>
+                </a:prstClr>
+              </a:innerShdw>
+            </a:effectLst>
+          </p:spPr>
+          <p:style>
+            <a:lnRef idx="1">
+              <a:schemeClr val="accent6"/>
+            </a:lnRef>
+            <a:fillRef idx="0">
+              <a:schemeClr val="accent6"/>
+            </a:fillRef>
+            <a:effectRef idx="0">
+              <a:schemeClr val="accent6"/>
+            </a:effectRef>
+            <a:fontRef idx="minor">
+              <a:schemeClr val="tx1"/>
+            </a:fontRef>
+          </p:style>
+        </p:cxnSp>
+        <p:grpSp>
+          <p:nvGrpSpPr>
+            <p:cNvPr id="15" name="Group 14">
+              <a:extLst>
+                <a:ext uri="{FF2B5EF4-FFF2-40B4-BE49-F238E27FC236}">
+                  <a16:creationId xmlns:a16="http://schemas.microsoft.com/office/drawing/2014/main" id="{C0D71565-4EE7-4C96-85B3-55706368D17F}"/>
+                </a:ext>
+              </a:extLst>
+            </p:cNvPr>
+            <p:cNvGrpSpPr/>
+            <p:nvPr/>
+          </p:nvGrpSpPr>
+          <p:grpSpPr>
+            <a:xfrm>
+              <a:off x="8745695" y="4991247"/>
+              <a:ext cx="2232909" cy="1538333"/>
+              <a:chOff x="7039146" y="2494458"/>
+              <a:chExt cx="2667000" cy="1968152"/>
+            </a:xfrm>
+          </p:grpSpPr>
+          <p:pic>
+            <p:nvPicPr>
+              <p:cNvPr id="1040" name="Picture 16" descr="Resultado de imagen para robux png">
+                <a:extLst>
+                  <a:ext uri="{FF2B5EF4-FFF2-40B4-BE49-F238E27FC236}">
+                    <a16:creationId xmlns:a16="http://schemas.microsoft.com/office/drawing/2014/main" id="{FAA238F2-34F5-4340-AE48-F777153C2ACE}"/>
+                  </a:ext>
+                </a:extLst>
+              </p:cNvPr>
+              <p:cNvPicPr>
+                <a:picLocks noChangeAspect="1" noChangeArrowheads="1"/>
+              </p:cNvPicPr>
+              <p:nvPr/>
+            </p:nvPicPr>
+            <p:blipFill>
+              <a:blip r:embed="rId8">
+                <a:extLst>
+                  <a:ext uri="{28A0092B-C50C-407E-A947-70E740481C1C}">
+                    <a14:useLocalDpi xmlns:a14="http://schemas.microsoft.com/office/drawing/2010/main" val="0"/>
+                  </a:ext>
+                </a:extLst>
+              </a:blip>
+              <a:srcRect/>
+              <a:stretch>
+                <a:fillRect/>
+              </a:stretch>
+            </p:blipFill>
+            <p:spPr bwMode="auto">
+              <a:xfrm>
+                <a:off x="7039146" y="2748110"/>
+                <a:ext cx="2667000" cy="1714500"/>
+              </a:xfrm>
+              <a:prstGeom prst="rect">
+                <a:avLst/>
+              </a:prstGeom>
+              <a:noFill/>
+              <a:extLst>
+                <a:ext uri="{909E8E84-426E-40DD-AFC4-6F175D3DCCD1}">
+                  <a14:hiddenFill xmlns:a14="http://schemas.microsoft.com/office/drawing/2010/main">
+                    <a:solidFill>
+                      <a:srgbClr val="FFFFFF"/>
+                    </a:solidFill>
+                  </a14:hiddenFill>
+                </a:ext>
+              </a:extLst>
+            </p:spPr>
+          </p:pic>
+          <p:pic>
+            <p:nvPicPr>
+              <p:cNvPr id="1044" name="Picture 20" descr="Resultado de imagen para robux png">
+                <a:extLst>
+                  <a:ext uri="{FF2B5EF4-FFF2-40B4-BE49-F238E27FC236}">
+                    <a16:creationId xmlns:a16="http://schemas.microsoft.com/office/drawing/2014/main" id="{E7A563E5-5A08-4C6A-9906-751C1EE96A44}"/>
+                  </a:ext>
+                </a:extLst>
+              </p:cNvPr>
+              <p:cNvPicPr>
+                <a:picLocks noChangeAspect="1" noChangeArrowheads="1"/>
+              </p:cNvPicPr>
+              <p:nvPr/>
+            </p:nvPicPr>
+            <p:blipFill rotWithShape="1">
+              <a:blip r:embed="rId9">
+                <a:clrChange>
+                  <a:clrFrom>
+                    <a:srgbClr val="F6F6F6"/>
+                  </a:clrFrom>
+                  <a:clrTo>
+                    <a:srgbClr val="F6F6F6">
+                      <a:alpha val="0"/>
+                    </a:srgbClr>
+                  </a:clrTo>
+                </a:clrChange>
+                <a:extLst>
+                  <a:ext uri="{28A0092B-C50C-407E-A947-70E740481C1C}">
+                    <a14:useLocalDpi xmlns:a14="http://schemas.microsoft.com/office/drawing/2010/main" val="0"/>
+                  </a:ext>
+                </a:extLst>
+              </a:blip>
+              <a:srcRect l="26165" t="4777" r="23326" b="4397"/>
+              <a:stretch/>
+            </p:blipFill>
+            <p:spPr bwMode="auto">
+              <a:xfrm>
+                <a:off x="7385296" y="2494458"/>
+                <a:ext cx="827366" cy="784806"/>
+              </a:xfrm>
+              <a:prstGeom prst="rect">
+                <a:avLst/>
+              </a:prstGeom>
+              <a:noFill/>
+              <a:extLst>
+                <a:ext uri="{909E8E84-426E-40DD-AFC4-6F175D3DCCD1}">
+                  <a14:hiddenFill xmlns:a14="http://schemas.microsoft.com/office/drawing/2010/main">
+                    <a:solidFill>
+                      <a:srgbClr val="FFFFFF"/>
+                    </a:solidFill>
+                  </a14:hiddenFill>
+                </a:ext>
+              </a:extLst>
+            </p:spPr>
+          </p:pic>
+        </p:grpSp>
+        <p:cxnSp>
+          <p:nvCxnSpPr>
+            <p:cNvPr id="29" name="Straight Arrow Connector 28">
+              <a:extLst>
+                <a:ext uri="{FF2B5EF4-FFF2-40B4-BE49-F238E27FC236}">
+                  <a16:creationId xmlns:a16="http://schemas.microsoft.com/office/drawing/2014/main" id="{4AD01072-FDF4-4913-971D-124C8CD354DA}"/>
+                </a:ext>
+              </a:extLst>
+            </p:cNvPr>
+            <p:cNvCxnSpPr>
+              <a:cxnSpLocks/>
+              <a:stCxn id="1028" idx="3"/>
+              <a:endCxn id="1040" idx="1"/>
+            </p:cNvCxnSpPr>
+            <p:nvPr/>
+          </p:nvCxnSpPr>
+          <p:spPr>
+            <a:xfrm>
+              <a:off x="7343192" y="5520032"/>
+              <a:ext cx="1402503" cy="339511"/>
+            </a:xfrm>
+            <a:prstGeom prst="straightConnector1">
+              <a:avLst/>
+            </a:prstGeom>
+            <a:ln w="38100">
+              <a:tailEnd type="triangle"/>
+            </a:ln>
+            <a:effectLst>
+              <a:glow rad="139700">
+                <a:schemeClr val="accent6">
+                  <a:satMod val="175000"/>
+                  <a:alpha val="40000"/>
+                </a:schemeClr>
+              </a:glow>
+              <a:innerShdw blurRad="63500" dist="50800" dir="18900000">
+                <a:prstClr val="black">
+                  <a:alpha val="50000"/>
+                </a:prstClr>
+              </a:innerShdw>
+            </a:effectLst>
+          </p:spPr>
+          <p:style>
+            <a:lnRef idx="1">
+              <a:schemeClr val="accent6"/>
+            </a:lnRef>
+            <a:fillRef idx="0">
+              <a:schemeClr val="accent6"/>
+            </a:fillRef>
+            <a:effectRef idx="0">
+              <a:schemeClr val="accent6"/>
+            </a:effectRef>
+            <a:fontRef idx="minor">
+              <a:schemeClr val="tx1"/>
+            </a:fontRef>
+          </p:style>
+        </p:cxnSp>
+      </p:grpSp>
+    </p:spTree>
+    <p:extLst>
+      <p:ext uri="{BB962C8B-B14F-4D97-AF65-F5344CB8AC3E}">
+        <p14:creationId xmlns:p14="http://schemas.microsoft.com/office/powerpoint/2010/main" val="680771829"/>
+      </p:ext>
+    </p:extLst>
+  </p:cSld>
+  <p:clrMapOvr>
+    <a:masterClrMapping/>
+  </p:clrMapOvr>
+  <p:timing>
+    <p:tnLst>
+      <p:par>
+        <p:cTn id="1" dur="indefinite" restart="never" nodeType="tmRoot">
+          <p:childTnLst>
+            <p:seq concurrent="1" nextAc="seek">
+              <p:cTn id="2" dur="indefinite" nodeType="mainSeq">
+                <p:childTnLst>
+                  <p:par>
+                    <p:cTn id="3" fill="hold">
+                      <p:stCondLst>
+                        <p:cond delay="indefinite"/>
+                      </p:stCondLst>
+                      <p:childTnLst>
+                        <p:par>
+                          <p:cTn id="4" fill="hold">
+                            <p:stCondLst>
+                              <p:cond delay="0"/>
+                            </p:stCondLst>
+                            <p:childTnLst>
+                              <p:par>
+                                <p:cTn id="5" presetID="16" presetClass="entr" presetSubtype="21" fill="hold" nodeType="clickEffect">
+                                  <p:stCondLst>
+                                    <p:cond delay="0"/>
+                                  </p:stCondLst>
+                                  <p:childTnLst>
+                                    <p:set>
+                                      <p:cBhvr>
+                                        <p:cTn id="6" dur="1" fill="hold">
+                                          <p:stCondLst>
+                                            <p:cond delay="0"/>
+                                          </p:stCondLst>
+                                        </p:cTn>
+                                        <p:tgtEl>
+                                          <p:spTgt spid="24"/>
+                                        </p:tgtEl>
+                                        <p:attrNameLst>
+                                          <p:attrName>style.visibility</p:attrName>
+                                        </p:attrNameLst>
+                                      </p:cBhvr>
+                                      <p:to>
+                                        <p:strVal val="visible"/>
+                                      </p:to>
+                                    </p:set>
+                                    <p:animEffect transition="in" filter="barn(inVertical)">
+                                      <p:cBhvr>
+                                        <p:cTn id="7" dur="500"/>
+                                        <p:tgtEl>
+                                          <p:spTgt spid="24"/>
+                                        </p:tgtEl>
+                                      </p:cBhvr>
+                                    </p:animEffect>
+                                  </p:childTnLst>
+                                </p:cTn>
+                              </p:par>
+                            </p:childTnLst>
+                          </p:cTn>
+                        </p:par>
+                      </p:childTnLst>
+                    </p:cTn>
+                  </p:par>
+                  <p:par>
+                    <p:cTn id="8" fill="hold">
+                      <p:stCondLst>
+                        <p:cond delay="indefinite"/>
+                      </p:stCondLst>
+                      <p:childTnLst>
+                        <p:par>
+                          <p:cTn id="9" fill="hold">
+                            <p:stCondLst>
+                              <p:cond delay="0"/>
+                            </p:stCondLst>
+                            <p:childTnLst>
+                              <p:par>
+                                <p:cTn id="10" presetID="14" presetClass="entr" presetSubtype="10" fill="hold" nodeType="clickEffect">
+                                  <p:stCondLst>
+                                    <p:cond delay="0"/>
+                                  </p:stCondLst>
+                                  <p:childTnLst>
+                                    <p:set>
+                                      <p:cBhvr>
+                                        <p:cTn id="11" dur="1" fill="hold">
+                                          <p:stCondLst>
+                                            <p:cond delay="0"/>
+                                          </p:stCondLst>
+                                        </p:cTn>
+                                        <p:tgtEl>
+                                          <p:spTgt spid="25"/>
+                                        </p:tgtEl>
+                                        <p:attrNameLst>
+                                          <p:attrName>style.visibility</p:attrName>
+                                        </p:attrNameLst>
+                                      </p:cBhvr>
+                                      <p:to>
+                                        <p:strVal val="visible"/>
+                                      </p:to>
+                                    </p:set>
+                                    <p:animEffect transition="in" filter="randombar(horizontal)">
+                                      <p:cBhvr>
+                                        <p:cTn id="12" dur="500"/>
+                                        <p:tgtEl>
+                                          <p:spTgt spid="25"/>
+                                        </p:tgtEl>
+                                      </p:cBhvr>
+                                    </p:animEffect>
+                                  </p:childTnLst>
+                                </p:cTn>
+                              </p:par>
+                            </p:childTnLst>
+                          </p:cTn>
+                        </p:par>
+                      </p:childTnLst>
+                    </p:cTn>
+                  </p:par>
+                  <p:par>
+                    <p:cTn id="13" fill="hold">
+                      <p:stCondLst>
+                        <p:cond delay="indefinite"/>
+                      </p:stCondLst>
+                      <p:childTnLst>
+                        <p:par>
+                          <p:cTn id="14" fill="hold">
+                            <p:stCondLst>
+                              <p:cond delay="0"/>
+                            </p:stCondLst>
+                            <p:childTnLst>
+                              <p:par>
+                                <p:cTn id="15" presetID="31" presetClass="entr" presetSubtype="0" fill="hold" nodeType="clickEffect">
+                                  <p:stCondLst>
+                                    <p:cond delay="0"/>
+                                  </p:stCondLst>
+                                  <p:childTnLst>
+                                    <p:set>
+                                      <p:cBhvr>
+                                        <p:cTn id="16" dur="1" fill="hold">
+                                          <p:stCondLst>
+                                            <p:cond delay="0"/>
+                                          </p:stCondLst>
+                                        </p:cTn>
+                                        <p:tgtEl>
+                                          <p:spTgt spid="26"/>
+                                        </p:tgtEl>
+                                        <p:attrNameLst>
+                                          <p:attrName>style.visibility</p:attrName>
+                                        </p:attrNameLst>
+                                      </p:cBhvr>
+                                      <p:to>
+                                        <p:strVal val="visible"/>
+                                      </p:to>
+                                    </p:set>
+                                    <p:anim calcmode="lin" valueType="num">
+                                      <p:cBhvr>
+                                        <p:cTn id="17" dur="1000" fill="hold"/>
+                                        <p:tgtEl>
+                                          <p:spTgt spid="26"/>
+                                        </p:tgtEl>
+                                        <p:attrNameLst>
+                                          <p:attrName>ppt_w</p:attrName>
+                                        </p:attrNameLst>
+                                      </p:cBhvr>
+                                      <p:tavLst>
+                                        <p:tav tm="0">
+                                          <p:val>
+                                            <p:fltVal val="0"/>
+                                          </p:val>
+                                        </p:tav>
+                                        <p:tav tm="100000">
+                                          <p:val>
+                                            <p:strVal val="#ppt_w"/>
+                                          </p:val>
+                                        </p:tav>
+                                      </p:tavLst>
+                                    </p:anim>
+                                    <p:anim calcmode="lin" valueType="num">
+                                      <p:cBhvr>
+                                        <p:cTn id="18" dur="1000" fill="hold"/>
+                                        <p:tgtEl>
+                                          <p:spTgt spid="26"/>
+                                        </p:tgtEl>
+                                        <p:attrNameLst>
+                                          <p:attrName>ppt_h</p:attrName>
+                                        </p:attrNameLst>
+                                      </p:cBhvr>
+                                      <p:tavLst>
+                                        <p:tav tm="0">
+                                          <p:val>
+                                            <p:fltVal val="0"/>
+                                          </p:val>
+                                        </p:tav>
+                                        <p:tav tm="100000">
+                                          <p:val>
+                                            <p:strVal val="#ppt_h"/>
+                                          </p:val>
+                                        </p:tav>
+                                      </p:tavLst>
+                                    </p:anim>
+                                    <p:anim calcmode="lin" valueType="num">
+                                      <p:cBhvr>
+                                        <p:cTn id="19" dur="1000" fill="hold"/>
+                                        <p:tgtEl>
+                                          <p:spTgt spid="26"/>
+                                        </p:tgtEl>
+                                        <p:attrNameLst>
+                                          <p:attrName>style.rotation</p:attrName>
+                                        </p:attrNameLst>
+                                      </p:cBhvr>
+                                      <p:tavLst>
+                                        <p:tav tm="0">
+                                          <p:val>
+                                            <p:fltVal val="90"/>
+                                          </p:val>
+                                        </p:tav>
+                                        <p:tav tm="100000">
+                                          <p:val>
+                                            <p:fltVal val="0"/>
+                                          </p:val>
+                                        </p:tav>
+                                      </p:tavLst>
+                                    </p:anim>
+                                    <p:animEffect transition="in" filter="fade">
+                                      <p:cBhvr>
+                                        <p:cTn id="20" dur="1000"/>
+                                        <p:tgtEl>
+                                          <p:spTgt spid="26"/>
+                                        </p:tgtEl>
+                                      </p:cBhvr>
+                                    </p:animEffect>
+                                  </p:childTnLst>
+                                </p:cTn>
+                              </p:par>
+                            </p:childTnLst>
+                          </p:cTn>
+                        </p:par>
+                      </p:childTnLst>
+                    </p:cTn>
+                  </p:par>
+                  <p:par>
+                    <p:cTn id="21" fill="hold">
+                      <p:stCondLst>
+                        <p:cond delay="indefinite"/>
+                      </p:stCondLst>
+                      <p:childTnLst>
+                        <p:par>
+                          <p:cTn id="22" fill="hold">
+                            <p:stCondLst>
+                              <p:cond delay="0"/>
+                            </p:stCondLst>
+                            <p:childTnLst>
+                              <p:par>
+                                <p:cTn id="23" presetID="45" presetClass="entr" presetSubtype="0" fill="hold" nodeType="clickEffect">
+                                  <p:stCondLst>
+                                    <p:cond delay="0"/>
+                                  </p:stCondLst>
+                                  <p:childTnLst>
+                                    <p:set>
+                                      <p:cBhvr>
+                                        <p:cTn id="24" dur="1" fill="hold">
+                                          <p:stCondLst>
+                                            <p:cond delay="0"/>
+                                          </p:stCondLst>
+                                        </p:cTn>
+                                        <p:tgtEl>
+                                          <p:spTgt spid="1032"/>
+                                        </p:tgtEl>
+                                        <p:attrNameLst>
+                                          <p:attrName>style.visibility</p:attrName>
+                                        </p:attrNameLst>
+                                      </p:cBhvr>
+                                      <p:to>
+                                        <p:strVal val="visible"/>
+                                      </p:to>
+                                    </p:set>
+                                    <p:animEffect transition="in" filter="fade">
+                                      <p:cBhvr>
+                                        <p:cTn id="25" dur="2000"/>
+                                        <p:tgtEl>
+                                          <p:spTgt spid="1032"/>
+                                        </p:tgtEl>
+                                      </p:cBhvr>
+                                    </p:animEffect>
+                                    <p:anim calcmode="lin" valueType="num">
+                                      <p:cBhvr>
+                                        <p:cTn id="26" dur="2000" fill="hold"/>
+                                        <p:tgtEl>
+                                          <p:spTgt spid="1032"/>
+                                        </p:tgtEl>
+                                        <p:attrNameLst>
+                                          <p:attrName>ppt_w</p:attrName>
+                                        </p:attrNameLst>
+                                      </p:cBhvr>
+                                      <p:tavLst>
+                                        <p:tav tm="0" fmla="#ppt_w*sin(2.5*pi*$)">
+                                          <p:val>
+                                            <p:fltVal val="0"/>
+                                          </p:val>
+                                        </p:tav>
+                                        <p:tav tm="100000">
+                                          <p:val>
+                                            <p:fltVal val="1"/>
+                                          </p:val>
+                                        </p:tav>
+                                      </p:tavLst>
+                                    </p:anim>
+                                    <p:anim calcmode="lin" valueType="num">
+                                      <p:cBhvr>
+                                        <p:cTn id="27" dur="2000" fill="hold"/>
+                                        <p:tgtEl>
+                                          <p:spTgt spid="1032"/>
+                                        </p:tgtEl>
+                                        <p:attrNameLst>
+                                          <p:attrName>ppt_h</p:attrName>
+                                        </p:attrNameLst>
+                                      </p:cBhvr>
+                                      <p:tavLst>
+                                        <p:tav tm="0">
+                                          <p:val>
+                                            <p:strVal val="#ppt_h"/>
+                                          </p:val>
+                                        </p:tav>
+                                        <p:tav tm="100000">
+                                          <p:val>
+                                            <p:strVal val="#ppt_h"/>
+                                          </p:val>
+                                        </p:tav>
+                                      </p:tavLst>
+                                    </p:anim>
+                                  </p:childTnLst>
+                                </p:cTn>
+                              </p:par>
+                            </p:childTnLst>
+                          </p:cTn>
+                        </p:par>
+                      </p:childTnLst>
+                    </p:cTn>
+                  </p:par>
+                </p:childTnLst>
+              </p:cTn>
+              <p:prevCondLst>
+                <p:cond evt="onPrev" delay="0">
+                  <p:tgtEl>
+                    <p:sldTgt/>
+                  </p:tgtEl>
+                </p:cond>
+              </p:prevCondLst>
+              <p:nextCondLst>
+                <p:cond evt="onNext" delay="0">
+                  <p:tgtEl>
+                    <p:sldTgt/>
+                  </p:tgtEl>
+                </p:cond>
+              </p:nextCondLst>
+            </p:seq>
+          </p:childTnLst>
+        </p:cTn>
+      </p:par>
+    </p:tnLst>
+  </p:timing>
+</p:sld>
+</file>
+
+<file path=ppt/slides/slide3.xml><?xml version="1.0" encoding="utf-8"?>
+<p:sld xmlns:a="http://schemas.openxmlformats.org/drawingml/2006/main" xmlns:r="http://schemas.openxmlformats.org/officeDocument/2006/relationships" xmlns:p="http://schemas.openxmlformats.org/presentationml/2006/main">
+  <p:cSld>
+    <p:spTree>
+      <p:nvGrpSpPr>
+        <p:cNvPr id="1" name=""/>
+        <p:cNvGrpSpPr/>
+        <p:nvPr/>
+      </p:nvGrpSpPr>
+      <p:grpSpPr>
+        <a:xfrm>
+          <a:off x="0" y="0"/>
+          <a:ext cx="0" cy="0"/>
+          <a:chOff x="0" y="0"/>
+          <a:chExt cx="0" cy="0"/>
+        </a:xfrm>
+      </p:grpSpPr>
+      <p:sp>
+        <p:nvSpPr>
+          <p:cNvPr id="2" name="Title 1">
+            <a:extLst>
+              <a:ext uri="{FF2B5EF4-FFF2-40B4-BE49-F238E27FC236}">
+                <a16:creationId xmlns:a16="http://schemas.microsoft.com/office/drawing/2014/main" id="{2F62499C-B2C0-4BFC-8C5D-7D082CE7D97F}"/>
+              </a:ext>
+            </a:extLst>
+          </p:cNvPr>
+          <p:cNvSpPr>
+            <a:spLocks noGrp="1"/>
+          </p:cNvSpPr>
+          <p:nvPr>
+            <p:ph type="title"/>
+          </p:nvPr>
+        </p:nvSpPr>
+        <p:spPr>
+          <a:xfrm rot="21151926">
+            <a:off x="580003" y="668404"/>
+            <a:ext cx="7540910" cy="760685"/>
+          </a:xfrm>
+        </p:spPr>
+        <p:txBody>
+          <a:bodyPr>
+            <a:normAutofit fontScale="90000"/>
+          </a:bodyPr>
+          <a:lstStyle/>
+          <a:p>
+            <a:r>
+              <a:rPr lang="en-US" sz="6600" b="1">
+                <a:solidFill>
+                  <a:srgbClr val="FF0000"/>
+                </a:solidFill>
+              </a:rPr>
+              <a:t>¡Pensaré una solución!</a:t>
+            </a:r>
+          </a:p>
+        </p:txBody>
+      </p:sp>
+      <p:pic>
+        <p:nvPicPr>
+          <p:cNvPr id="1026" name="Picture 2" descr="Resultado de imagen para papá png">
+            <a:extLst>
+              <a:ext uri="{FF2B5EF4-FFF2-40B4-BE49-F238E27FC236}">
+                <a16:creationId xmlns:a16="http://schemas.microsoft.com/office/drawing/2014/main" id="{EEC566E1-AEC4-4D06-ABB6-6B76E2EFC056}"/>
+              </a:ext>
+            </a:extLst>
+          </p:cNvPr>
+          <p:cNvPicPr>
+            <a:picLocks noChangeAspect="1" noChangeArrowheads="1"/>
+          </p:cNvPicPr>
+          <p:nvPr/>
+        </p:nvPicPr>
+        <p:blipFill>
+          <a:blip r:embed="rId2">
+            <a:extLst>
+              <a:ext uri="{28A0092B-C50C-407E-A947-70E740481C1C}">
+                <a14:useLocalDpi xmlns:a14="http://schemas.microsoft.com/office/drawing/2010/main" val="0"/>
+              </a:ext>
+            </a:extLst>
+          </a:blip>
+          <a:srcRect/>
+          <a:stretch>
+            <a:fillRect/>
+          </a:stretch>
+        </p:blipFill>
+        <p:spPr bwMode="auto">
+          <a:xfrm rot="21099927">
+            <a:off x="331402" y="3017475"/>
+            <a:ext cx="1625845" cy="1520726"/>
+          </a:xfrm>
+          <a:prstGeom prst="rect">
+            <a:avLst/>
+          </a:prstGeom>
+          <a:noFill/>
+          <a:extLst>
+            <a:ext uri="{909E8E84-426E-40DD-AFC4-6F175D3DCCD1}">
+              <a14:hiddenFill xmlns:a14="http://schemas.microsoft.com/office/drawing/2010/main">
+                <a:solidFill>
+                  <a:srgbClr val="FFFFFF"/>
+                </a:solidFill>
+              </a14:hiddenFill>
+            </a:ext>
+          </a:extLst>
+        </p:spPr>
+      </p:pic>
+      <p:grpSp>
+        <p:nvGrpSpPr>
+          <p:cNvPr id="109" name="Group 108">
+            <a:extLst>
+              <a:ext uri="{FF2B5EF4-FFF2-40B4-BE49-F238E27FC236}">
+                <a16:creationId xmlns:a16="http://schemas.microsoft.com/office/drawing/2014/main" id="{850A5FF3-A75E-4090-8602-38EF6B803DC5}"/>
+              </a:ext>
+            </a:extLst>
+          </p:cNvPr>
+          <p:cNvGrpSpPr/>
+          <p:nvPr/>
+        </p:nvGrpSpPr>
+        <p:grpSpPr>
+          <a:xfrm>
+            <a:off x="7394189" y="4586730"/>
+            <a:ext cx="4694313" cy="1950680"/>
+            <a:chOff x="7394189" y="4586730"/>
+            <a:chExt cx="4694313" cy="1950680"/>
+          </a:xfrm>
+        </p:grpSpPr>
+        <p:pic>
+          <p:nvPicPr>
+            <p:cNvPr id="1028" name="Picture 4" descr="Resultado de imagen para papá png">
+              <a:extLst>
+                <a:ext uri="{FF2B5EF4-FFF2-40B4-BE49-F238E27FC236}">
+                  <a16:creationId xmlns:a16="http://schemas.microsoft.com/office/drawing/2014/main" id="{5BBE596E-3484-4287-BFBB-03E1DDE0AC4E}"/>
+                </a:ext>
+              </a:extLst>
+            </p:cNvPr>
+            <p:cNvPicPr>
+              <a:picLocks noChangeAspect="1" noChangeArrowheads="1"/>
+            </p:cNvPicPr>
+            <p:nvPr/>
+          </p:nvPicPr>
+          <p:blipFill rotWithShape="1">
+            <a:blip r:embed="rId3">
+              <a:extLst>
+                <a:ext uri="{28A0092B-C50C-407E-A947-70E740481C1C}">
+                  <a14:useLocalDpi xmlns:a14="http://schemas.microsoft.com/office/drawing/2010/main" val="0"/>
+                </a:ext>
+              </a:extLst>
+            </a:blip>
+            <a:srcRect l="8128" t="11973" r="13069"/>
+            <a:stretch/>
+          </p:blipFill>
+          <p:spPr bwMode="auto">
+            <a:xfrm>
+              <a:off x="10601887" y="4586730"/>
+              <a:ext cx="1486615" cy="1660634"/>
+            </a:xfrm>
+            <a:prstGeom prst="rect">
+              <a:avLst/>
+            </a:prstGeom>
+            <a:noFill/>
+            <a:extLst>
+              <a:ext uri="{909E8E84-426E-40DD-AFC4-6F175D3DCCD1}">
+                <a14:hiddenFill xmlns:a14="http://schemas.microsoft.com/office/drawing/2010/main">
+                  <a:solidFill>
+                    <a:srgbClr val="FFFFFF"/>
+                  </a:solidFill>
+                </a14:hiddenFill>
+              </a:ext>
+            </a:extLst>
+          </p:spPr>
+        </p:pic>
+        <p:pic>
+          <p:nvPicPr>
+            <p:cNvPr id="1030" name="Picture 6" descr="Resultado de imagen para celular png">
+              <a:extLst>
+                <a:ext uri="{FF2B5EF4-FFF2-40B4-BE49-F238E27FC236}">
+                  <a16:creationId xmlns:a16="http://schemas.microsoft.com/office/drawing/2014/main" id="{9EA7CC10-2D23-4A09-8005-C0948D4434DC}"/>
+                </a:ext>
+              </a:extLst>
+            </p:cNvPr>
+            <p:cNvPicPr>
+              <a:picLocks noChangeAspect="1" noChangeArrowheads="1"/>
+            </p:cNvPicPr>
+            <p:nvPr/>
+          </p:nvPicPr>
+          <p:blipFill>
+            <a:blip r:embed="rId4">
+              <a:extLst>
+                <a:ext uri="{28A0092B-C50C-407E-A947-70E740481C1C}">
+                  <a14:useLocalDpi xmlns:a14="http://schemas.microsoft.com/office/drawing/2010/main" val="0"/>
+                </a:ext>
+              </a:extLst>
+            </a:blip>
+            <a:srcRect/>
+            <a:stretch>
+              <a:fillRect/>
+            </a:stretch>
+          </p:blipFill>
+          <p:spPr bwMode="auto">
+            <a:xfrm rot="744086">
+              <a:off x="8298024" y="4869321"/>
+              <a:ext cx="1668089" cy="1668089"/>
+            </a:xfrm>
+            <a:prstGeom prst="rect">
+              <a:avLst/>
+            </a:prstGeom>
+            <a:noFill/>
+            <a:extLst>
+              <a:ext uri="{909E8E84-426E-40DD-AFC4-6F175D3DCCD1}">
+                <a14:hiddenFill xmlns:a14="http://schemas.microsoft.com/office/drawing/2010/main">
+                  <a:solidFill>
+                    <a:srgbClr val="FFFFFF"/>
+                  </a:solidFill>
+                </a14:hiddenFill>
+              </a:ext>
+            </a:extLst>
+          </p:spPr>
+        </p:pic>
+        <p:cxnSp>
+          <p:nvCxnSpPr>
+            <p:cNvPr id="16" name="Straight Arrow Connector 15">
+              <a:extLst>
+                <a:ext uri="{FF2B5EF4-FFF2-40B4-BE49-F238E27FC236}">
+                  <a16:creationId xmlns:a16="http://schemas.microsoft.com/office/drawing/2014/main" id="{7CD0A8D5-2DAF-483F-81A6-A0735B2DD4BF}"/>
+                </a:ext>
+              </a:extLst>
+            </p:cNvPr>
+            <p:cNvCxnSpPr>
+              <a:cxnSpLocks/>
+              <a:stCxn id="87" idx="3"/>
+              <a:endCxn id="1030" idx="1"/>
+            </p:cNvCxnSpPr>
+            <p:nvPr/>
+          </p:nvCxnSpPr>
+          <p:spPr>
+            <a:xfrm flipV="1">
+              <a:off x="7394189" y="5524247"/>
+              <a:ext cx="923296" cy="85569"/>
+            </a:xfrm>
+            <a:prstGeom prst="straightConnector1">
+              <a:avLst/>
+            </a:prstGeom>
+            <a:ln w="38100">
+              <a:tailEnd type="triangle"/>
+            </a:ln>
+            <a:effectLst>
+              <a:glow rad="139700">
+                <a:schemeClr val="accent6">
+                  <a:satMod val="175000"/>
+                  <a:alpha val="40000"/>
+                </a:schemeClr>
+              </a:glow>
+              <a:innerShdw blurRad="63500" dist="50800" dir="18900000">
+                <a:prstClr val="black">
+                  <a:alpha val="50000"/>
+                </a:prstClr>
+              </a:innerShdw>
+            </a:effectLst>
+          </p:spPr>
+          <p:style>
+            <a:lnRef idx="1">
+              <a:schemeClr val="accent6"/>
+            </a:lnRef>
+            <a:fillRef idx="0">
+              <a:schemeClr val="accent6"/>
+            </a:fillRef>
+            <a:effectRef idx="0">
+              <a:schemeClr val="accent6"/>
+            </a:effectRef>
+            <a:fontRef idx="minor">
+              <a:schemeClr val="tx1"/>
+            </a:fontRef>
+          </p:style>
+        </p:cxnSp>
+        <p:cxnSp>
+          <p:nvCxnSpPr>
+            <p:cNvPr id="19" name="Straight Arrow Connector 18">
+              <a:extLst>
+                <a:ext uri="{FF2B5EF4-FFF2-40B4-BE49-F238E27FC236}">
+                  <a16:creationId xmlns:a16="http://schemas.microsoft.com/office/drawing/2014/main" id="{EFBBE943-2E54-48C6-8C1D-A6A375D0D8D7}"/>
+                </a:ext>
+              </a:extLst>
+            </p:cNvPr>
+            <p:cNvCxnSpPr>
+              <a:cxnSpLocks/>
+              <a:stCxn id="1030" idx="3"/>
+              <a:endCxn id="1028" idx="1"/>
+            </p:cNvCxnSpPr>
+            <p:nvPr/>
+          </p:nvCxnSpPr>
+          <p:spPr>
+            <a:xfrm flipV="1">
+              <a:off x="9946652" y="5417047"/>
+              <a:ext cx="655235" cy="465438"/>
+            </a:xfrm>
+            <a:prstGeom prst="straightConnector1">
+              <a:avLst/>
+            </a:prstGeom>
+            <a:ln w="38100">
+              <a:tailEnd type="triangle"/>
+            </a:ln>
+            <a:effectLst>
+              <a:glow rad="139700">
+                <a:schemeClr val="accent6">
+                  <a:satMod val="175000"/>
+                  <a:alpha val="40000"/>
+                </a:schemeClr>
+              </a:glow>
+              <a:innerShdw blurRad="63500" dist="50800" dir="18900000">
+                <a:prstClr val="black">
+                  <a:alpha val="50000"/>
+                </a:prstClr>
+              </a:innerShdw>
+            </a:effectLst>
+          </p:spPr>
+          <p:style>
+            <a:lnRef idx="1">
+              <a:schemeClr val="accent6"/>
+            </a:lnRef>
+            <a:fillRef idx="0">
+              <a:schemeClr val="accent6"/>
+            </a:fillRef>
+            <a:effectRef idx="0">
+              <a:schemeClr val="accent6"/>
+            </a:effectRef>
+            <a:fontRef idx="minor">
+              <a:schemeClr val="tx1"/>
+            </a:fontRef>
+          </p:style>
+        </p:cxnSp>
+      </p:grpSp>
+      <p:pic>
+        <p:nvPicPr>
+          <p:cNvPr id="2050" name="Picture 2" descr="Resultado de imagen para great idea png">
+            <a:extLst>
+              <a:ext uri="{FF2B5EF4-FFF2-40B4-BE49-F238E27FC236}">
+                <a16:creationId xmlns:a16="http://schemas.microsoft.com/office/drawing/2014/main" id="{D562CFBB-888C-4FD1-9E3D-AD432AC9CD47}"/>
+              </a:ext>
+            </a:extLst>
+          </p:cNvPr>
+          <p:cNvPicPr>
+            <a:picLocks noChangeAspect="1" noChangeArrowheads="1"/>
+          </p:cNvPicPr>
+          <p:nvPr/>
+        </p:nvPicPr>
+        <p:blipFill>
+          <a:blip r:embed="rId5">
+            <a:extLst>
+              <a:ext uri="{28A0092B-C50C-407E-A947-70E740481C1C}">
+                <a14:useLocalDpi xmlns:a14="http://schemas.microsoft.com/office/drawing/2010/main" val="0"/>
+              </a:ext>
+            </a:extLst>
+          </a:blip>
+          <a:srcRect/>
+          <a:stretch>
+            <a:fillRect/>
+          </a:stretch>
+        </p:blipFill>
+        <p:spPr bwMode="auto">
+          <a:xfrm rot="1599228">
+            <a:off x="1156970" y="2006191"/>
+            <a:ext cx="1065173" cy="1065173"/>
+          </a:xfrm>
+          <a:prstGeom prst="rect">
+            <a:avLst/>
+          </a:prstGeom>
+          <a:noFill/>
+          <a:extLst>
+            <a:ext uri="{909E8E84-426E-40DD-AFC4-6F175D3DCCD1}">
+              <a14:hiddenFill xmlns:a14="http://schemas.microsoft.com/office/drawing/2010/main">
+                <a:solidFill>
+                  <a:srgbClr val="FFFFFF"/>
+                </a:solidFill>
+              </a14:hiddenFill>
+            </a:ext>
+          </a:extLst>
+        </p:spPr>
+      </p:pic>
+      <p:pic>
+        <p:nvPicPr>
+          <p:cNvPr id="2052" name="Picture 4" descr="Resultado de imagen para happy face mother png">
+            <a:extLst>
+              <a:ext uri="{FF2B5EF4-FFF2-40B4-BE49-F238E27FC236}">
+                <a16:creationId xmlns:a16="http://schemas.microsoft.com/office/drawing/2014/main" id="{1A61A62C-EB80-4C25-B5D0-F85351AF6BD5}"/>
+              </a:ext>
+            </a:extLst>
+          </p:cNvPr>
+          <p:cNvPicPr>
+            <a:picLocks noChangeAspect="1" noChangeArrowheads="1"/>
+          </p:cNvPicPr>
+          <p:nvPr/>
+        </p:nvPicPr>
+        <p:blipFill>
+          <a:blip r:embed="rId6">
+            <a:extLst>
+              <a:ext uri="{28A0092B-C50C-407E-A947-70E740481C1C}">
+                <a14:useLocalDpi xmlns:a14="http://schemas.microsoft.com/office/drawing/2010/main" val="0"/>
+              </a:ext>
+            </a:extLst>
+          </a:blip>
+          <a:srcRect/>
+          <a:stretch>
+            <a:fillRect/>
+          </a:stretch>
+        </p:blipFill>
+        <p:spPr bwMode="auto">
+          <a:xfrm rot="439781">
+            <a:off x="2089846" y="3919023"/>
+            <a:ext cx="2364773" cy="2364773"/>
+          </a:xfrm>
+          <a:prstGeom prst="rect">
+            <a:avLst/>
+          </a:prstGeom>
+          <a:noFill/>
+          <a:extLst>
+            <a:ext uri="{909E8E84-426E-40DD-AFC4-6F175D3DCCD1}">
+              <a14:hiddenFill xmlns:a14="http://schemas.microsoft.com/office/drawing/2010/main">
+                <a:solidFill>
+                  <a:srgbClr val="FFFFFF"/>
+                </a:solidFill>
+              </a14:hiddenFill>
+            </a:ext>
+          </a:extLst>
+        </p:spPr>
+      </p:pic>
+      <p:grpSp>
+        <p:nvGrpSpPr>
+          <p:cNvPr id="107" name="Group 106">
+            <a:extLst>
+              <a:ext uri="{FF2B5EF4-FFF2-40B4-BE49-F238E27FC236}">
+                <a16:creationId xmlns:a16="http://schemas.microsoft.com/office/drawing/2014/main" id="{9DD78C06-18D6-48CD-B9FB-796337A08CDB}"/>
+              </a:ext>
+            </a:extLst>
+          </p:cNvPr>
+          <p:cNvGrpSpPr/>
+          <p:nvPr/>
+        </p:nvGrpSpPr>
+        <p:grpSpPr>
+          <a:xfrm>
+            <a:off x="1948661" y="1087682"/>
+            <a:ext cx="8332829" cy="2572321"/>
+            <a:chOff x="1948661" y="1087682"/>
+            <a:chExt cx="8332829" cy="2572321"/>
+          </a:xfrm>
+        </p:grpSpPr>
+        <p:cxnSp>
+          <p:nvCxnSpPr>
+            <p:cNvPr id="77" name="Straight Arrow Connector 76">
+              <a:extLst>
+                <a:ext uri="{FF2B5EF4-FFF2-40B4-BE49-F238E27FC236}">
+                  <a16:creationId xmlns:a16="http://schemas.microsoft.com/office/drawing/2014/main" id="{CEE752D1-5B58-40B0-BACC-AE395F74839C}"/>
+                </a:ext>
+              </a:extLst>
+            </p:cNvPr>
+            <p:cNvCxnSpPr>
+              <a:cxnSpLocks/>
+              <a:stCxn id="1036" idx="3"/>
+              <a:endCxn id="2058" idx="1"/>
+            </p:cNvCxnSpPr>
+            <p:nvPr/>
+          </p:nvCxnSpPr>
+          <p:spPr>
+            <a:xfrm flipV="1">
+              <a:off x="4711025" y="2705703"/>
+              <a:ext cx="653801" cy="27459"/>
+            </a:xfrm>
+            <a:prstGeom prst="straightConnector1">
+              <a:avLst/>
+            </a:prstGeom>
+            <a:ln w="38100">
+              <a:tailEnd type="triangle"/>
+            </a:ln>
+            <a:effectLst>
+              <a:glow rad="139700">
+                <a:schemeClr val="accent6">
+                  <a:satMod val="175000"/>
+                  <a:alpha val="40000"/>
+                </a:schemeClr>
+              </a:glow>
+              <a:innerShdw blurRad="63500" dist="50800" dir="18900000">
+                <a:prstClr val="black">
+                  <a:alpha val="50000"/>
+                </a:prstClr>
+              </a:innerShdw>
+            </a:effectLst>
+          </p:spPr>
+          <p:style>
+            <a:lnRef idx="1">
+              <a:schemeClr val="accent6"/>
+            </a:lnRef>
+            <a:fillRef idx="0">
+              <a:schemeClr val="accent6"/>
+            </a:fillRef>
+            <a:effectRef idx="0">
+              <a:schemeClr val="accent6"/>
+            </a:effectRef>
+            <a:fontRef idx="minor">
+              <a:schemeClr val="tx1"/>
+            </a:fontRef>
+          </p:style>
+        </p:cxnSp>
+        <p:pic>
+          <p:nvPicPr>
+            <p:cNvPr id="1036" name="Picture 12" descr="Resultado de imagen para visa card gold png">
+              <a:extLst>
+                <a:ext uri="{FF2B5EF4-FFF2-40B4-BE49-F238E27FC236}">
+                  <a16:creationId xmlns:a16="http://schemas.microsoft.com/office/drawing/2014/main" id="{56657B00-6AA7-43B5-AFF9-E9737918D58A}"/>
+                </a:ext>
+              </a:extLst>
+            </p:cNvPr>
+            <p:cNvPicPr>
+              <a:picLocks noChangeAspect="1" noChangeArrowheads="1"/>
+            </p:cNvPicPr>
+            <p:nvPr/>
+          </p:nvPicPr>
+          <p:blipFill>
+            <a:blip r:embed="rId7">
+              <a:extLst>
+                <a:ext uri="{28A0092B-C50C-407E-A947-70E740481C1C}">
+                  <a14:useLocalDpi xmlns:a14="http://schemas.microsoft.com/office/drawing/2010/main" val="0"/>
+                </a:ext>
+              </a:extLst>
+            </a:blip>
+            <a:srcRect/>
+            <a:stretch>
+              <a:fillRect/>
+            </a:stretch>
+          </p:blipFill>
+          <p:spPr bwMode="auto">
+            <a:xfrm rot="21171430">
+              <a:off x="2709553" y="2212245"/>
+              <a:ext cx="2009269" cy="1291673"/>
+            </a:xfrm>
+            <a:prstGeom prst="rect">
+              <a:avLst/>
+            </a:prstGeom>
+            <a:noFill/>
+            <a:extLst>
+              <a:ext uri="{909E8E84-426E-40DD-AFC4-6F175D3DCCD1}">
+                <a14:hiddenFill xmlns:a14="http://schemas.microsoft.com/office/drawing/2010/main">
+                  <a:solidFill>
+                    <a:srgbClr val="FFFFFF"/>
+                  </a:solidFill>
+                </a14:hiddenFill>
+              </a:ext>
+            </a:extLst>
+          </p:spPr>
+        </p:pic>
+        <p:cxnSp>
+          <p:nvCxnSpPr>
+            <p:cNvPr id="5" name="Straight Arrow Connector 4">
+              <a:extLst>
+                <a:ext uri="{FF2B5EF4-FFF2-40B4-BE49-F238E27FC236}">
+                  <a16:creationId xmlns:a16="http://schemas.microsoft.com/office/drawing/2014/main" id="{C600AECD-B884-4D7A-96BB-1082CFB4CF3C}"/>
+                </a:ext>
+              </a:extLst>
+            </p:cNvPr>
+            <p:cNvCxnSpPr>
+              <a:cxnSpLocks/>
+              <a:stCxn id="1026" idx="3"/>
+              <a:endCxn id="1036" idx="1"/>
+            </p:cNvCxnSpPr>
+            <p:nvPr/>
+          </p:nvCxnSpPr>
+          <p:spPr>
+            <a:xfrm flipV="1">
+              <a:off x="1948661" y="2983002"/>
+              <a:ext cx="768689" cy="677001"/>
+            </a:xfrm>
+            <a:prstGeom prst="straightConnector1">
+              <a:avLst/>
+            </a:prstGeom>
+            <a:ln w="38100">
+              <a:tailEnd type="triangle"/>
+            </a:ln>
+            <a:effectLst>
+              <a:glow rad="139700">
+                <a:schemeClr val="accent6">
+                  <a:satMod val="175000"/>
+                  <a:alpha val="40000"/>
+                </a:schemeClr>
+              </a:glow>
+              <a:innerShdw blurRad="63500" dist="50800" dir="18900000">
+                <a:prstClr val="black">
+                  <a:alpha val="50000"/>
+                </a:prstClr>
+              </a:innerShdw>
+            </a:effectLst>
+          </p:spPr>
+          <p:style>
+            <a:lnRef idx="1">
+              <a:schemeClr val="accent6"/>
+            </a:lnRef>
+            <a:fillRef idx="0">
+              <a:schemeClr val="accent6"/>
+            </a:fillRef>
+            <a:effectRef idx="0">
+              <a:schemeClr val="accent6"/>
+            </a:effectRef>
+            <a:fontRef idx="minor">
+              <a:schemeClr val="tx1"/>
+            </a:fontRef>
+          </p:style>
+        </p:cxnSp>
+        <p:pic>
+          <p:nvPicPr>
+            <p:cNvPr id="2054" name="Picture 6" descr="Resultado de imagen para banco png">
+              <a:extLst>
+                <a:ext uri="{FF2B5EF4-FFF2-40B4-BE49-F238E27FC236}">
+                  <a16:creationId xmlns:a16="http://schemas.microsoft.com/office/drawing/2014/main" id="{C1BADF0A-95FF-41E8-BC05-67F0436EED3F}"/>
+                </a:ext>
+              </a:extLst>
+            </p:cNvPr>
+            <p:cNvPicPr>
+              <a:picLocks noChangeAspect="1" noChangeArrowheads="1"/>
+            </p:cNvPicPr>
+            <p:nvPr/>
+          </p:nvPicPr>
+          <p:blipFill>
+            <a:blip r:embed="rId8">
+              <a:clrChange>
+                <a:clrFrom>
+                  <a:srgbClr val="EEEEEE"/>
+                </a:clrFrom>
+                <a:clrTo>
+                  <a:srgbClr val="EEEEEE">
+                    <a:alpha val="0"/>
+                  </a:srgbClr>
+                </a:clrTo>
+              </a:clrChange>
+              <a:extLst>
+                <a:ext uri="{28A0092B-C50C-407E-A947-70E740481C1C}">
+                  <a14:useLocalDpi xmlns:a14="http://schemas.microsoft.com/office/drawing/2010/main" val="0"/>
+                </a:ext>
+              </a:extLst>
+            </a:blip>
+            <a:srcRect/>
+            <a:stretch>
+              <a:fillRect/>
+            </a:stretch>
+          </p:blipFill>
+          <p:spPr bwMode="auto">
+            <a:xfrm>
+              <a:off x="8138365" y="1087682"/>
+              <a:ext cx="2143125" cy="2143125"/>
+            </a:xfrm>
+            <a:prstGeom prst="rect">
+              <a:avLst/>
+            </a:prstGeom>
+            <a:noFill/>
+            <a:extLst>
+              <a:ext uri="{909E8E84-426E-40DD-AFC4-6F175D3DCCD1}">
+                <a14:hiddenFill xmlns:a14="http://schemas.microsoft.com/office/drawing/2010/main">
+                  <a:solidFill>
+                    <a:srgbClr val="FFFFFF"/>
+                  </a:solidFill>
+                </a14:hiddenFill>
+              </a:ext>
+            </a:extLst>
+          </p:spPr>
+        </p:pic>
+        <p:pic>
+          <p:nvPicPr>
+            <p:cNvPr id="2058" name="Picture 10" descr="Resultado de imagen para credit line png">
+              <a:extLst>
+                <a:ext uri="{FF2B5EF4-FFF2-40B4-BE49-F238E27FC236}">
+                  <a16:creationId xmlns:a16="http://schemas.microsoft.com/office/drawing/2014/main" id="{AEF63DD0-9574-4C7B-BCDE-E92B44BA7294}"/>
+                </a:ext>
+              </a:extLst>
+            </p:cNvPr>
+            <p:cNvPicPr>
+              <a:picLocks noChangeAspect="1" noChangeArrowheads="1"/>
+            </p:cNvPicPr>
+            <p:nvPr/>
+          </p:nvPicPr>
+          <p:blipFill>
+            <a:blip r:embed="rId9">
+              <a:clrChange>
+                <a:clrFrom>
+                  <a:srgbClr val="F6F6F6"/>
+                </a:clrFrom>
+                <a:clrTo>
+                  <a:srgbClr val="F6F6F6">
+                    <a:alpha val="0"/>
+                  </a:srgbClr>
+                </a:clrTo>
+              </a:clrChange>
+              <a:extLst>
+                <a:ext uri="{28A0092B-C50C-407E-A947-70E740481C1C}">
+                  <a14:useLocalDpi xmlns:a14="http://schemas.microsoft.com/office/drawing/2010/main" val="0"/>
+                </a:ext>
+              </a:extLst>
+            </a:blip>
+            <a:srcRect/>
+            <a:stretch>
+              <a:fillRect/>
+            </a:stretch>
+          </p:blipFill>
+          <p:spPr bwMode="auto">
+            <a:xfrm>
+              <a:off x="5364826" y="2100960"/>
+              <a:ext cx="1209486" cy="1209486"/>
+            </a:xfrm>
+            <a:prstGeom prst="rect">
+              <a:avLst/>
+            </a:prstGeom>
+            <a:noFill/>
+            <a:extLst>
+              <a:ext uri="{909E8E84-426E-40DD-AFC4-6F175D3DCCD1}">
+                <a14:hiddenFill xmlns:a14="http://schemas.microsoft.com/office/drawing/2010/main">
+                  <a:solidFill>
+                    <a:srgbClr val="FFFFFF"/>
+                  </a:solidFill>
+                </a14:hiddenFill>
+              </a:ext>
+            </a:extLst>
+          </p:spPr>
+        </p:pic>
+        <p:cxnSp>
+          <p:nvCxnSpPr>
+            <p:cNvPr id="81" name="Straight Arrow Connector 80">
+              <a:extLst>
+                <a:ext uri="{FF2B5EF4-FFF2-40B4-BE49-F238E27FC236}">
+                  <a16:creationId xmlns:a16="http://schemas.microsoft.com/office/drawing/2014/main" id="{000BF3BB-AB53-4021-AEA4-29AAD6ED3710}"/>
+                </a:ext>
+              </a:extLst>
+            </p:cNvPr>
+            <p:cNvCxnSpPr>
+              <a:cxnSpLocks/>
+              <a:stCxn id="2054" idx="1"/>
+              <a:endCxn id="2058" idx="3"/>
+            </p:cNvCxnSpPr>
+            <p:nvPr/>
+          </p:nvCxnSpPr>
+          <p:spPr>
+            <a:xfrm flipH="1">
+              <a:off x="6574312" y="2159245"/>
+              <a:ext cx="1564053" cy="546458"/>
+            </a:xfrm>
+            <a:prstGeom prst="straightConnector1">
+              <a:avLst/>
+            </a:prstGeom>
+            <a:ln w="38100">
+              <a:tailEnd type="triangle"/>
+            </a:ln>
+            <a:effectLst>
+              <a:glow rad="139700">
+                <a:schemeClr val="accent6">
+                  <a:satMod val="175000"/>
+                  <a:alpha val="40000"/>
+                </a:schemeClr>
+              </a:glow>
+              <a:innerShdw blurRad="63500" dist="50800" dir="18900000">
+                <a:prstClr val="black">
+                  <a:alpha val="50000"/>
+                </a:prstClr>
+              </a:innerShdw>
+            </a:effectLst>
+          </p:spPr>
+          <p:style>
+            <a:lnRef idx="1">
+              <a:schemeClr val="accent6"/>
+            </a:lnRef>
+            <a:fillRef idx="0">
+              <a:schemeClr val="accent6"/>
+            </a:fillRef>
+            <a:effectRef idx="0">
+              <a:schemeClr val="accent6"/>
+            </a:effectRef>
+            <a:fontRef idx="minor">
+              <a:schemeClr val="tx1"/>
+            </a:fontRef>
+          </p:style>
+        </p:cxnSp>
+      </p:grpSp>
+      <p:grpSp>
+        <p:nvGrpSpPr>
+          <p:cNvPr id="108" name="Group 107">
+            <a:extLst>
+              <a:ext uri="{FF2B5EF4-FFF2-40B4-BE49-F238E27FC236}">
+                <a16:creationId xmlns:a16="http://schemas.microsoft.com/office/drawing/2014/main" id="{D7A74FDD-48BC-4FD5-A6B1-BF4BD3D4CEDB}"/>
+              </a:ext>
+            </a:extLst>
+          </p:cNvPr>
+          <p:cNvGrpSpPr/>
+          <p:nvPr/>
+        </p:nvGrpSpPr>
+        <p:grpSpPr>
+          <a:xfrm>
+            <a:off x="5969569" y="3310446"/>
+            <a:ext cx="1752977" cy="2695912"/>
+            <a:chOff x="5969569" y="3310446"/>
+            <a:chExt cx="1752977" cy="2695912"/>
+          </a:xfrm>
+        </p:grpSpPr>
+        <p:pic>
+          <p:nvPicPr>
+            <p:cNvPr id="23" name="Picture 12" descr="Resultado de imagen para visa card gold png">
+              <a:extLst>
+                <a:ext uri="{FF2B5EF4-FFF2-40B4-BE49-F238E27FC236}">
+                  <a16:creationId xmlns:a16="http://schemas.microsoft.com/office/drawing/2014/main" id="{16E9E2AE-FD93-41F5-BB90-A12A1A2ADD44}"/>
+                </a:ext>
+              </a:extLst>
+            </p:cNvPr>
+            <p:cNvPicPr>
+              <a:picLocks noChangeAspect="1" noChangeArrowheads="1"/>
+            </p:cNvPicPr>
+            <p:nvPr/>
+          </p:nvPicPr>
+          <p:blipFill>
+            <a:blip r:embed="rId10">
+              <a:extLst>
+                <a:ext uri="{BEBA8EAE-BF5A-486C-A8C5-ECC9F3942E4B}">
+                  <a14:imgProps xmlns:a14="http://schemas.microsoft.com/office/drawing/2010/main">
+                    <a14:imgLayer r:embed="rId11">
+                      <a14:imgEffect>
+                        <a14:saturation sat="0"/>
+                      </a14:imgEffect>
+                    </a14:imgLayer>
+                  </a14:imgProps>
+                </a:ext>
+                <a:ext uri="{28A0092B-C50C-407E-A947-70E740481C1C}">
+                  <a14:useLocalDpi xmlns:a14="http://schemas.microsoft.com/office/drawing/2010/main" val="0"/>
+                </a:ext>
+              </a:extLst>
+            </a:blip>
+            <a:srcRect/>
+            <a:stretch>
+              <a:fillRect/>
+            </a:stretch>
+          </p:blipFill>
+          <p:spPr bwMode="auto">
+            <a:xfrm rot="21151670">
+              <a:off x="6372432" y="3966797"/>
+              <a:ext cx="1026114" cy="659645"/>
+            </a:xfrm>
+            <a:prstGeom prst="rect">
+              <a:avLst/>
+            </a:prstGeom>
+            <a:noFill/>
+            <a:extLst>
+              <a:ext uri="{909E8E84-426E-40DD-AFC4-6F175D3DCCD1}">
+                <a14:hiddenFill xmlns:a14="http://schemas.microsoft.com/office/drawing/2010/main">
+                  <a:solidFill>
+                    <a:srgbClr val="FFFFFF"/>
+                  </a:solidFill>
+                </a14:hiddenFill>
+              </a:ext>
+            </a:extLst>
+          </p:spPr>
+        </p:pic>
+        <p:pic>
+          <p:nvPicPr>
+            <p:cNvPr id="2056" name="Picture 8" descr="Resultado de imagen para timer png">
+              <a:extLst>
+                <a:ext uri="{FF2B5EF4-FFF2-40B4-BE49-F238E27FC236}">
+                  <a16:creationId xmlns:a16="http://schemas.microsoft.com/office/drawing/2014/main" id="{230C8777-BAB1-4795-AC5A-CB5AEEB9E2A6}"/>
+                </a:ext>
+              </a:extLst>
+            </p:cNvPr>
+            <p:cNvPicPr>
+              <a:picLocks noChangeAspect="1" noChangeArrowheads="1"/>
+            </p:cNvPicPr>
+            <p:nvPr/>
+          </p:nvPicPr>
+          <p:blipFill rotWithShape="1">
+            <a:blip r:embed="rId12">
+              <a:clrChange>
+                <a:clrFrom>
+                  <a:srgbClr val="EEEEEE"/>
+                </a:clrFrom>
+                <a:clrTo>
+                  <a:srgbClr val="EEEEEE">
+                    <a:alpha val="0"/>
+                  </a:srgbClr>
+                </a:clrTo>
+              </a:clrChange>
+              <a:extLst>
+                <a:ext uri="{28A0092B-C50C-407E-A947-70E740481C1C}">
+                  <a14:useLocalDpi xmlns:a14="http://schemas.microsoft.com/office/drawing/2010/main" val="0"/>
+                </a:ext>
+              </a:extLst>
+            </a:blip>
+            <a:srcRect l="23285" r="23987"/>
+            <a:stretch/>
+          </p:blipFill>
+          <p:spPr bwMode="auto">
+            <a:xfrm rot="21180000">
+              <a:off x="7308268" y="3658444"/>
+              <a:ext cx="414278" cy="453894"/>
+            </a:xfrm>
+            <a:prstGeom prst="rect">
+              <a:avLst/>
+            </a:prstGeom>
+            <a:noFill/>
+            <a:extLst>
+              <a:ext uri="{909E8E84-426E-40DD-AFC4-6F175D3DCCD1}">
+                <a14:hiddenFill xmlns:a14="http://schemas.microsoft.com/office/drawing/2010/main">
+                  <a:solidFill>
+                    <a:srgbClr val="FFFFFF"/>
+                  </a:solidFill>
+                </a14:hiddenFill>
+              </a:ext>
+            </a:extLst>
+          </p:spPr>
+        </p:pic>
+        <p:cxnSp>
+          <p:nvCxnSpPr>
+            <p:cNvPr id="52" name="Connector: Elbow 51">
+              <a:extLst>
+                <a:ext uri="{FF2B5EF4-FFF2-40B4-BE49-F238E27FC236}">
+                  <a16:creationId xmlns:a16="http://schemas.microsoft.com/office/drawing/2014/main" id="{617F0237-3EA1-46AF-8CDA-7BE246FBDDC6}"/>
+                </a:ext>
+              </a:extLst>
+            </p:cNvPr>
+            <p:cNvCxnSpPr>
+              <a:cxnSpLocks/>
+              <a:stCxn id="2058" idx="2"/>
+              <a:endCxn id="23" idx="1"/>
+            </p:cNvCxnSpPr>
+            <p:nvPr/>
+          </p:nvCxnSpPr>
+          <p:spPr>
+            <a:xfrm rot="16200000" flipH="1">
+              <a:off x="5646732" y="3633283"/>
+              <a:ext cx="1052894" cy="407220"/>
+            </a:xfrm>
+            <a:prstGeom prst="bentConnector2">
+              <a:avLst/>
+            </a:prstGeom>
+            <a:ln w="38100">
+              <a:tailEnd type="triangle"/>
+            </a:ln>
+            <a:effectLst>
+              <a:glow rad="139700">
+                <a:schemeClr val="accent6">
+                  <a:satMod val="175000"/>
+                  <a:alpha val="40000"/>
+                </a:schemeClr>
+              </a:glow>
+              <a:innerShdw blurRad="63500" dist="50800" dir="18900000">
+                <a:prstClr val="black">
+                  <a:alpha val="50000"/>
+                </a:prstClr>
+              </a:innerShdw>
+            </a:effectLst>
+          </p:spPr>
+          <p:style>
+            <a:lnRef idx="1">
+              <a:schemeClr val="accent6"/>
+            </a:lnRef>
+            <a:fillRef idx="0">
+              <a:schemeClr val="accent6"/>
+            </a:fillRef>
+            <a:effectRef idx="0">
+              <a:schemeClr val="accent6"/>
+            </a:effectRef>
+            <a:fontRef idx="minor">
+              <a:schemeClr val="tx1"/>
+            </a:fontRef>
+          </p:style>
+        </p:cxnSp>
+        <p:cxnSp>
+          <p:nvCxnSpPr>
+            <p:cNvPr id="70" name="Connector: Elbow 69">
+              <a:extLst>
+                <a:ext uri="{FF2B5EF4-FFF2-40B4-BE49-F238E27FC236}">
+                  <a16:creationId xmlns:a16="http://schemas.microsoft.com/office/drawing/2014/main" id="{A2D16E46-084E-4591-9412-D3016CA44069}"/>
+                </a:ext>
+              </a:extLst>
+            </p:cNvPr>
+            <p:cNvCxnSpPr>
+              <a:cxnSpLocks/>
+              <a:stCxn id="2058" idx="2"/>
+              <a:endCxn id="87" idx="1"/>
+            </p:cNvCxnSpPr>
+            <p:nvPr/>
+          </p:nvCxnSpPr>
+          <p:spPr>
+            <a:xfrm rot="16200000" flipH="1">
+              <a:off x="4956774" y="4323241"/>
+              <a:ext cx="2432810" cy="407220"/>
+            </a:xfrm>
+            <a:prstGeom prst="bentConnector2">
+              <a:avLst/>
+            </a:prstGeom>
+            <a:ln w="38100">
+              <a:tailEnd type="triangle"/>
+            </a:ln>
+            <a:effectLst>
+              <a:glow rad="139700">
+                <a:schemeClr val="accent6">
+                  <a:satMod val="175000"/>
+                  <a:alpha val="40000"/>
+                </a:schemeClr>
+              </a:glow>
+              <a:innerShdw blurRad="63500" dist="50800" dir="18900000">
+                <a:prstClr val="black">
+                  <a:alpha val="50000"/>
+                </a:prstClr>
+              </a:innerShdw>
+            </a:effectLst>
+          </p:spPr>
+          <p:style>
+            <a:lnRef idx="1">
+              <a:schemeClr val="accent6"/>
+            </a:lnRef>
+            <a:fillRef idx="0">
+              <a:schemeClr val="accent6"/>
+            </a:fillRef>
+            <a:effectRef idx="0">
+              <a:schemeClr val="accent6"/>
+            </a:effectRef>
+            <a:fontRef idx="minor">
+              <a:schemeClr val="tx1"/>
+            </a:fontRef>
+          </p:style>
+        </p:cxnSp>
+        <p:pic>
+          <p:nvPicPr>
+            <p:cNvPr id="87" name="Picture 12" descr="Resultado de imagen para visa card gold png">
+              <a:extLst>
+                <a:ext uri="{FF2B5EF4-FFF2-40B4-BE49-F238E27FC236}">
+                  <a16:creationId xmlns:a16="http://schemas.microsoft.com/office/drawing/2014/main" id="{7308811E-9048-4EAD-B84E-A33614E357F9}"/>
+                </a:ext>
+              </a:extLst>
+            </p:cNvPr>
+            <p:cNvPicPr>
+              <a:picLocks noChangeAspect="1" noChangeArrowheads="1"/>
+            </p:cNvPicPr>
+            <p:nvPr/>
+          </p:nvPicPr>
+          <p:blipFill>
+            <a:blip r:embed="rId10">
+              <a:extLst>
+                <a:ext uri="{BEBA8EAE-BF5A-486C-A8C5-ECC9F3942E4B}">
+                  <a14:imgProps xmlns:a14="http://schemas.microsoft.com/office/drawing/2010/main">
+                    <a14:imgLayer r:embed="rId11">
+                      <a14:imgEffect>
+                        <a14:saturation sat="0"/>
+                      </a14:imgEffect>
+                    </a14:imgLayer>
+                  </a14:imgProps>
+                </a:ext>
+                <a:ext uri="{28A0092B-C50C-407E-A947-70E740481C1C}">
+                  <a14:useLocalDpi xmlns:a14="http://schemas.microsoft.com/office/drawing/2010/main" val="0"/>
+                </a:ext>
+              </a:extLst>
+            </a:blip>
+            <a:srcRect/>
+            <a:stretch>
+              <a:fillRect/>
+            </a:stretch>
+          </p:blipFill>
+          <p:spPr bwMode="auto">
+            <a:xfrm rot="21151670">
+              <a:off x="6372432" y="5346713"/>
+              <a:ext cx="1026114" cy="659645"/>
+            </a:xfrm>
+            <a:prstGeom prst="rect">
+              <a:avLst/>
+            </a:prstGeom>
+            <a:noFill/>
+            <a:extLst>
+              <a:ext uri="{909E8E84-426E-40DD-AFC4-6F175D3DCCD1}">
+                <a14:hiddenFill xmlns:a14="http://schemas.microsoft.com/office/drawing/2010/main">
+                  <a:solidFill>
+                    <a:srgbClr val="FFFFFF"/>
+                  </a:solidFill>
+                </a14:hiddenFill>
+              </a:ext>
+            </a:extLst>
+          </p:spPr>
+        </p:pic>
+        <p:pic>
+          <p:nvPicPr>
+            <p:cNvPr id="88" name="Picture 8" descr="Resultado de imagen para timer png">
+              <a:extLst>
+                <a:ext uri="{FF2B5EF4-FFF2-40B4-BE49-F238E27FC236}">
+                  <a16:creationId xmlns:a16="http://schemas.microsoft.com/office/drawing/2014/main" id="{17E7937D-BB4F-4AF5-B9FE-17CD5F640180}"/>
+                </a:ext>
+              </a:extLst>
+            </p:cNvPr>
+            <p:cNvPicPr>
+              <a:picLocks noChangeAspect="1" noChangeArrowheads="1"/>
+            </p:cNvPicPr>
+            <p:nvPr/>
+          </p:nvPicPr>
+          <p:blipFill rotWithShape="1">
+            <a:blip r:embed="rId12">
+              <a:clrChange>
+                <a:clrFrom>
+                  <a:srgbClr val="EEEEEE"/>
+                </a:clrFrom>
+                <a:clrTo>
+                  <a:srgbClr val="EEEEEE">
+                    <a:alpha val="0"/>
+                  </a:srgbClr>
+                </a:clrTo>
+              </a:clrChange>
+              <a:extLst>
+                <a:ext uri="{28A0092B-C50C-407E-A947-70E740481C1C}">
+                  <a14:useLocalDpi xmlns:a14="http://schemas.microsoft.com/office/drawing/2010/main" val="0"/>
+                </a:ext>
+              </a:extLst>
+            </a:blip>
+            <a:srcRect l="23285" r="23987"/>
+            <a:stretch/>
+          </p:blipFill>
+          <p:spPr bwMode="auto">
+            <a:xfrm rot="21180000">
+              <a:off x="7308268" y="5038360"/>
+              <a:ext cx="414278" cy="453894"/>
+            </a:xfrm>
+            <a:prstGeom prst="rect">
+              <a:avLst/>
+            </a:prstGeom>
+            <a:noFill/>
+            <a:extLst>
+              <a:ext uri="{909E8E84-426E-40DD-AFC4-6F175D3DCCD1}">
+                <a14:hiddenFill xmlns:a14="http://schemas.microsoft.com/office/drawing/2010/main">
+                  <a:solidFill>
+                    <a:srgbClr val="FFFFFF"/>
+                  </a:solidFill>
+                </a14:hiddenFill>
+              </a:ext>
+            </a:extLst>
+          </p:spPr>
+        </p:pic>
+      </p:grpSp>
+    </p:spTree>
+    <p:extLst>
+      <p:ext uri="{BB962C8B-B14F-4D97-AF65-F5344CB8AC3E}">
+        <p14:creationId xmlns:p14="http://schemas.microsoft.com/office/powerpoint/2010/main" val="232536535"/>
+      </p:ext>
+    </p:extLst>
+  </p:cSld>
+  <p:clrMapOvr>
+    <a:masterClrMapping/>
+  </p:clrMapOvr>
+  <p:timing>
+    <p:tnLst>
+      <p:par>
+        <p:cTn id="1" dur="indefinite" restart="never" nodeType="tmRoot">
+          <p:childTnLst>
+            <p:seq concurrent="1" nextAc="seek">
+              <p:cTn id="2" dur="indefinite" nodeType="mainSeq">
+                <p:childTnLst>
+                  <p:par>
+                    <p:cTn id="3" fill="hold">
+                      <p:stCondLst>
+                        <p:cond delay="indefinite"/>
+                      </p:stCondLst>
+                      <p:childTnLst>
+                        <p:par>
+                          <p:cTn id="4" fill="hold">
+                            <p:stCondLst>
+                              <p:cond delay="0"/>
+                            </p:stCondLst>
+                            <p:childTnLst>
+                              <p:par>
+                                <p:cTn id="5" presetID="26" presetClass="emph" presetSubtype="0" fill="hold" nodeType="clickEffect">
+                                  <p:stCondLst>
+                                    <p:cond delay="0"/>
+                                  </p:stCondLst>
+                                  <p:childTnLst>
+                                    <p:animEffect transition="out" filter="fade">
+                                      <p:cBhvr>
+                                        <p:cTn id="6" dur="500" tmFilter="0, 0; .2, .5; .8, .5; 1, 0"/>
+                                        <p:tgtEl>
+                                          <p:spTgt spid="2050"/>
+                                        </p:tgtEl>
+                                      </p:cBhvr>
+                                    </p:animEffect>
+                                    <p:animScale>
+                                      <p:cBhvr>
+                                        <p:cTn id="7" dur="250" autoRev="1" fill="hold"/>
+                                        <p:tgtEl>
+                                          <p:spTgt spid="2050"/>
+                                        </p:tgtEl>
+                                      </p:cBhvr>
+                                      <p:by x="105000" y="105000"/>
+                                    </p:animScale>
+                                  </p:childTnLst>
+                                </p:cTn>
+                              </p:par>
+                            </p:childTnLst>
+                          </p:cTn>
+                        </p:par>
+                      </p:childTnLst>
+                    </p:cTn>
+                  </p:par>
+                  <p:par>
+                    <p:cTn id="8" fill="hold">
+                      <p:stCondLst>
+                        <p:cond delay="indefinite"/>
+                      </p:stCondLst>
+                      <p:childTnLst>
+                        <p:par>
+                          <p:cTn id="9" fill="hold">
+                            <p:stCondLst>
+                              <p:cond delay="0"/>
+                            </p:stCondLst>
+                            <p:childTnLst>
+                              <p:par>
+                                <p:cTn id="10" presetID="14" presetClass="entr" presetSubtype="10" fill="hold" nodeType="clickEffect">
+                                  <p:stCondLst>
+                                    <p:cond delay="0"/>
+                                  </p:stCondLst>
+                                  <p:childTnLst>
+                                    <p:set>
+                                      <p:cBhvr>
+                                        <p:cTn id="11" dur="1" fill="hold">
+                                          <p:stCondLst>
+                                            <p:cond delay="0"/>
+                                          </p:stCondLst>
+                                        </p:cTn>
+                                        <p:tgtEl>
+                                          <p:spTgt spid="107"/>
+                                        </p:tgtEl>
+                                        <p:attrNameLst>
+                                          <p:attrName>style.visibility</p:attrName>
+                                        </p:attrNameLst>
+                                      </p:cBhvr>
+                                      <p:to>
+                                        <p:strVal val="visible"/>
+                                      </p:to>
+                                    </p:set>
+                                    <p:animEffect transition="in" filter="randombar(horizontal)">
+                                      <p:cBhvr>
+                                        <p:cTn id="12" dur="500"/>
+                                        <p:tgtEl>
+                                          <p:spTgt spid="107"/>
+                                        </p:tgtEl>
+                                      </p:cBhvr>
+                                    </p:animEffect>
+                                  </p:childTnLst>
+                                </p:cTn>
+                              </p:par>
+                            </p:childTnLst>
+                          </p:cTn>
+                        </p:par>
+                      </p:childTnLst>
+                    </p:cTn>
+                  </p:par>
+                  <p:par>
+                    <p:cTn id="13" fill="hold">
+                      <p:stCondLst>
+                        <p:cond delay="indefinite"/>
+                      </p:stCondLst>
+                      <p:childTnLst>
+                        <p:par>
+                          <p:cTn id="14" fill="hold">
+                            <p:stCondLst>
+                              <p:cond delay="0"/>
+                            </p:stCondLst>
+                            <p:childTnLst>
+                              <p:par>
+                                <p:cTn id="15" presetID="53" presetClass="entr" presetSubtype="16" fill="hold" nodeType="clickEffect">
+                                  <p:stCondLst>
+                                    <p:cond delay="0"/>
+                                  </p:stCondLst>
+                                  <p:childTnLst>
+                                    <p:set>
+                                      <p:cBhvr>
+                                        <p:cTn id="16" dur="1" fill="hold">
+                                          <p:stCondLst>
+                                            <p:cond delay="0"/>
+                                          </p:stCondLst>
+                                        </p:cTn>
+                                        <p:tgtEl>
+                                          <p:spTgt spid="108"/>
+                                        </p:tgtEl>
+                                        <p:attrNameLst>
+                                          <p:attrName>style.visibility</p:attrName>
+                                        </p:attrNameLst>
+                                      </p:cBhvr>
+                                      <p:to>
+                                        <p:strVal val="visible"/>
+                                      </p:to>
+                                    </p:set>
+                                    <p:anim calcmode="lin" valueType="num">
+                                      <p:cBhvr>
+                                        <p:cTn id="17" dur="500" fill="hold"/>
+                                        <p:tgtEl>
+                                          <p:spTgt spid="108"/>
+                                        </p:tgtEl>
+                                        <p:attrNameLst>
+                                          <p:attrName>ppt_w</p:attrName>
+                                        </p:attrNameLst>
+                                      </p:cBhvr>
+                                      <p:tavLst>
+                                        <p:tav tm="0">
+                                          <p:val>
+                                            <p:fltVal val="0"/>
+                                          </p:val>
+                                        </p:tav>
+                                        <p:tav tm="100000">
+                                          <p:val>
+                                            <p:strVal val="#ppt_w"/>
+                                          </p:val>
+                                        </p:tav>
+                                      </p:tavLst>
+                                    </p:anim>
+                                    <p:anim calcmode="lin" valueType="num">
+                                      <p:cBhvr>
+                                        <p:cTn id="18" dur="500" fill="hold"/>
+                                        <p:tgtEl>
+                                          <p:spTgt spid="108"/>
+                                        </p:tgtEl>
+                                        <p:attrNameLst>
+                                          <p:attrName>ppt_h</p:attrName>
+                                        </p:attrNameLst>
+                                      </p:cBhvr>
+                                      <p:tavLst>
+                                        <p:tav tm="0">
+                                          <p:val>
+                                            <p:fltVal val="0"/>
+                                          </p:val>
+                                        </p:tav>
+                                        <p:tav tm="100000">
+                                          <p:val>
+                                            <p:strVal val="#ppt_h"/>
+                                          </p:val>
+                                        </p:tav>
+                                      </p:tavLst>
+                                    </p:anim>
+                                    <p:animEffect transition="in" filter="fade">
+                                      <p:cBhvr>
+                                        <p:cTn id="19" dur="500"/>
+                                        <p:tgtEl>
+                                          <p:spTgt spid="108"/>
+                                        </p:tgtEl>
+                                      </p:cBhvr>
+                                    </p:animEffect>
+                                  </p:childTnLst>
+                                </p:cTn>
+                              </p:par>
+                            </p:childTnLst>
+                          </p:cTn>
+                        </p:par>
+                      </p:childTnLst>
+                    </p:cTn>
+                  </p:par>
+                  <p:par>
+                    <p:cTn id="20" fill="hold">
+                      <p:stCondLst>
+                        <p:cond delay="indefinite"/>
+                      </p:stCondLst>
+                      <p:childTnLst>
+                        <p:par>
+                          <p:cTn id="21" fill="hold">
+                            <p:stCondLst>
+                              <p:cond delay="0"/>
+                            </p:stCondLst>
+                            <p:childTnLst>
+                              <p:par>
+                                <p:cTn id="22" presetID="42" presetClass="entr" presetSubtype="0" fill="hold" nodeType="clickEffect">
+                                  <p:stCondLst>
+                                    <p:cond delay="0"/>
+                                  </p:stCondLst>
+                                  <p:childTnLst>
+                                    <p:set>
+                                      <p:cBhvr>
+                                        <p:cTn id="23" dur="1" fill="hold">
+                                          <p:stCondLst>
+                                            <p:cond delay="0"/>
+                                          </p:stCondLst>
+                                        </p:cTn>
+                                        <p:tgtEl>
+                                          <p:spTgt spid="109"/>
+                                        </p:tgtEl>
+                                        <p:attrNameLst>
+                                          <p:attrName>style.visibility</p:attrName>
+                                        </p:attrNameLst>
+                                      </p:cBhvr>
+                                      <p:to>
+                                        <p:strVal val="visible"/>
+                                      </p:to>
+                                    </p:set>
+                                    <p:animEffect transition="in" filter="fade">
+                                      <p:cBhvr>
+                                        <p:cTn id="24" dur="1000"/>
+                                        <p:tgtEl>
+                                          <p:spTgt spid="109"/>
+                                        </p:tgtEl>
+                                      </p:cBhvr>
+                                    </p:animEffect>
+                                    <p:anim calcmode="lin" valueType="num">
+                                      <p:cBhvr>
+                                        <p:cTn id="25" dur="1000" fill="hold"/>
+                                        <p:tgtEl>
+                                          <p:spTgt spid="109"/>
+                                        </p:tgtEl>
+                                        <p:attrNameLst>
+                                          <p:attrName>ppt_x</p:attrName>
+                                        </p:attrNameLst>
+                                      </p:cBhvr>
+                                      <p:tavLst>
+                                        <p:tav tm="0">
+                                          <p:val>
+                                            <p:strVal val="#ppt_x"/>
+                                          </p:val>
+                                        </p:tav>
+                                        <p:tav tm="100000">
+                                          <p:val>
+                                            <p:strVal val="#ppt_x"/>
+                                          </p:val>
+                                        </p:tav>
+                                      </p:tavLst>
+                                    </p:anim>
+                                    <p:anim calcmode="lin" valueType="num">
+                                      <p:cBhvr>
+                                        <p:cTn id="26" dur="1000" fill="hold"/>
+                                        <p:tgtEl>
+                                          <p:spTgt spid="109"/>
+                                        </p:tgtEl>
+                                        <p:attrNameLst>
+                                          <p:attrName>ppt_y</p:attrName>
+                                        </p:attrNameLst>
+                                      </p:cBhvr>
+                                      <p:tavLst>
+                                        <p:tav tm="0">
+                                          <p:val>
+                                            <p:strVal val="#ppt_y+.1"/>
+                                          </p:val>
+                                        </p:tav>
+                                        <p:tav tm="100000">
+                                          <p:val>
+                                            <p:strVal val="#ppt_y"/>
+                                          </p:val>
+                                        </p:tav>
+                                      </p:tavLst>
+                                    </p:anim>
+                                  </p:childTnLst>
+                                </p:cTn>
+                              </p:par>
+                            </p:childTnLst>
+                          </p:cTn>
+                        </p:par>
+                      </p:childTnLst>
+                    </p:cTn>
+                  </p:par>
+                  <p:par>
+                    <p:cTn id="27" fill="hold">
+                      <p:stCondLst>
+                        <p:cond delay="indefinite"/>
+                      </p:stCondLst>
+                      <p:childTnLst>
+                        <p:par>
+                          <p:cTn id="28" fill="hold">
+                            <p:stCondLst>
+                              <p:cond delay="0"/>
+                            </p:stCondLst>
+                            <p:childTnLst>
+                              <p:par>
+                                <p:cTn id="29" presetID="26" presetClass="entr" presetSubtype="0" fill="hold" nodeType="clickEffect">
+                                  <p:stCondLst>
+                                    <p:cond delay="0"/>
+                                  </p:stCondLst>
+                                  <p:childTnLst>
+                                    <p:set>
+                                      <p:cBhvr>
+                                        <p:cTn id="30" dur="1" fill="hold">
+                                          <p:stCondLst>
+                                            <p:cond delay="0"/>
+                                          </p:stCondLst>
+                                        </p:cTn>
+                                        <p:tgtEl>
+                                          <p:spTgt spid="2052"/>
+                                        </p:tgtEl>
+                                        <p:attrNameLst>
+                                          <p:attrName>style.visibility</p:attrName>
+                                        </p:attrNameLst>
+                                      </p:cBhvr>
+                                      <p:to>
+                                        <p:strVal val="visible"/>
+                                      </p:to>
+                                    </p:set>
+                                    <p:animEffect transition="in" filter="wipe(down)">
+                                      <p:cBhvr>
+                                        <p:cTn id="31" dur="580">
+                                          <p:stCondLst>
+                                            <p:cond delay="0"/>
+                                          </p:stCondLst>
+                                        </p:cTn>
+                                        <p:tgtEl>
+                                          <p:spTgt spid="2052"/>
+                                        </p:tgtEl>
+                                      </p:cBhvr>
+                                    </p:animEffect>
+                                    <p:anim calcmode="lin" valueType="num">
+                                      <p:cBhvr>
+                                        <p:cTn id="32" dur="1822" tmFilter="0,0; 0.14,0.36; 0.43,0.73; 0.71,0.91; 1.0,1.0">
+                                          <p:stCondLst>
+                                            <p:cond delay="0"/>
+                                          </p:stCondLst>
+                                        </p:cTn>
+                                        <p:tgtEl>
+                                          <p:spTgt spid="2052"/>
+                                        </p:tgtEl>
+                                        <p:attrNameLst>
+                                          <p:attrName>ppt_x</p:attrName>
+                                        </p:attrNameLst>
+                                      </p:cBhvr>
+                                      <p:tavLst>
+                                        <p:tav tm="0">
+                                          <p:val>
+                                            <p:strVal val="#ppt_x-0.25"/>
+                                          </p:val>
+                                        </p:tav>
+                                        <p:tav tm="100000">
+                                          <p:val>
+                                            <p:strVal val="#ppt_x"/>
+                                          </p:val>
+                                        </p:tav>
+                                      </p:tavLst>
+                                    </p:anim>
+                                    <p:anim calcmode="lin" valueType="num">
+                                      <p:cBhvr>
+                                        <p:cTn id="33" dur="664" tmFilter="0.0,0.0; 0.25,0.07; 0.50,0.2; 0.75,0.467; 1.0,1.0">
+                                          <p:stCondLst>
+                                            <p:cond delay="0"/>
+                                          </p:stCondLst>
+                                        </p:cTn>
+                                        <p:tgtEl>
+                                          <p:spTgt spid="2052"/>
+                                        </p:tgtEl>
+                                        <p:attrNameLst>
+                                          <p:attrName>ppt_y</p:attrName>
+                                        </p:attrNameLst>
+                                      </p:cBhvr>
+                                      <p:tavLst>
+                                        <p:tav tm="0" fmla="#ppt_y-sin(pi*$)/3">
+                                          <p:val>
+                                            <p:fltVal val="0.5"/>
+                                          </p:val>
+                                        </p:tav>
+                                        <p:tav tm="100000">
+                                          <p:val>
+                                            <p:fltVal val="1"/>
+                                          </p:val>
+                                        </p:tav>
+                                      </p:tavLst>
+                                    </p:anim>
+                                    <p:anim calcmode="lin" valueType="num">
+                                      <p:cBhvr>
+                                        <p:cTn id="34" dur="664" tmFilter="0, 0; 0.125,0.2665; 0.25,0.4; 0.375,0.465; 0.5,0.5;  0.625,0.535; 0.75,0.6; 0.875,0.7335; 1,1">
+                                          <p:stCondLst>
+                                            <p:cond delay="664"/>
+                                          </p:stCondLst>
+                                        </p:cTn>
+                                        <p:tgtEl>
+                                          <p:spTgt spid="2052"/>
+                                        </p:tgtEl>
+                                        <p:attrNameLst>
+                                          <p:attrName>ppt_y</p:attrName>
+                                        </p:attrNameLst>
+                                      </p:cBhvr>
+                                      <p:tavLst>
+                                        <p:tav tm="0" fmla="#ppt_y-sin(pi*$)/9">
+                                          <p:val>
+                                            <p:fltVal val="0"/>
+                                          </p:val>
+                                        </p:tav>
+                                        <p:tav tm="100000">
+                                          <p:val>
+                                            <p:fltVal val="1"/>
+                                          </p:val>
+                                        </p:tav>
+                                      </p:tavLst>
+                                    </p:anim>
+                                    <p:anim calcmode="lin" valueType="num">
+                                      <p:cBhvr>
+                                        <p:cTn id="35" dur="332" tmFilter="0, 0; 0.125,0.2665; 0.25,0.4; 0.375,0.465; 0.5,0.5;  0.625,0.535; 0.75,0.6; 0.875,0.7335; 1,1">
+                                          <p:stCondLst>
+                                            <p:cond delay="1324"/>
+                                          </p:stCondLst>
+                                        </p:cTn>
+                                        <p:tgtEl>
+                                          <p:spTgt spid="2052"/>
+                                        </p:tgtEl>
+                                        <p:attrNameLst>
+                                          <p:attrName>ppt_y</p:attrName>
+                                        </p:attrNameLst>
+                                      </p:cBhvr>
+                                      <p:tavLst>
+                                        <p:tav tm="0" fmla="#ppt_y-sin(pi*$)/27">
+                                          <p:val>
+                                            <p:fltVal val="0"/>
+                                          </p:val>
+                                        </p:tav>
+                                        <p:tav tm="100000">
+                                          <p:val>
+                                            <p:fltVal val="1"/>
+                                          </p:val>
+                                        </p:tav>
+                                      </p:tavLst>
+                                    </p:anim>
+                                    <p:anim calcmode="lin" valueType="num">
+                                      <p:cBhvr>
+                                        <p:cTn id="36" dur="164" tmFilter="0, 0; 0.125,0.2665; 0.25,0.4; 0.375,0.465; 0.5,0.5;  0.625,0.535; 0.75,0.6; 0.875,0.7335; 1,1">
+                                          <p:stCondLst>
+                                            <p:cond delay="1656"/>
+                                          </p:stCondLst>
+                                        </p:cTn>
+                                        <p:tgtEl>
+                                          <p:spTgt spid="2052"/>
+                                        </p:tgtEl>
+                                        <p:attrNameLst>
+                                          <p:attrName>ppt_y</p:attrName>
+                                        </p:attrNameLst>
+                                      </p:cBhvr>
+                                      <p:tavLst>
+                                        <p:tav tm="0" fmla="#ppt_y-sin(pi*$)/81">
+                                          <p:val>
+                                            <p:fltVal val="0"/>
+                                          </p:val>
+                                        </p:tav>
+                                        <p:tav tm="100000">
+                                          <p:val>
+                                            <p:fltVal val="1"/>
+                                          </p:val>
+                                        </p:tav>
+                                      </p:tavLst>
+                                    </p:anim>
+                                    <p:animScale>
+                                      <p:cBhvr>
+                                        <p:cTn id="37" dur="26">
+                                          <p:stCondLst>
+                                            <p:cond delay="650"/>
+                                          </p:stCondLst>
+                                        </p:cTn>
+                                        <p:tgtEl>
+                                          <p:spTgt spid="2052"/>
+                                        </p:tgtEl>
+                                      </p:cBhvr>
+                                      <p:to x="100000" y="60000"/>
+                                    </p:animScale>
+                                    <p:animScale>
+                                      <p:cBhvr>
+                                        <p:cTn id="38" dur="166" decel="50000">
+                                          <p:stCondLst>
+                                            <p:cond delay="676"/>
+                                          </p:stCondLst>
+                                        </p:cTn>
+                                        <p:tgtEl>
+                                          <p:spTgt spid="2052"/>
+                                        </p:tgtEl>
+                                      </p:cBhvr>
+                                      <p:to x="100000" y="100000"/>
+                                    </p:animScale>
+                                    <p:animScale>
+                                      <p:cBhvr>
+                                        <p:cTn id="39" dur="26">
+                                          <p:stCondLst>
+                                            <p:cond delay="1312"/>
+                                          </p:stCondLst>
+                                        </p:cTn>
+                                        <p:tgtEl>
+                                          <p:spTgt spid="2052"/>
+                                        </p:tgtEl>
+                                      </p:cBhvr>
+                                      <p:to x="100000" y="80000"/>
+                                    </p:animScale>
+                                    <p:animScale>
+                                      <p:cBhvr>
+                                        <p:cTn id="40" dur="166" decel="50000">
+                                          <p:stCondLst>
+                                            <p:cond delay="1338"/>
+                                          </p:stCondLst>
+                                        </p:cTn>
+                                        <p:tgtEl>
+                                          <p:spTgt spid="2052"/>
+                                        </p:tgtEl>
+                                      </p:cBhvr>
+                                      <p:to x="100000" y="100000"/>
+                                    </p:animScale>
+                                    <p:animScale>
+                                      <p:cBhvr>
+                                        <p:cTn id="41" dur="26">
+                                          <p:stCondLst>
+                                            <p:cond delay="1642"/>
+                                          </p:stCondLst>
+                                        </p:cTn>
+                                        <p:tgtEl>
+                                          <p:spTgt spid="2052"/>
+                                        </p:tgtEl>
+                                      </p:cBhvr>
+                                      <p:to x="100000" y="90000"/>
+                                    </p:animScale>
+                                    <p:animScale>
+                                      <p:cBhvr>
+                                        <p:cTn id="42" dur="166" decel="50000">
+                                          <p:stCondLst>
+                                            <p:cond delay="1668"/>
+                                          </p:stCondLst>
+                                        </p:cTn>
+                                        <p:tgtEl>
+                                          <p:spTgt spid="2052"/>
+                                        </p:tgtEl>
+                                      </p:cBhvr>
+                                      <p:to x="100000" y="100000"/>
+                                    </p:animScale>
+                                    <p:animScale>
+                                      <p:cBhvr>
+                                        <p:cTn id="43" dur="26">
+                                          <p:stCondLst>
+                                            <p:cond delay="1808"/>
+                                          </p:stCondLst>
+                                        </p:cTn>
+                                        <p:tgtEl>
+                                          <p:spTgt spid="2052"/>
+                                        </p:tgtEl>
+                                      </p:cBhvr>
+                                      <p:to x="100000" y="95000"/>
+                                    </p:animScale>
+                                    <p:animScale>
+                                      <p:cBhvr>
+                                        <p:cTn id="44" dur="166" decel="50000">
+                                          <p:stCondLst>
+                                            <p:cond delay="1834"/>
+                                          </p:stCondLst>
+                                        </p:cTn>
+                                        <p:tgtEl>
+                                          <p:spTgt spid="2052"/>
+                                        </p:tgtEl>
+                                      </p:cBhvr>
+                                      <p:to x="100000" y="100000"/>
+                                    </p:animScale>
+                                  </p:childTnLst>
+                                </p:cTn>
+                              </p:par>
+                            </p:childTnLst>
+                          </p:cTn>
+                        </p:par>
+                      </p:childTnLst>
+                    </p:cTn>
+                  </p:par>
+                </p:childTnLst>
+              </p:cTn>
+              <p:prevCondLst>
+                <p:cond evt="onPrev" delay="0">
+                  <p:tgtEl>
+                    <p:sldTgt/>
+                  </p:tgtEl>
+                </p:cond>
+              </p:prevCondLst>
+              <p:nextCondLst>
+                <p:cond evt="onNext" delay="0">
+                  <p:tgtEl>
+                    <p:sldTgt/>
+                  </p:tgtEl>
+                </p:cond>
+              </p:nextCondLst>
+            </p:seq>
+          </p:childTnLst>
+        </p:cTn>
+      </p:par>
+    </p:tnLst>
+  </p:timing>
+</p:sld>
+</file>
+
+<file path=ppt/slides/slide4.xml><?xml version="1.0" encoding="utf-8"?>
+<p:sld xmlns:a="http://schemas.openxmlformats.org/drawingml/2006/main" xmlns:r="http://schemas.openxmlformats.org/officeDocument/2006/relationships" xmlns:p="http://schemas.openxmlformats.org/presentationml/2006/main">
+  <p:cSld>
     <p:spTree>
       <p:nvGrpSpPr>
         <p:cNvPr id="1" name=""/>
@@ -3335,7 +6614,7 @@
         </p:nvGrpSpPr>
         <p:grpSpPr>
           <a:xfrm>
-            <a:off x="353285" y="798356"/>
+            <a:off x="315185" y="518956"/>
             <a:ext cx="3462424" cy="6059644"/>
             <a:chOff x="353285" y="798356"/>
             <a:chExt cx="3462424" cy="6059644"/>
@@ -3750,7 +7029,7 @@
         </p:nvGrpSpPr>
         <p:grpSpPr>
           <a:xfrm>
-            <a:off x="4392903" y="798356"/>
+            <a:off x="4354803" y="518956"/>
             <a:ext cx="3462424" cy="6059644"/>
             <a:chOff x="4317155" y="798356"/>
             <a:chExt cx="3462424" cy="6059644"/>
@@ -4173,7 +7452,7 @@
         </p:nvGrpSpPr>
         <p:grpSpPr>
           <a:xfrm>
-            <a:off x="8432521" y="798356"/>
+            <a:off x="8394421" y="518956"/>
             <a:ext cx="3462424" cy="6059644"/>
             <a:chOff x="8432521" y="798356"/>
             <a:chExt cx="3462424" cy="6059644"/>
@@ -4538,45 +7817,130 @@
           </p:style>
         </p:cxnSp>
       </p:grpSp>
-      <p:sp>
-        <p:nvSpPr>
-          <p:cNvPr id="1024" name="TextBox 1023">
+      <p:grpSp>
+        <p:nvGrpSpPr>
+          <p:cNvPr id="2" name="Group 1">
             <a:extLst>
               <a:ext uri="{FF2B5EF4-FFF2-40B4-BE49-F238E27FC236}">
-                <a16:creationId xmlns:a16="http://schemas.microsoft.com/office/drawing/2014/main" id="{6E767AC4-5E66-42C9-B9EC-C45A2C7A85AB}"/>
+                <a16:creationId xmlns:a16="http://schemas.microsoft.com/office/drawing/2014/main" id="{43879B09-18D8-4F42-A6AC-CD728CD29D35}"/>
               </a:ext>
             </a:extLst>
           </p:cNvPr>
-          <p:cNvSpPr txBox="1"/>
+          <p:cNvGrpSpPr/>
           <p:nvPr/>
-        </p:nvSpPr>
-        <p:spPr>
+        </p:nvGrpSpPr>
+        <p:grpSpPr>
           <a:xfrm>
-            <a:off x="4745310" y="71963"/>
-            <a:ext cx="2701381" cy="584775"/>
+            <a:off x="871092" y="795253"/>
+            <a:ext cx="9539844" cy="5209730"/>
+            <a:chOff x="871092" y="795253"/>
+            <a:chExt cx="9539844" cy="5209730"/>
           </a:xfrm>
-          <a:prstGeom prst="rect">
-            <a:avLst/>
-          </a:prstGeom>
-          <a:noFill/>
-        </p:spPr>
-        <p:txBody>
-          <a:bodyPr wrap="none" rtlCol="0">
-            <a:spAutoFit/>
-          </a:bodyPr>
-          <a:lstStyle/>
-          <a:p>
-            <a:r>
-              <a:rPr lang="en-US" sz="3200">
-                <a:latin typeface="Ebrima" panose="02000000000000000000" pitchFamily="2" charset="0"/>
-                <a:ea typeface="Ebrima" panose="02000000000000000000" pitchFamily="2" charset="0"/>
-                <a:cs typeface="Ebrima" panose="02000000000000000000" pitchFamily="2" charset="0"/>
-              </a:rPr>
-              <a:t>Tarjeta Virtual</a:t>
-            </a:r>
-          </a:p>
-        </p:txBody>
-      </p:sp>
+        </p:grpSpPr>
+        <p:sp>
+          <p:nvSpPr>
+            <p:cNvPr id="43" name="Title 1">
+              <a:extLst>
+                <a:ext uri="{FF2B5EF4-FFF2-40B4-BE49-F238E27FC236}">
+                  <a16:creationId xmlns:a16="http://schemas.microsoft.com/office/drawing/2014/main" id="{82E7EB70-5701-4477-A55D-CD0B919EA3F3}"/>
+                </a:ext>
+              </a:extLst>
+            </p:cNvPr>
+            <p:cNvSpPr txBox="1">
+              <a:spLocks/>
+            </p:cNvSpPr>
+            <p:nvPr/>
+          </p:nvSpPr>
+          <p:spPr>
+            <a:xfrm rot="20912682">
+              <a:off x="871092" y="795253"/>
+              <a:ext cx="9539844" cy="3081613"/>
+            </a:xfrm>
+            <a:prstGeom prst="rect">
+              <a:avLst/>
+            </a:prstGeom>
+          </p:spPr>
+          <p:txBody>
+            <a:bodyPr vert="horz" lIns="91440" tIns="45720" rIns="91440" bIns="45720" rtlCol="0" anchor="b">
+              <a:noAutofit/>
+            </a:bodyPr>
+            <a:lstStyle>
+              <a:lvl1pPr algn="ctr" defTabSz="914400" rtl="0" eaLnBrk="1" latinLnBrk="0" hangingPunct="1">
+                <a:lnSpc>
+                  <a:spcPct val="90000"/>
+                </a:lnSpc>
+                <a:spcBef>
+                  <a:spcPct val="0"/>
+                </a:spcBef>
+                <a:buNone/>
+                <a:defRPr sz="6000" kern="1200">
+                  <a:solidFill>
+                    <a:schemeClr val="tx1"/>
+                  </a:solidFill>
+                  <a:latin typeface="+mj-lt"/>
+                  <a:ea typeface="+mj-ea"/>
+                  <a:cs typeface="+mj-cs"/>
+                </a:defRPr>
+              </a:lvl1pPr>
+            </a:lstStyle>
+            <a:p>
+              <a:r>
+                <a:rPr lang="en-US" sz="19900" b="1">
+                  <a:solidFill>
+                    <a:srgbClr val="FF0000"/>
+                  </a:solidFill>
+                </a:rPr>
+                <a:t>¡La hice!</a:t>
+              </a:r>
+            </a:p>
+          </p:txBody>
+        </p:sp>
+        <p:pic>
+          <p:nvPicPr>
+            <p:cNvPr id="44" name="Picture 12" descr="Resultado de imagen para rosa blanca">
+              <a:extLst>
+                <a:ext uri="{FF2B5EF4-FFF2-40B4-BE49-F238E27FC236}">
+                  <a16:creationId xmlns:a16="http://schemas.microsoft.com/office/drawing/2014/main" id="{0944FA92-A295-4930-B3F8-BB62BDE44D94}"/>
+                </a:ext>
+              </a:extLst>
+            </p:cNvPr>
+            <p:cNvPicPr>
+              <a:picLocks noChangeAspect="1" noChangeArrowheads="1"/>
+            </p:cNvPicPr>
+            <p:nvPr/>
+          </p:nvPicPr>
+          <p:blipFill rotWithShape="1">
+            <a:blip r:embed="rId9">
+              <a:extLst>
+                <a:ext uri="{28A0092B-C50C-407E-A947-70E740481C1C}">
+                  <a14:useLocalDpi xmlns:a14="http://schemas.microsoft.com/office/drawing/2010/main" val="0"/>
+                </a:ext>
+              </a:extLst>
+            </a:blip>
+            <a:srcRect r="42485" b="29885"/>
+            <a:stretch/>
+          </p:blipFill>
+          <p:spPr bwMode="auto">
+            <a:xfrm>
+              <a:off x="6371446" y="3217427"/>
+              <a:ext cx="3432660" cy="2787556"/>
+            </a:xfrm>
+            <a:prstGeom prst="rect">
+              <a:avLst/>
+            </a:prstGeom>
+            <a:noFill/>
+            <a:extLst>
+              <a:ext uri="{909E8E84-426E-40DD-AFC4-6F175D3DCCD1}">
+                <a14:hiddenFill xmlns:a14="http://schemas.microsoft.com/office/drawing/2010/main">
+                  <a:solidFill>
+                    <a:srgbClr val="FFFFFF"/>
+                  </a:solidFill>
+                </a14:hiddenFill>
+              </a:ext>
+            </a:extLst>
+          </p:spPr>
+        </p:pic>
+      </p:grpSp>
     </p:spTree>
     <p:extLst>
       <p:ext uri="{BB962C8B-B14F-4D97-AF65-F5344CB8AC3E}">
@@ -4587,6 +7951,1867 @@
   <p:clrMapOvr>
     <a:masterClrMapping/>
   </p:clrMapOvr>
+  <p:timing>
+    <p:tnLst>
+      <p:par>
+        <p:cTn id="1" dur="indefinite" restart="never" nodeType="tmRoot">
+          <p:childTnLst>
+            <p:seq concurrent="1" nextAc="seek">
+              <p:cTn id="2" dur="indefinite" nodeType="mainSeq">
+                <p:childTnLst>
+                  <p:par>
+                    <p:cTn id="3" fill="hold">
+                      <p:stCondLst>
+                        <p:cond delay="indefinite"/>
+                      </p:stCondLst>
+                      <p:childTnLst>
+                        <p:par>
+                          <p:cTn id="4" fill="hold">
+                            <p:stCondLst>
+                              <p:cond delay="0"/>
+                            </p:stCondLst>
+                            <p:childTnLst>
+                              <p:par>
+                                <p:cTn id="5" presetID="1" presetClass="entr" presetSubtype="0" fill="hold" nodeType="clickEffect">
+                                  <p:stCondLst>
+                                    <p:cond delay="0"/>
+                                  </p:stCondLst>
+                                  <p:childTnLst>
+                                    <p:set>
+                                      <p:cBhvr>
+                                        <p:cTn id="6" dur="1" fill="hold">
+                                          <p:stCondLst>
+                                            <p:cond delay="0"/>
+                                          </p:stCondLst>
+                                        </p:cTn>
+                                        <p:tgtEl>
+                                          <p:spTgt spid="61"/>
+                                        </p:tgtEl>
+                                        <p:attrNameLst>
+                                          <p:attrName>style.visibility</p:attrName>
+                                        </p:attrNameLst>
+                                      </p:cBhvr>
+                                      <p:to>
+                                        <p:strVal val="visible"/>
+                                      </p:to>
+                                    </p:set>
+                                  </p:childTnLst>
+                                </p:cTn>
+                              </p:par>
+                            </p:childTnLst>
+                          </p:cTn>
+                        </p:par>
+                      </p:childTnLst>
+                    </p:cTn>
+                  </p:par>
+                  <p:par>
+                    <p:cTn id="7" fill="hold">
+                      <p:stCondLst>
+                        <p:cond delay="indefinite"/>
+                      </p:stCondLst>
+                      <p:childTnLst>
+                        <p:par>
+                          <p:cTn id="8" fill="hold">
+                            <p:stCondLst>
+                              <p:cond delay="0"/>
+                            </p:stCondLst>
+                            <p:childTnLst>
+                              <p:par>
+                                <p:cTn id="9" presetID="1" presetClass="entr" presetSubtype="0" fill="hold" nodeType="clickEffect">
+                                  <p:stCondLst>
+                                    <p:cond delay="0"/>
+                                  </p:stCondLst>
+                                  <p:childTnLst>
+                                    <p:set>
+                                      <p:cBhvr>
+                                        <p:cTn id="10" dur="1" fill="hold">
+                                          <p:stCondLst>
+                                            <p:cond delay="0"/>
+                                          </p:stCondLst>
+                                        </p:cTn>
+                                        <p:tgtEl>
+                                          <p:spTgt spid="63"/>
+                                        </p:tgtEl>
+                                        <p:attrNameLst>
+                                          <p:attrName>style.visibility</p:attrName>
+                                        </p:attrNameLst>
+                                      </p:cBhvr>
+                                      <p:to>
+                                        <p:strVal val="visible"/>
+                                      </p:to>
+                                    </p:set>
+                                  </p:childTnLst>
+                                </p:cTn>
+                              </p:par>
+                            </p:childTnLst>
+                          </p:cTn>
+                        </p:par>
+                      </p:childTnLst>
+                    </p:cTn>
+                  </p:par>
+                  <p:par>
+                    <p:cTn id="11" fill="hold">
+                      <p:stCondLst>
+                        <p:cond delay="indefinite"/>
+                      </p:stCondLst>
+                      <p:childTnLst>
+                        <p:par>
+                          <p:cTn id="12" fill="hold">
+                            <p:stCondLst>
+                              <p:cond delay="0"/>
+                            </p:stCondLst>
+                            <p:childTnLst>
+                              <p:par>
+                                <p:cTn id="13" presetID="14" presetClass="entr" presetSubtype="10" fill="hold" nodeType="clickEffect">
+                                  <p:stCondLst>
+                                    <p:cond delay="0"/>
+                                  </p:stCondLst>
+                                  <p:childTnLst>
+                                    <p:set>
+                                      <p:cBhvr>
+                                        <p:cTn id="14" dur="1" fill="hold">
+                                          <p:stCondLst>
+                                            <p:cond delay="0"/>
+                                          </p:stCondLst>
+                                        </p:cTn>
+                                        <p:tgtEl>
+                                          <p:spTgt spid="2"/>
+                                        </p:tgtEl>
+                                        <p:attrNameLst>
+                                          <p:attrName>style.visibility</p:attrName>
+                                        </p:attrNameLst>
+                                      </p:cBhvr>
+                                      <p:to>
+                                        <p:strVal val="visible"/>
+                                      </p:to>
+                                    </p:set>
+                                    <p:animEffect transition="in" filter="randombar(horizontal)">
+                                      <p:cBhvr>
+                                        <p:cTn id="15" dur="500"/>
+                                        <p:tgtEl>
+                                          <p:spTgt spid="2"/>
+                                        </p:tgtEl>
+                                      </p:cBhvr>
+                                    </p:animEffect>
+                                  </p:childTnLst>
+                                </p:cTn>
+                              </p:par>
+                            </p:childTnLst>
+                          </p:cTn>
+                        </p:par>
+                      </p:childTnLst>
+                    </p:cTn>
+                  </p:par>
+                </p:childTnLst>
+              </p:cTn>
+              <p:prevCondLst>
+                <p:cond evt="onPrev" delay="0">
+                  <p:tgtEl>
+                    <p:sldTgt/>
+                  </p:tgtEl>
+                </p:cond>
+              </p:prevCondLst>
+              <p:nextCondLst>
+                <p:cond evt="onNext" delay="0">
+                  <p:tgtEl>
+                    <p:sldTgt/>
+                  </p:tgtEl>
+                </p:cond>
+              </p:nextCondLst>
+            </p:seq>
+          </p:childTnLst>
+        </p:cTn>
+      </p:par>
+    </p:tnLst>
+  </p:timing>
+</p:sld>
+</file>
+
+<file path=ppt/slides/slide5.xml><?xml version="1.0" encoding="utf-8"?>
+<p:sld xmlns:a="http://schemas.openxmlformats.org/drawingml/2006/main" xmlns:r="http://schemas.openxmlformats.org/officeDocument/2006/relationships" xmlns:p="http://schemas.openxmlformats.org/presentationml/2006/main">
+  <p:cSld>
+    <p:spTree>
+      <p:nvGrpSpPr>
+        <p:cNvPr id="1" name=""/>
+        <p:cNvGrpSpPr/>
+        <p:nvPr/>
+      </p:nvGrpSpPr>
+      <p:grpSpPr>
+        <a:xfrm>
+          <a:off x="0" y="0"/>
+          <a:ext cx="0" cy="0"/>
+          <a:chOff x="0" y="0"/>
+          <a:chExt cx="0" cy="0"/>
+        </a:xfrm>
+      </p:grpSpPr>
+      <p:pic>
+        <p:nvPicPr>
+          <p:cNvPr id="4" name="Picture 2" descr="Resultado de imagen para papá png">
+            <a:extLst>
+              <a:ext uri="{FF2B5EF4-FFF2-40B4-BE49-F238E27FC236}">
+                <a16:creationId xmlns:a16="http://schemas.microsoft.com/office/drawing/2014/main" id="{9E06A2AF-409E-4B9F-9D0D-7AB4B45BEF06}"/>
+              </a:ext>
+            </a:extLst>
+          </p:cNvPr>
+          <p:cNvPicPr>
+            <a:picLocks noChangeAspect="1" noChangeArrowheads="1"/>
+          </p:cNvPicPr>
+          <p:nvPr/>
+        </p:nvPicPr>
+        <p:blipFill>
+          <a:blip r:embed="rId2">
+            <a:extLst>
+              <a:ext uri="{28A0092B-C50C-407E-A947-70E740481C1C}">
+                <a14:useLocalDpi xmlns:a14="http://schemas.microsoft.com/office/drawing/2010/main" val="0"/>
+              </a:ext>
+            </a:extLst>
+          </a:blip>
+          <a:srcRect/>
+          <a:stretch>
+            <a:fillRect/>
+          </a:stretch>
+        </p:blipFill>
+        <p:spPr bwMode="auto">
+          <a:xfrm rot="21099927">
+            <a:off x="5178706" y="3258785"/>
+            <a:ext cx="1853593" cy="1733749"/>
+          </a:xfrm>
+          <a:prstGeom prst="rect">
+            <a:avLst/>
+          </a:prstGeom>
+          <a:noFill/>
+          <a:extLst>
+            <a:ext uri="{909E8E84-426E-40DD-AFC4-6F175D3DCCD1}">
+              <a14:hiddenFill xmlns:a14="http://schemas.microsoft.com/office/drawing/2010/main">
+                <a:solidFill>
+                  <a:srgbClr val="FFFFFF"/>
+                </a:solidFill>
+              </a14:hiddenFill>
+            </a:ext>
+          </a:extLst>
+        </p:spPr>
+      </p:pic>
+      <p:sp>
+        <p:nvSpPr>
+          <p:cNvPr id="9" name="Title 1">
+            <a:extLst>
+              <a:ext uri="{FF2B5EF4-FFF2-40B4-BE49-F238E27FC236}">
+                <a16:creationId xmlns:a16="http://schemas.microsoft.com/office/drawing/2014/main" id="{1EF1669A-3F27-4049-B4AC-3855F795F9CF}"/>
+              </a:ext>
+            </a:extLst>
+          </p:cNvPr>
+          <p:cNvSpPr txBox="1">
+            <a:spLocks/>
+          </p:cNvSpPr>
+          <p:nvPr/>
+        </p:nvSpPr>
+        <p:spPr>
+          <a:xfrm rot="21000110">
+            <a:off x="174625" y="136921"/>
+            <a:ext cx="7540910" cy="2078633"/>
+          </a:xfrm>
+          <a:prstGeom prst="rect">
+            <a:avLst/>
+          </a:prstGeom>
+        </p:spPr>
+        <p:txBody>
+          <a:bodyPr vert="horz" lIns="91440" tIns="45720" rIns="91440" bIns="45720" rtlCol="0" anchor="b">
+            <a:noAutofit/>
+          </a:bodyPr>
+          <a:lstStyle>
+            <a:lvl1pPr algn="ctr" defTabSz="914400" rtl="0" eaLnBrk="1" latinLnBrk="0" hangingPunct="1">
+              <a:lnSpc>
+                <a:spcPct val="90000"/>
+              </a:lnSpc>
+              <a:spcBef>
+                <a:spcPct val="0"/>
+              </a:spcBef>
+              <a:buNone/>
+              <a:defRPr sz="6000" kern="1200">
+                <a:solidFill>
+                  <a:schemeClr val="tx1"/>
+                </a:solidFill>
+                <a:latin typeface="+mj-lt"/>
+                <a:ea typeface="+mj-ea"/>
+                <a:cs typeface="+mj-cs"/>
+              </a:defRPr>
+            </a:lvl1pPr>
+          </a:lstStyle>
+          <a:p>
+            <a:r>
+              <a:rPr lang="en-US" sz="5900" b="1">
+                <a:solidFill>
+                  <a:srgbClr val="FF0000"/>
+                </a:solidFill>
+              </a:rPr>
+              <a:t>¡Puedo mucho más, v1, v2, v3, …!</a:t>
+            </a:r>
+          </a:p>
+        </p:txBody>
+      </p:sp>
+      <p:grpSp>
+        <p:nvGrpSpPr>
+          <p:cNvPr id="21" name="Group 20">
+            <a:extLst>
+              <a:ext uri="{FF2B5EF4-FFF2-40B4-BE49-F238E27FC236}">
+                <a16:creationId xmlns:a16="http://schemas.microsoft.com/office/drawing/2014/main" id="{2B765660-98F5-4DF8-A840-8441DFA91155}"/>
+              </a:ext>
+            </a:extLst>
+          </p:cNvPr>
+          <p:cNvGrpSpPr/>
+          <p:nvPr/>
+        </p:nvGrpSpPr>
+        <p:grpSpPr>
+          <a:xfrm>
+            <a:off x="1140138" y="2350239"/>
+            <a:ext cx="4023528" cy="2564822"/>
+            <a:chOff x="1140138" y="2350239"/>
+            <a:chExt cx="4023528" cy="2564822"/>
+          </a:xfrm>
+        </p:grpSpPr>
+        <p:pic>
+          <p:nvPicPr>
+            <p:cNvPr id="6" name="Picture 2" descr="Resultado de imagen para great idea png">
+              <a:extLst>
+                <a:ext uri="{FF2B5EF4-FFF2-40B4-BE49-F238E27FC236}">
+                  <a16:creationId xmlns:a16="http://schemas.microsoft.com/office/drawing/2014/main" id="{FD4EDE44-03C1-4B0F-BA29-67793CD4CBC6}"/>
+                </a:ext>
+              </a:extLst>
+            </p:cNvPr>
+            <p:cNvPicPr>
+              <a:picLocks noChangeAspect="1" noChangeArrowheads="1"/>
+            </p:cNvPicPr>
+            <p:nvPr/>
+          </p:nvPicPr>
+          <p:blipFill>
+            <a:blip r:embed="rId3">
+              <a:extLst>
+                <a:ext uri="{28A0092B-C50C-407E-A947-70E740481C1C}">
+                  <a14:useLocalDpi xmlns:a14="http://schemas.microsoft.com/office/drawing/2010/main" val="0"/>
+                </a:ext>
+              </a:extLst>
+            </a:blip>
+            <a:srcRect/>
+            <a:stretch>
+              <a:fillRect/>
+            </a:stretch>
+          </p:blipFill>
+          <p:spPr bwMode="auto">
+            <a:xfrm rot="20363122">
+              <a:off x="4098493" y="2350239"/>
+              <a:ext cx="1065173" cy="1065173"/>
+            </a:xfrm>
+            <a:prstGeom prst="rect">
+              <a:avLst/>
+            </a:prstGeom>
+            <a:noFill/>
+            <a:extLst>
+              <a:ext uri="{909E8E84-426E-40DD-AFC4-6F175D3DCCD1}">
+                <a14:hiddenFill xmlns:a14="http://schemas.microsoft.com/office/drawing/2010/main">
+                  <a:solidFill>
+                    <a:srgbClr val="FFFFFF"/>
+                  </a:solidFill>
+                </a14:hiddenFill>
+              </a:ext>
+            </a:extLst>
+          </p:spPr>
+        </p:pic>
+        <p:sp>
+          <p:nvSpPr>
+            <p:cNvPr id="12" name="Rectangle 11">
+              <a:extLst>
+                <a:ext uri="{FF2B5EF4-FFF2-40B4-BE49-F238E27FC236}">
+                  <a16:creationId xmlns:a16="http://schemas.microsoft.com/office/drawing/2014/main" id="{E50C05E7-17D3-4F78-B882-A9598E47CEC2}"/>
+                </a:ext>
+              </a:extLst>
+            </p:cNvPr>
+            <p:cNvSpPr/>
+            <p:nvPr/>
+          </p:nvSpPr>
+          <p:spPr>
+            <a:xfrm rot="20051297">
+              <a:off x="1441415" y="3045581"/>
+              <a:ext cx="3181874" cy="1200329"/>
+            </a:xfrm>
+            <a:prstGeom prst="rect">
+              <a:avLst/>
+            </a:prstGeom>
+            <a:noFill/>
+          </p:spPr>
+          <p:txBody>
+            <a:bodyPr wrap="square" lIns="91440" tIns="45720" rIns="91440" bIns="45720">
+              <a:spAutoFit/>
+            </a:bodyPr>
+            <a:lstStyle/>
+            <a:p>
+              <a:pPr algn="ctr"/>
+              <a:r>
+                <a:rPr lang="en-US" sz="2400" i="1" cap="none" spc="0">
+                  <a:ln w="0"/>
+                  <a:solidFill>
+                    <a:schemeClr val="accent2">
+                      <a:lumMod val="75000"/>
+                    </a:schemeClr>
+                  </a:solidFill>
+                  <a:effectLst>
+                    <a:outerShdw blurRad="38100" dist="25400" dir="5400000" algn="ctr" rotWithShape="0">
+                      <a:srgbClr val="6E747A">
+                        <a:alpha val="43000"/>
+                      </a:srgbClr>
+                    </a:outerShdw>
+                  </a:effectLst>
+                </a:rPr>
+                <a:t>Muchos me pidieron </a:t>
+              </a:r>
+              <a:r>
+                <a:rPr lang="en-US" sz="2400" b="1" i="1" cap="none" spc="0">
+                  <a:ln w="0"/>
+                  <a:solidFill>
+                    <a:schemeClr val="accent2">
+                      <a:lumMod val="75000"/>
+                    </a:schemeClr>
+                  </a:solidFill>
+                  <a:effectLst>
+                    <a:outerShdw blurRad="38100" dist="25400" dir="5400000" algn="ctr" rotWithShape="0">
+                      <a:srgbClr val="6E747A">
+                        <a:alpha val="43000"/>
+                      </a:srgbClr>
+                    </a:outerShdw>
+                  </a:effectLst>
+                </a:rPr>
+                <a:t>“que se integre con Yape”</a:t>
+              </a:r>
+              <a:r>
+                <a:rPr lang="en-US" sz="2400" i="1" cap="none" spc="0">
+                  <a:ln w="0"/>
+                  <a:solidFill>
+                    <a:schemeClr val="accent2">
+                      <a:lumMod val="75000"/>
+                    </a:schemeClr>
+                  </a:solidFill>
+                  <a:effectLst>
+                    <a:outerShdw blurRad="38100" dist="25400" dir="5400000" algn="ctr" rotWithShape="0">
+                      <a:srgbClr val="6E747A">
+                        <a:alpha val="43000"/>
+                      </a:srgbClr>
+                    </a:outerShdw>
+                  </a:effectLst>
+                </a:rPr>
+                <a:t> ¡ahí vamos!</a:t>
+              </a:r>
+            </a:p>
+          </p:txBody>
+        </p:sp>
+        <p:pic>
+          <p:nvPicPr>
+            <p:cNvPr id="3074" name="Picture 2" descr="Resultado de imagen para yape">
+              <a:extLst>
+                <a:ext uri="{FF2B5EF4-FFF2-40B4-BE49-F238E27FC236}">
+                  <a16:creationId xmlns:a16="http://schemas.microsoft.com/office/drawing/2014/main" id="{F01D867B-FA12-4691-A52B-FD548723C5F5}"/>
+                </a:ext>
+              </a:extLst>
+            </p:cNvPr>
+            <p:cNvPicPr>
+              <a:picLocks noChangeAspect="1" noChangeArrowheads="1"/>
+            </p:cNvPicPr>
+            <p:nvPr/>
+          </p:nvPicPr>
+          <p:blipFill>
+            <a:blip r:embed="rId4">
+              <a:extLst>
+                <a:ext uri="{28A0092B-C50C-407E-A947-70E740481C1C}">
+                  <a14:useLocalDpi xmlns:a14="http://schemas.microsoft.com/office/drawing/2010/main" val="0"/>
+                </a:ext>
+              </a:extLst>
+            </a:blip>
+            <a:srcRect/>
+            <a:stretch>
+              <a:fillRect/>
+            </a:stretch>
+          </p:blipFill>
+          <p:spPr bwMode="auto">
+            <a:xfrm rot="20108612">
+              <a:off x="1140138" y="4202245"/>
+              <a:ext cx="712816" cy="712816"/>
+            </a:xfrm>
+            <a:prstGeom prst="rect">
+              <a:avLst/>
+            </a:prstGeom>
+            <a:noFill/>
+            <a:extLst>
+              <a:ext uri="{909E8E84-426E-40DD-AFC4-6F175D3DCCD1}">
+                <a14:hiddenFill xmlns:a14="http://schemas.microsoft.com/office/drawing/2010/main">
+                  <a:solidFill>
+                    <a:srgbClr val="FFFFFF"/>
+                  </a:solidFill>
+                </a14:hiddenFill>
+              </a:ext>
+            </a:extLst>
+          </p:spPr>
+        </p:pic>
+      </p:grpSp>
+      <p:grpSp>
+        <p:nvGrpSpPr>
+          <p:cNvPr id="23" name="Group 22">
+            <a:extLst>
+              <a:ext uri="{FF2B5EF4-FFF2-40B4-BE49-F238E27FC236}">
+                <a16:creationId xmlns:a16="http://schemas.microsoft.com/office/drawing/2014/main" id="{819D390E-B2DB-4244-8A4C-98C2E6FA402E}"/>
+              </a:ext>
+            </a:extLst>
+          </p:cNvPr>
+          <p:cNvGrpSpPr/>
+          <p:nvPr/>
+        </p:nvGrpSpPr>
+        <p:grpSpPr>
+          <a:xfrm>
+            <a:off x="7489354" y="1662424"/>
+            <a:ext cx="4191641" cy="2053149"/>
+            <a:chOff x="7489354" y="1662424"/>
+            <a:chExt cx="4191641" cy="2053149"/>
+          </a:xfrm>
+        </p:grpSpPr>
+        <p:pic>
+          <p:nvPicPr>
+            <p:cNvPr id="8" name="Picture 2" descr="Resultado de imagen para great idea png">
+              <a:extLst>
+                <a:ext uri="{FF2B5EF4-FFF2-40B4-BE49-F238E27FC236}">
+                  <a16:creationId xmlns:a16="http://schemas.microsoft.com/office/drawing/2014/main" id="{0D691AB1-1914-439C-998A-CE1831DBF1DC}"/>
+                </a:ext>
+              </a:extLst>
+            </p:cNvPr>
+            <p:cNvPicPr>
+              <a:picLocks noChangeAspect="1" noChangeArrowheads="1"/>
+            </p:cNvPicPr>
+            <p:nvPr/>
+          </p:nvPicPr>
+          <p:blipFill>
+            <a:blip r:embed="rId3">
+              <a:extLst>
+                <a:ext uri="{28A0092B-C50C-407E-A947-70E740481C1C}">
+                  <a14:useLocalDpi xmlns:a14="http://schemas.microsoft.com/office/drawing/2010/main" val="0"/>
+                </a:ext>
+              </a:extLst>
+            </a:blip>
+            <a:srcRect/>
+            <a:stretch>
+              <a:fillRect/>
+            </a:stretch>
+          </p:blipFill>
+          <p:spPr bwMode="auto">
+            <a:xfrm rot="20909481">
+              <a:off x="7489354" y="1793971"/>
+              <a:ext cx="1065173" cy="1065173"/>
+            </a:xfrm>
+            <a:prstGeom prst="rect">
+              <a:avLst/>
+            </a:prstGeom>
+            <a:noFill/>
+            <a:extLst>
+              <a:ext uri="{909E8E84-426E-40DD-AFC4-6F175D3DCCD1}">
+                <a14:hiddenFill xmlns:a14="http://schemas.microsoft.com/office/drawing/2010/main">
+                  <a:solidFill>
+                    <a:srgbClr val="FFFFFF"/>
+                  </a:solidFill>
+                </a14:hiddenFill>
+              </a:ext>
+            </a:extLst>
+          </p:spPr>
+        </p:pic>
+        <p:sp>
+          <p:nvSpPr>
+            <p:cNvPr id="10" name="Rectangle 9">
+              <a:extLst>
+                <a:ext uri="{FF2B5EF4-FFF2-40B4-BE49-F238E27FC236}">
+                  <a16:creationId xmlns:a16="http://schemas.microsoft.com/office/drawing/2014/main" id="{49E475D4-0361-47AD-BA96-3A074A1B3874}"/>
+                </a:ext>
+              </a:extLst>
+            </p:cNvPr>
+            <p:cNvSpPr/>
+            <p:nvPr/>
+          </p:nvSpPr>
+          <p:spPr>
+            <a:xfrm rot="20333730">
+              <a:off x="8407901" y="1662424"/>
+              <a:ext cx="3273094" cy="1938992"/>
+            </a:xfrm>
+            <a:prstGeom prst="rect">
+              <a:avLst/>
+            </a:prstGeom>
+            <a:noFill/>
+          </p:spPr>
+          <p:txBody>
+            <a:bodyPr wrap="square" lIns="91440" tIns="45720" rIns="91440" bIns="45720">
+              <a:spAutoFit/>
+            </a:bodyPr>
+            <a:lstStyle/>
+            <a:p>
+              <a:pPr algn="ctr"/>
+              <a:r>
+                <a:rPr lang="en-US" sz="4000" i="1" cap="none" spc="0">
+                  <a:ln w="0"/>
+                  <a:solidFill>
+                    <a:schemeClr val="accent1"/>
+                  </a:solidFill>
+                  <a:effectLst>
+                    <a:outerShdw blurRad="38100" dist="25400" dir="5400000" algn="ctr" rotWithShape="0">
+                      <a:srgbClr val="6E747A">
+                        <a:alpha val="43000"/>
+                      </a:srgbClr>
+                    </a:outerShdw>
+                  </a:effectLst>
+                </a:rPr>
+                <a:t>¿Y si le agrego </a:t>
+              </a:r>
+              <a:r>
+                <a:rPr lang="en-US" sz="4000" b="1" i="1" cap="none" spc="0">
+                  <a:ln w="0"/>
+                  <a:solidFill>
+                    <a:schemeClr val="accent1"/>
+                  </a:solidFill>
+                  <a:effectLst>
+                    <a:outerShdw blurRad="38100" dist="25400" dir="5400000" algn="ctr" rotWithShape="0">
+                      <a:srgbClr val="6E747A">
+                        <a:alpha val="43000"/>
+                      </a:srgbClr>
+                    </a:outerShdw>
+                  </a:effectLst>
+                </a:rPr>
+                <a:t>“recargar saldo”</a:t>
+              </a:r>
+              <a:r>
+                <a:rPr lang="en-US" sz="4000" i="1" cap="none" spc="0">
+                  <a:ln w="0"/>
+                  <a:solidFill>
+                    <a:schemeClr val="accent1"/>
+                  </a:solidFill>
+                  <a:effectLst>
+                    <a:outerShdw blurRad="38100" dist="25400" dir="5400000" algn="ctr" rotWithShape="0">
+                      <a:srgbClr val="6E747A">
+                        <a:alpha val="43000"/>
+                      </a:srgbClr>
+                    </a:outerShdw>
+                  </a:effectLst>
+                </a:rPr>
+                <a:t>?</a:t>
+              </a:r>
+            </a:p>
+          </p:txBody>
+        </p:sp>
+        <p:pic>
+          <p:nvPicPr>
+            <p:cNvPr id="3076" name="Picture 4" descr="Resultado de imagen para recargar png">
+              <a:extLst>
+                <a:ext uri="{FF2B5EF4-FFF2-40B4-BE49-F238E27FC236}">
+                  <a16:creationId xmlns:a16="http://schemas.microsoft.com/office/drawing/2014/main" id="{B37AE261-0C19-45CB-99D1-CA9F081DB7CA}"/>
+                </a:ext>
+              </a:extLst>
+            </p:cNvPr>
+            <p:cNvPicPr>
+              <a:picLocks noChangeAspect="1" noChangeArrowheads="1"/>
+            </p:cNvPicPr>
+            <p:nvPr/>
+          </p:nvPicPr>
+          <p:blipFill>
+            <a:blip r:embed="rId5">
+              <a:extLst>
+                <a:ext uri="{28A0092B-C50C-407E-A947-70E740481C1C}">
+                  <a14:useLocalDpi xmlns:a14="http://schemas.microsoft.com/office/drawing/2010/main" val="0"/>
+                </a:ext>
+              </a:extLst>
+            </a:blip>
+            <a:srcRect/>
+            <a:stretch>
+              <a:fillRect/>
+            </a:stretch>
+          </p:blipFill>
+          <p:spPr bwMode="auto">
+            <a:xfrm rot="802987">
+              <a:off x="8425799" y="2991269"/>
+              <a:ext cx="724304" cy="724304"/>
+            </a:xfrm>
+            <a:prstGeom prst="rect">
+              <a:avLst/>
+            </a:prstGeom>
+            <a:noFill/>
+            <a:extLst>
+              <a:ext uri="{909E8E84-426E-40DD-AFC4-6F175D3DCCD1}">
+                <a14:hiddenFill xmlns:a14="http://schemas.microsoft.com/office/drawing/2010/main">
+                  <a:solidFill>
+                    <a:srgbClr val="FFFFFF"/>
+                  </a:solidFill>
+                </a14:hiddenFill>
+              </a:ext>
+            </a:extLst>
+          </p:spPr>
+        </p:pic>
+      </p:grpSp>
+      <p:grpSp>
+        <p:nvGrpSpPr>
+          <p:cNvPr id="25" name="Group 24">
+            <a:extLst>
+              <a:ext uri="{FF2B5EF4-FFF2-40B4-BE49-F238E27FC236}">
+                <a16:creationId xmlns:a16="http://schemas.microsoft.com/office/drawing/2014/main" id="{A06840E7-3ACC-427D-AC82-444A5E3384CD}"/>
+              </a:ext>
+            </a:extLst>
+          </p:cNvPr>
+          <p:cNvGrpSpPr/>
+          <p:nvPr/>
+        </p:nvGrpSpPr>
+        <p:grpSpPr>
+          <a:xfrm>
+            <a:off x="7629285" y="4255566"/>
+            <a:ext cx="3730672" cy="2462635"/>
+            <a:chOff x="7629285" y="4255566"/>
+            <a:chExt cx="3730672" cy="2462635"/>
+          </a:xfrm>
+        </p:grpSpPr>
+        <p:pic>
+          <p:nvPicPr>
+            <p:cNvPr id="5" name="Picture 2" descr="Resultado de imagen para great idea png">
+              <a:extLst>
+                <a:ext uri="{FF2B5EF4-FFF2-40B4-BE49-F238E27FC236}">
+                  <a16:creationId xmlns:a16="http://schemas.microsoft.com/office/drawing/2014/main" id="{51E17594-6CA1-4666-BF9D-BD81C85694B1}"/>
+                </a:ext>
+              </a:extLst>
+            </p:cNvPr>
+            <p:cNvPicPr>
+              <a:picLocks noChangeAspect="1" noChangeArrowheads="1"/>
+            </p:cNvPicPr>
+            <p:nvPr/>
+          </p:nvPicPr>
+          <p:blipFill>
+            <a:blip r:embed="rId3">
+              <a:extLst>
+                <a:ext uri="{28A0092B-C50C-407E-A947-70E740481C1C}">
+                  <a14:useLocalDpi xmlns:a14="http://schemas.microsoft.com/office/drawing/2010/main" val="0"/>
+                </a:ext>
+              </a:extLst>
+            </a:blip>
+            <a:srcRect/>
+            <a:stretch>
+              <a:fillRect/>
+            </a:stretch>
+          </p:blipFill>
+          <p:spPr bwMode="auto">
+            <a:xfrm rot="1599228">
+              <a:off x="7629285" y="4255566"/>
+              <a:ext cx="1065173" cy="1065173"/>
+            </a:xfrm>
+            <a:prstGeom prst="rect">
+              <a:avLst/>
+            </a:prstGeom>
+            <a:noFill/>
+            <a:extLst>
+              <a:ext uri="{909E8E84-426E-40DD-AFC4-6F175D3DCCD1}">
+                <a14:hiddenFill xmlns:a14="http://schemas.microsoft.com/office/drawing/2010/main">
+                  <a:solidFill>
+                    <a:srgbClr val="FFFFFF"/>
+                  </a:solidFill>
+                </a14:hiddenFill>
+              </a:ext>
+            </a:extLst>
+          </p:spPr>
+        </p:pic>
+        <p:sp>
+          <p:nvSpPr>
+            <p:cNvPr id="11" name="Rectangle 10">
+              <a:extLst>
+                <a:ext uri="{FF2B5EF4-FFF2-40B4-BE49-F238E27FC236}">
+                  <a16:creationId xmlns:a16="http://schemas.microsoft.com/office/drawing/2014/main" id="{0078074A-FF72-444A-AB18-15FD77DD5D64}"/>
+                </a:ext>
+              </a:extLst>
+            </p:cNvPr>
+            <p:cNvSpPr/>
+            <p:nvPr/>
+          </p:nvSpPr>
+          <p:spPr>
+            <a:xfrm rot="1391631">
+              <a:off x="8407607" y="4476848"/>
+              <a:ext cx="2952350" cy="1815882"/>
+            </a:xfrm>
+            <a:prstGeom prst="rect">
+              <a:avLst/>
+            </a:prstGeom>
+            <a:noFill/>
+          </p:spPr>
+          <p:txBody>
+            <a:bodyPr wrap="square" lIns="91440" tIns="45720" rIns="91440" bIns="45720">
+              <a:spAutoFit/>
+            </a:bodyPr>
+            <a:lstStyle/>
+            <a:p>
+              <a:pPr algn="ctr"/>
+              <a:r>
+                <a:rPr lang="en-US" sz="2800" i="1" cap="none" spc="0">
+                  <a:ln w="0"/>
+                  <a:solidFill>
+                    <a:schemeClr val="accent6">
+                      <a:lumMod val="75000"/>
+                    </a:schemeClr>
+                  </a:solidFill>
+                  <a:effectLst>
+                    <a:outerShdw blurRad="38100" dist="25400" dir="5400000" algn="ctr" rotWithShape="0">
+                      <a:srgbClr val="6E747A">
+                        <a:alpha val="43000"/>
+                      </a:srgbClr>
+                    </a:outerShdw>
+                  </a:effectLst>
+                </a:rPr>
+                <a:t>Cuando le ponga </a:t>
+              </a:r>
+              <a:r>
+                <a:rPr lang="en-US" sz="2800" b="1" i="1" cap="none" spc="0">
+                  <a:ln w="0"/>
+                  <a:solidFill>
+                    <a:schemeClr val="accent6">
+                      <a:lumMod val="75000"/>
+                    </a:schemeClr>
+                  </a:solidFill>
+                  <a:effectLst>
+                    <a:outerShdw blurRad="38100" dist="25400" dir="5400000" algn="ctr" rotWithShape="0">
+                      <a:srgbClr val="6E747A">
+                        <a:alpha val="43000"/>
+                      </a:srgbClr>
+                    </a:outerShdw>
+                  </a:effectLst>
+                </a:rPr>
+                <a:t>“crear para un tercero”</a:t>
+              </a:r>
+              <a:r>
+                <a:rPr lang="en-US" sz="2800" i="1" cap="none" spc="0">
+                  <a:ln w="0"/>
+                  <a:solidFill>
+                    <a:schemeClr val="accent6">
+                      <a:lumMod val="75000"/>
+                    </a:schemeClr>
+                  </a:solidFill>
+                  <a:effectLst>
+                    <a:outerShdw blurRad="38100" dist="25400" dir="5400000" algn="ctr" rotWithShape="0">
+                      <a:srgbClr val="6E747A">
+                        <a:alpha val="43000"/>
+                      </a:srgbClr>
+                    </a:outerShdw>
+                  </a:effectLst>
+                </a:rPr>
+                <a:t> ¡la rompo!</a:t>
+              </a:r>
+            </a:p>
+          </p:txBody>
+        </p:sp>
+        <p:grpSp>
+          <p:nvGrpSpPr>
+            <p:cNvPr id="24" name="Group 23">
+              <a:extLst>
+                <a:ext uri="{FF2B5EF4-FFF2-40B4-BE49-F238E27FC236}">
+                  <a16:creationId xmlns:a16="http://schemas.microsoft.com/office/drawing/2014/main" id="{BC2E4AC5-E80C-44E1-BFFC-2E7E7B8A96E2}"/>
+                </a:ext>
+              </a:extLst>
+            </p:cNvPr>
+            <p:cNvGrpSpPr/>
+            <p:nvPr/>
+          </p:nvGrpSpPr>
+          <p:grpSpPr>
+            <a:xfrm>
+              <a:off x="7657636" y="5607021"/>
+              <a:ext cx="1566457" cy="1111180"/>
+              <a:chOff x="10189584" y="5605600"/>
+              <a:chExt cx="1566457" cy="1111180"/>
+            </a:xfrm>
+          </p:grpSpPr>
+          <p:pic>
+            <p:nvPicPr>
+              <p:cNvPr id="15" name="Picture 2" descr="Resultado de imagen para papá png">
+                <a:extLst>
+                  <a:ext uri="{FF2B5EF4-FFF2-40B4-BE49-F238E27FC236}">
+                    <a16:creationId xmlns:a16="http://schemas.microsoft.com/office/drawing/2014/main" id="{ADC74EDF-934D-4E75-8CC0-7C07E2819093}"/>
+                  </a:ext>
+                </a:extLst>
+              </p:cNvPr>
+              <p:cNvPicPr>
+                <a:picLocks noChangeAspect="1" noChangeArrowheads="1"/>
+              </p:cNvPicPr>
+              <p:nvPr/>
+            </p:nvPicPr>
+            <p:blipFill>
+              <a:blip r:embed="rId2">
+                <a:extLst>
+                  <a:ext uri="{28A0092B-C50C-407E-A947-70E740481C1C}">
+                    <a14:useLocalDpi xmlns:a14="http://schemas.microsoft.com/office/drawing/2010/main" val="0"/>
+                  </a:ext>
+                </a:extLst>
+              </a:blip>
+              <a:srcRect/>
+              <a:stretch>
+                <a:fillRect/>
+              </a:stretch>
+            </p:blipFill>
+            <p:spPr bwMode="auto">
+              <a:xfrm rot="1382142">
+                <a:off x="10189584" y="5605600"/>
+                <a:ext cx="615254" cy="564423"/>
+              </a:xfrm>
+              <a:prstGeom prst="rect">
+                <a:avLst/>
+              </a:prstGeom>
+              <a:noFill/>
+              <a:extLst>
+                <a:ext uri="{909E8E84-426E-40DD-AFC4-6F175D3DCCD1}">
+                  <a14:hiddenFill xmlns:a14="http://schemas.microsoft.com/office/drawing/2010/main">
+                    <a:solidFill>
+                      <a:srgbClr val="FFFFFF"/>
+                    </a:solidFill>
+                  </a14:hiddenFill>
+                </a:ext>
+              </a:extLst>
+            </p:spPr>
+          </p:pic>
+          <p:pic>
+            <p:nvPicPr>
+              <p:cNvPr id="16" name="Picture 4" descr="Resultado de imagen para happy face mother png">
+                <a:extLst>
+                  <a:ext uri="{FF2B5EF4-FFF2-40B4-BE49-F238E27FC236}">
+                    <a16:creationId xmlns:a16="http://schemas.microsoft.com/office/drawing/2014/main" id="{6737FAF3-585B-44D3-B04E-96C04944B02F}"/>
+                  </a:ext>
+                </a:extLst>
+              </p:cNvPr>
+              <p:cNvPicPr>
+                <a:picLocks noChangeAspect="1" noChangeArrowheads="1"/>
+              </p:cNvPicPr>
+              <p:nvPr/>
+            </p:nvPicPr>
+            <p:blipFill>
+              <a:blip r:embed="rId6">
+                <a:extLst>
+                  <a:ext uri="{28A0092B-C50C-407E-A947-70E740481C1C}">
+                    <a14:useLocalDpi xmlns:a14="http://schemas.microsoft.com/office/drawing/2010/main" val="0"/>
+                  </a:ext>
+                </a:extLst>
+              </a:blip>
+              <a:srcRect/>
+              <a:stretch>
+                <a:fillRect/>
+              </a:stretch>
+            </p:blipFill>
+            <p:spPr bwMode="auto">
+              <a:xfrm rot="1634830">
+                <a:off x="10923532" y="5900260"/>
+                <a:ext cx="832509" cy="816520"/>
+              </a:xfrm>
+              <a:prstGeom prst="rect">
+                <a:avLst/>
+              </a:prstGeom>
+              <a:noFill/>
+              <a:extLst>
+                <a:ext uri="{909E8E84-426E-40DD-AFC4-6F175D3DCCD1}">
+                  <a14:hiddenFill xmlns:a14="http://schemas.microsoft.com/office/drawing/2010/main">
+                    <a:solidFill>
+                      <a:srgbClr val="FFFFFF"/>
+                    </a:solidFill>
+                  </a14:hiddenFill>
+                </a:ext>
+              </a:extLst>
+            </p:spPr>
+          </p:pic>
+          <p:cxnSp>
+            <p:nvCxnSpPr>
+              <p:cNvPr id="17" name="Straight Arrow Connector 16">
+                <a:extLst>
+                  <a:ext uri="{FF2B5EF4-FFF2-40B4-BE49-F238E27FC236}">
+                    <a16:creationId xmlns:a16="http://schemas.microsoft.com/office/drawing/2014/main" id="{F49C18F6-D33A-487A-811D-43FE48ADC9F0}"/>
+                  </a:ext>
+                </a:extLst>
+              </p:cNvPr>
+              <p:cNvCxnSpPr>
+                <a:cxnSpLocks/>
+                <a:stCxn id="15" idx="3"/>
+                <a:endCxn id="16" idx="1"/>
+              </p:cNvCxnSpPr>
+              <p:nvPr/>
+            </p:nvCxnSpPr>
+            <p:spPr>
+              <a:xfrm rot="2986584" flipV="1">
+                <a:off x="10772108" y="6023205"/>
+                <a:ext cx="206120" cy="79463"/>
+              </a:xfrm>
+              <a:prstGeom prst="straightConnector1">
+                <a:avLst/>
+              </a:prstGeom>
+              <a:ln w="38100">
+                <a:tailEnd type="triangle"/>
+              </a:ln>
+              <a:effectLst>
+                <a:glow rad="139700">
+                  <a:schemeClr val="accent6">
+                    <a:satMod val="175000"/>
+                    <a:alpha val="40000"/>
+                  </a:schemeClr>
+                </a:glow>
+                <a:innerShdw blurRad="63500" dist="50800" dir="18900000">
+                  <a:prstClr val="black">
+                    <a:alpha val="50000"/>
+                  </a:prstClr>
+                </a:innerShdw>
+              </a:effectLst>
+            </p:spPr>
+            <p:style>
+              <a:lnRef idx="1">
+                <a:schemeClr val="accent6"/>
+              </a:lnRef>
+              <a:fillRef idx="0">
+                <a:schemeClr val="accent6"/>
+              </a:fillRef>
+              <a:effectRef idx="0">
+                <a:schemeClr val="accent6"/>
+              </a:effectRef>
+              <a:fontRef idx="minor">
+                <a:schemeClr val="tx1"/>
+              </a:fontRef>
+            </p:style>
+          </p:cxnSp>
+        </p:grpSp>
+      </p:grpSp>
+      <p:grpSp>
+        <p:nvGrpSpPr>
+          <p:cNvPr id="26" name="Group 25">
+            <a:extLst>
+              <a:ext uri="{FF2B5EF4-FFF2-40B4-BE49-F238E27FC236}">
+                <a16:creationId xmlns:a16="http://schemas.microsoft.com/office/drawing/2014/main" id="{743F475C-6272-4A9D-AACC-C783B73F702E}"/>
+              </a:ext>
+            </a:extLst>
+          </p:cNvPr>
+          <p:cNvGrpSpPr/>
+          <p:nvPr/>
+        </p:nvGrpSpPr>
+        <p:grpSpPr>
+          <a:xfrm>
+            <a:off x="2360108" y="5236450"/>
+            <a:ext cx="4077550" cy="1451067"/>
+            <a:chOff x="2360108" y="5236450"/>
+            <a:chExt cx="4077550" cy="1451067"/>
+          </a:xfrm>
+        </p:grpSpPr>
+        <p:pic>
+          <p:nvPicPr>
+            <p:cNvPr id="7" name="Picture 2" descr="Resultado de imagen para great idea png">
+              <a:extLst>
+                <a:ext uri="{FF2B5EF4-FFF2-40B4-BE49-F238E27FC236}">
+                  <a16:creationId xmlns:a16="http://schemas.microsoft.com/office/drawing/2014/main" id="{450E7065-7BD5-4B4D-9207-ABBB3012648D}"/>
+                </a:ext>
+              </a:extLst>
+            </p:cNvPr>
+            <p:cNvPicPr>
+              <a:picLocks noChangeAspect="1" noChangeArrowheads="1"/>
+            </p:cNvPicPr>
+            <p:nvPr/>
+          </p:nvPicPr>
+          <p:blipFill>
+            <a:blip r:embed="rId3">
+              <a:extLst>
+                <a:ext uri="{28A0092B-C50C-407E-A947-70E740481C1C}">
+                  <a14:useLocalDpi xmlns:a14="http://schemas.microsoft.com/office/drawing/2010/main" val="0"/>
+                </a:ext>
+              </a:extLst>
+            </a:blip>
+            <a:srcRect/>
+            <a:stretch>
+              <a:fillRect/>
+            </a:stretch>
+          </p:blipFill>
+          <p:spPr bwMode="auto">
+            <a:xfrm rot="353746">
+              <a:off x="2360108" y="5236450"/>
+              <a:ext cx="1065173" cy="1065173"/>
+            </a:xfrm>
+            <a:prstGeom prst="rect">
+              <a:avLst/>
+            </a:prstGeom>
+            <a:noFill/>
+            <a:extLst>
+              <a:ext uri="{909E8E84-426E-40DD-AFC4-6F175D3DCCD1}">
+                <a14:hiddenFill xmlns:a14="http://schemas.microsoft.com/office/drawing/2010/main">
+                  <a:solidFill>
+                    <a:srgbClr val="FFFFFF"/>
+                  </a:solidFill>
+                </a14:hiddenFill>
+              </a:ext>
+            </a:extLst>
+          </p:spPr>
+        </p:pic>
+        <p:sp>
+          <p:nvSpPr>
+            <p:cNvPr id="22" name="Rectangle 21">
+              <a:extLst>
+                <a:ext uri="{FF2B5EF4-FFF2-40B4-BE49-F238E27FC236}">
+                  <a16:creationId xmlns:a16="http://schemas.microsoft.com/office/drawing/2014/main" id="{561E4696-9151-4150-83A6-BB59D9AA218E}"/>
+                </a:ext>
+              </a:extLst>
+            </p:cNvPr>
+            <p:cNvSpPr/>
+            <p:nvPr/>
+          </p:nvSpPr>
+          <p:spPr>
+            <a:xfrm rot="248231">
+              <a:off x="3255784" y="5487188"/>
+              <a:ext cx="3181874" cy="1200329"/>
+            </a:xfrm>
+            <a:prstGeom prst="rect">
+              <a:avLst/>
+            </a:prstGeom>
+            <a:noFill/>
+          </p:spPr>
+          <p:txBody>
+            <a:bodyPr wrap="square" lIns="91440" tIns="45720" rIns="91440" bIns="45720">
+              <a:spAutoFit/>
+            </a:bodyPr>
+            <a:lstStyle/>
+            <a:p>
+              <a:pPr algn="ctr"/>
+              <a:r>
+                <a:rPr lang="en-US" sz="2400" i="1" cap="none" spc="0">
+                  <a:ln w="0"/>
+                  <a:solidFill>
+                    <a:srgbClr val="FF0000"/>
+                  </a:solidFill>
+                  <a:effectLst>
+                    <a:outerShdw blurRad="38100" dist="25400" dir="5400000" algn="ctr" rotWithShape="0">
+                      <a:srgbClr val="6E747A">
+                        <a:alpha val="43000"/>
+                      </a:srgbClr>
+                    </a:outerShdw>
+                  </a:effectLst>
+                </a:rPr>
+                <a:t>Me faltó poner </a:t>
+              </a:r>
+              <a:r>
+                <a:rPr lang="en-US" sz="2400" b="1" i="1" cap="none" spc="0">
+                  <a:ln w="0"/>
+                  <a:solidFill>
+                    <a:srgbClr val="FF0000"/>
+                  </a:solidFill>
+                  <a:effectLst>
+                    <a:outerShdw blurRad="38100" dist="25400" dir="5400000" algn="ctr" rotWithShape="0">
+                      <a:srgbClr val="6E747A">
+                        <a:alpha val="43000"/>
+                      </a:srgbClr>
+                    </a:outerShdw>
+                  </a:effectLst>
+                </a:rPr>
+                <a:t>“los consumos hechos”</a:t>
+              </a:r>
+              <a:r>
+                <a:rPr lang="en-US" sz="2400" i="1" cap="none" spc="0">
+                  <a:ln w="0"/>
+                  <a:solidFill>
+                    <a:srgbClr val="FF0000"/>
+                  </a:solidFill>
+                  <a:effectLst>
+                    <a:outerShdw blurRad="38100" dist="25400" dir="5400000" algn="ctr" rotWithShape="0">
+                      <a:srgbClr val="6E747A">
+                        <a:alpha val="43000"/>
+                      </a:srgbClr>
+                    </a:outerShdw>
+                  </a:effectLst>
+                </a:rPr>
+                <a:t> ¡esa es fácil!</a:t>
+              </a:r>
+            </a:p>
+          </p:txBody>
+        </p:sp>
+      </p:grpSp>
+    </p:spTree>
+    <p:extLst>
+      <p:ext uri="{BB962C8B-B14F-4D97-AF65-F5344CB8AC3E}">
+        <p14:creationId xmlns:p14="http://schemas.microsoft.com/office/powerpoint/2010/main" val="3563214283"/>
+      </p:ext>
+    </p:extLst>
+  </p:cSld>
+  <p:clrMapOvr>
+    <a:masterClrMapping/>
+  </p:clrMapOvr>
+  <p:timing>
+    <p:tnLst>
+      <p:par>
+        <p:cTn id="1" dur="indefinite" restart="never" nodeType="tmRoot">
+          <p:childTnLst>
+            <p:seq concurrent="1" nextAc="seek">
+              <p:cTn id="2" dur="indefinite" nodeType="mainSeq">
+                <p:childTnLst>
+                  <p:par>
+                    <p:cTn id="3" fill="hold">
+                      <p:stCondLst>
+                        <p:cond delay="indefinite"/>
+                      </p:stCondLst>
+                      <p:childTnLst>
+                        <p:par>
+                          <p:cTn id="4" fill="hold">
+                            <p:stCondLst>
+                              <p:cond delay="0"/>
+                            </p:stCondLst>
+                            <p:childTnLst>
+                              <p:par>
+                                <p:cTn id="5" presetID="10" presetClass="entr" presetSubtype="0" fill="hold" nodeType="clickEffect">
+                                  <p:stCondLst>
+                                    <p:cond delay="0"/>
+                                  </p:stCondLst>
+                                  <p:childTnLst>
+                                    <p:set>
+                                      <p:cBhvr>
+                                        <p:cTn id="6" dur="1" fill="hold">
+                                          <p:stCondLst>
+                                            <p:cond delay="0"/>
+                                          </p:stCondLst>
+                                        </p:cTn>
+                                        <p:tgtEl>
+                                          <p:spTgt spid="21"/>
+                                        </p:tgtEl>
+                                        <p:attrNameLst>
+                                          <p:attrName>style.visibility</p:attrName>
+                                        </p:attrNameLst>
+                                      </p:cBhvr>
+                                      <p:to>
+                                        <p:strVal val="visible"/>
+                                      </p:to>
+                                    </p:set>
+                                    <p:animEffect transition="in" filter="fade">
+                                      <p:cBhvr>
+                                        <p:cTn id="7" dur="500"/>
+                                        <p:tgtEl>
+                                          <p:spTgt spid="21"/>
+                                        </p:tgtEl>
+                                      </p:cBhvr>
+                                    </p:animEffect>
+                                  </p:childTnLst>
+                                </p:cTn>
+                              </p:par>
+                            </p:childTnLst>
+                          </p:cTn>
+                        </p:par>
+                      </p:childTnLst>
+                    </p:cTn>
+                  </p:par>
+                  <p:par>
+                    <p:cTn id="8" fill="hold">
+                      <p:stCondLst>
+                        <p:cond delay="indefinite"/>
+                      </p:stCondLst>
+                      <p:childTnLst>
+                        <p:par>
+                          <p:cTn id="9" fill="hold">
+                            <p:stCondLst>
+                              <p:cond delay="0"/>
+                            </p:stCondLst>
+                            <p:childTnLst>
+                              <p:par>
+                                <p:cTn id="10" presetID="53" presetClass="entr" presetSubtype="16" fill="hold" nodeType="clickEffect">
+                                  <p:stCondLst>
+                                    <p:cond delay="0"/>
+                                  </p:stCondLst>
+                                  <p:childTnLst>
+                                    <p:set>
+                                      <p:cBhvr>
+                                        <p:cTn id="11" dur="1" fill="hold">
+                                          <p:stCondLst>
+                                            <p:cond delay="0"/>
+                                          </p:stCondLst>
+                                        </p:cTn>
+                                        <p:tgtEl>
+                                          <p:spTgt spid="23"/>
+                                        </p:tgtEl>
+                                        <p:attrNameLst>
+                                          <p:attrName>style.visibility</p:attrName>
+                                        </p:attrNameLst>
+                                      </p:cBhvr>
+                                      <p:to>
+                                        <p:strVal val="visible"/>
+                                      </p:to>
+                                    </p:set>
+                                    <p:anim calcmode="lin" valueType="num">
+                                      <p:cBhvr>
+                                        <p:cTn id="12" dur="500" fill="hold"/>
+                                        <p:tgtEl>
+                                          <p:spTgt spid="23"/>
+                                        </p:tgtEl>
+                                        <p:attrNameLst>
+                                          <p:attrName>ppt_w</p:attrName>
+                                        </p:attrNameLst>
+                                      </p:cBhvr>
+                                      <p:tavLst>
+                                        <p:tav tm="0">
+                                          <p:val>
+                                            <p:fltVal val="0"/>
+                                          </p:val>
+                                        </p:tav>
+                                        <p:tav tm="100000">
+                                          <p:val>
+                                            <p:strVal val="#ppt_w"/>
+                                          </p:val>
+                                        </p:tav>
+                                      </p:tavLst>
+                                    </p:anim>
+                                    <p:anim calcmode="lin" valueType="num">
+                                      <p:cBhvr>
+                                        <p:cTn id="13" dur="500" fill="hold"/>
+                                        <p:tgtEl>
+                                          <p:spTgt spid="23"/>
+                                        </p:tgtEl>
+                                        <p:attrNameLst>
+                                          <p:attrName>ppt_h</p:attrName>
+                                        </p:attrNameLst>
+                                      </p:cBhvr>
+                                      <p:tavLst>
+                                        <p:tav tm="0">
+                                          <p:val>
+                                            <p:fltVal val="0"/>
+                                          </p:val>
+                                        </p:tav>
+                                        <p:tav tm="100000">
+                                          <p:val>
+                                            <p:strVal val="#ppt_h"/>
+                                          </p:val>
+                                        </p:tav>
+                                      </p:tavLst>
+                                    </p:anim>
+                                    <p:animEffect transition="in" filter="fade">
+                                      <p:cBhvr>
+                                        <p:cTn id="14" dur="500"/>
+                                        <p:tgtEl>
+                                          <p:spTgt spid="23"/>
+                                        </p:tgtEl>
+                                      </p:cBhvr>
+                                    </p:animEffect>
+                                  </p:childTnLst>
+                                </p:cTn>
+                              </p:par>
+                            </p:childTnLst>
+                          </p:cTn>
+                        </p:par>
+                      </p:childTnLst>
+                    </p:cTn>
+                  </p:par>
+                  <p:par>
+                    <p:cTn id="15" fill="hold">
+                      <p:stCondLst>
+                        <p:cond delay="indefinite"/>
+                      </p:stCondLst>
+                      <p:childTnLst>
+                        <p:par>
+                          <p:cTn id="16" fill="hold">
+                            <p:stCondLst>
+                              <p:cond delay="0"/>
+                            </p:stCondLst>
+                            <p:childTnLst>
+                              <p:par>
+                                <p:cTn id="17" presetID="45" presetClass="entr" presetSubtype="0" fill="hold" nodeType="clickEffect">
+                                  <p:stCondLst>
+                                    <p:cond delay="0"/>
+                                  </p:stCondLst>
+                                  <p:childTnLst>
+                                    <p:set>
+                                      <p:cBhvr>
+                                        <p:cTn id="18" dur="1" fill="hold">
+                                          <p:stCondLst>
+                                            <p:cond delay="0"/>
+                                          </p:stCondLst>
+                                        </p:cTn>
+                                        <p:tgtEl>
+                                          <p:spTgt spid="25"/>
+                                        </p:tgtEl>
+                                        <p:attrNameLst>
+                                          <p:attrName>style.visibility</p:attrName>
+                                        </p:attrNameLst>
+                                      </p:cBhvr>
+                                      <p:to>
+                                        <p:strVal val="visible"/>
+                                      </p:to>
+                                    </p:set>
+                                    <p:animEffect transition="in" filter="fade">
+                                      <p:cBhvr>
+                                        <p:cTn id="19" dur="2000"/>
+                                        <p:tgtEl>
+                                          <p:spTgt spid="25"/>
+                                        </p:tgtEl>
+                                      </p:cBhvr>
+                                    </p:animEffect>
+                                    <p:anim calcmode="lin" valueType="num">
+                                      <p:cBhvr>
+                                        <p:cTn id="20" dur="2000" fill="hold"/>
+                                        <p:tgtEl>
+                                          <p:spTgt spid="25"/>
+                                        </p:tgtEl>
+                                        <p:attrNameLst>
+                                          <p:attrName>ppt_w</p:attrName>
+                                        </p:attrNameLst>
+                                      </p:cBhvr>
+                                      <p:tavLst>
+                                        <p:tav tm="0" fmla="#ppt_w*sin(2.5*pi*$)">
+                                          <p:val>
+                                            <p:fltVal val="0"/>
+                                          </p:val>
+                                        </p:tav>
+                                        <p:tav tm="100000">
+                                          <p:val>
+                                            <p:fltVal val="1"/>
+                                          </p:val>
+                                        </p:tav>
+                                      </p:tavLst>
+                                    </p:anim>
+                                    <p:anim calcmode="lin" valueType="num">
+                                      <p:cBhvr>
+                                        <p:cTn id="21" dur="2000" fill="hold"/>
+                                        <p:tgtEl>
+                                          <p:spTgt spid="25"/>
+                                        </p:tgtEl>
+                                        <p:attrNameLst>
+                                          <p:attrName>ppt_h</p:attrName>
+                                        </p:attrNameLst>
+                                      </p:cBhvr>
+                                      <p:tavLst>
+                                        <p:tav tm="0">
+                                          <p:val>
+                                            <p:strVal val="#ppt_h"/>
+                                          </p:val>
+                                        </p:tav>
+                                        <p:tav tm="100000">
+                                          <p:val>
+                                            <p:strVal val="#ppt_h"/>
+                                          </p:val>
+                                        </p:tav>
+                                      </p:tavLst>
+                                    </p:anim>
+                                  </p:childTnLst>
+                                </p:cTn>
+                              </p:par>
+                            </p:childTnLst>
+                          </p:cTn>
+                        </p:par>
+                      </p:childTnLst>
+                    </p:cTn>
+                  </p:par>
+                  <p:par>
+                    <p:cTn id="22" fill="hold">
+                      <p:stCondLst>
+                        <p:cond delay="indefinite"/>
+                      </p:stCondLst>
+                      <p:childTnLst>
+                        <p:par>
+                          <p:cTn id="23" fill="hold">
+                            <p:stCondLst>
+                              <p:cond delay="0"/>
+                            </p:stCondLst>
+                            <p:childTnLst>
+                              <p:par>
+                                <p:cTn id="24" presetID="22" presetClass="entr" presetSubtype="4" fill="hold" nodeType="clickEffect">
+                                  <p:stCondLst>
+                                    <p:cond delay="0"/>
+                                  </p:stCondLst>
+                                  <p:childTnLst>
+                                    <p:set>
+                                      <p:cBhvr>
+                                        <p:cTn id="25" dur="1" fill="hold">
+                                          <p:stCondLst>
+                                            <p:cond delay="0"/>
+                                          </p:stCondLst>
+                                        </p:cTn>
+                                        <p:tgtEl>
+                                          <p:spTgt spid="26"/>
+                                        </p:tgtEl>
+                                        <p:attrNameLst>
+                                          <p:attrName>style.visibility</p:attrName>
+                                        </p:attrNameLst>
+                                      </p:cBhvr>
+                                      <p:to>
+                                        <p:strVal val="visible"/>
+                                      </p:to>
+                                    </p:set>
+                                    <p:animEffect transition="in" filter="wipe(down)">
+                                      <p:cBhvr>
+                                        <p:cTn id="26" dur="500"/>
+                                        <p:tgtEl>
+                                          <p:spTgt spid="26"/>
+                                        </p:tgtEl>
+                                      </p:cBhvr>
+                                    </p:animEffect>
+                                  </p:childTnLst>
+                                </p:cTn>
+                              </p:par>
+                            </p:childTnLst>
+                          </p:cTn>
+                        </p:par>
+                      </p:childTnLst>
+                    </p:cTn>
+                  </p:par>
+                </p:childTnLst>
+              </p:cTn>
+              <p:prevCondLst>
+                <p:cond evt="onPrev" delay="0">
+                  <p:tgtEl>
+                    <p:sldTgt/>
+                  </p:tgtEl>
+                </p:cond>
+              </p:prevCondLst>
+              <p:nextCondLst>
+                <p:cond evt="onNext" delay="0">
+                  <p:tgtEl>
+                    <p:sldTgt/>
+                  </p:tgtEl>
+                </p:cond>
+              </p:nextCondLst>
+            </p:seq>
+          </p:childTnLst>
+        </p:cTn>
+      </p:par>
+    </p:tnLst>
+  </p:timing>
+</p:sld>
+</file>
+
+<file path=ppt/slides/slide6.xml><?xml version="1.0" encoding="utf-8"?>
+<p:sld xmlns:a="http://schemas.openxmlformats.org/drawingml/2006/main" xmlns:r="http://schemas.openxmlformats.org/officeDocument/2006/relationships" xmlns:p="http://schemas.openxmlformats.org/presentationml/2006/main">
+  <p:cSld>
+    <p:spTree>
+      <p:nvGrpSpPr>
+        <p:cNvPr id="1" name=""/>
+        <p:cNvGrpSpPr/>
+        <p:nvPr/>
+      </p:nvGrpSpPr>
+      <p:grpSpPr>
+        <a:xfrm>
+          <a:off x="0" y="0"/>
+          <a:ext cx="0" cy="0"/>
+          <a:chOff x="0" y="0"/>
+          <a:chExt cx="0" cy="0"/>
+        </a:xfrm>
+      </p:grpSpPr>
+      <p:sp>
+        <p:nvSpPr>
+          <p:cNvPr id="4" name="Title 1">
+            <a:extLst>
+              <a:ext uri="{FF2B5EF4-FFF2-40B4-BE49-F238E27FC236}">
+                <a16:creationId xmlns:a16="http://schemas.microsoft.com/office/drawing/2014/main" id="{EC1DD37A-D4C2-48AE-A999-86EDE672E798}"/>
+              </a:ext>
+            </a:extLst>
+          </p:cNvPr>
+          <p:cNvSpPr>
+            <a:spLocks noGrp="1"/>
+          </p:cNvSpPr>
+          <p:nvPr>
+            <p:ph type="title"/>
+          </p:nvPr>
+        </p:nvSpPr>
+        <p:spPr>
+          <a:xfrm>
+            <a:off x="3140190" y="589389"/>
+            <a:ext cx="6003979" cy="760685"/>
+          </a:xfrm>
+        </p:spPr>
+        <p:txBody>
+          <a:bodyPr>
+            <a:normAutofit fontScale="90000"/>
+          </a:bodyPr>
+          <a:lstStyle/>
+          <a:p>
+            <a:r>
+              <a:rPr lang="en-US" sz="6600" b="1">
+                <a:solidFill>
+                  <a:srgbClr val="FF0000"/>
+                </a:solidFill>
+              </a:rPr>
+              <a:t>Nosotros somos …</a:t>
+            </a:r>
+          </a:p>
+        </p:txBody>
+      </p:sp>
+      <p:grpSp>
+        <p:nvGrpSpPr>
+          <p:cNvPr id="9" name="Group 8">
+            <a:extLst>
+              <a:ext uri="{FF2B5EF4-FFF2-40B4-BE49-F238E27FC236}">
+                <a16:creationId xmlns:a16="http://schemas.microsoft.com/office/drawing/2014/main" id="{015056C6-B72E-4C15-97F5-6BE0BD6C2917}"/>
+              </a:ext>
+            </a:extLst>
+          </p:cNvPr>
+          <p:cNvGrpSpPr/>
+          <p:nvPr/>
+        </p:nvGrpSpPr>
+        <p:grpSpPr>
+          <a:xfrm>
+            <a:off x="1493431" y="2269951"/>
+            <a:ext cx="9719016" cy="3691323"/>
+            <a:chOff x="1493431" y="2269951"/>
+            <a:chExt cx="9719016" cy="3691323"/>
+          </a:xfrm>
+        </p:grpSpPr>
+        <p:sp>
+          <p:nvSpPr>
+            <p:cNvPr id="5" name="TextBox 4">
+              <a:extLst>
+                <a:ext uri="{FF2B5EF4-FFF2-40B4-BE49-F238E27FC236}">
+                  <a16:creationId xmlns:a16="http://schemas.microsoft.com/office/drawing/2014/main" id="{1C51E507-4F1A-4230-9BD7-1EFE46371EE2}"/>
+                </a:ext>
+              </a:extLst>
+            </p:cNvPr>
+            <p:cNvSpPr txBox="1"/>
+            <p:nvPr/>
+          </p:nvSpPr>
+          <p:spPr>
+            <a:xfrm rot="20758942">
+              <a:off x="1739900" y="2269951"/>
+              <a:ext cx="3359381" cy="1046440"/>
+            </a:xfrm>
+            <a:prstGeom prst="rect">
+              <a:avLst/>
+            </a:prstGeom>
+            <a:noFill/>
+          </p:spPr>
+          <p:txBody>
+            <a:bodyPr wrap="none" rtlCol="0">
+              <a:spAutoFit/>
+            </a:bodyPr>
+            <a:lstStyle>
+              <a:defPPr>
+                <a:defRPr lang="en-US"/>
+              </a:defPPr>
+              <a:lvl1pPr>
+                <a:defRPr sz="4400"/>
+              </a:lvl1pPr>
+            </a:lstStyle>
+            <a:p>
+              <a:r>
+                <a:rPr lang="en-US"/>
+                <a:t>Jhonny Unocc</a:t>
+              </a:r>
+            </a:p>
+            <a:p>
+              <a:r>
+                <a:rPr lang="en-US" sz="1800"/>
+                <a:t>Mesa</a:t>
+              </a:r>
+            </a:p>
+          </p:txBody>
+        </p:sp>
+        <p:sp>
+          <p:nvSpPr>
+            <p:cNvPr id="6" name="TextBox 5">
+              <a:extLst>
+                <a:ext uri="{FF2B5EF4-FFF2-40B4-BE49-F238E27FC236}">
+                  <a16:creationId xmlns:a16="http://schemas.microsoft.com/office/drawing/2014/main" id="{961C0C7C-69CE-4A27-ADD5-FF64DC5DF82D}"/>
+                </a:ext>
+              </a:extLst>
+            </p:cNvPr>
+            <p:cNvSpPr txBox="1"/>
+            <p:nvPr/>
+          </p:nvSpPr>
+          <p:spPr>
+            <a:xfrm rot="703666">
+              <a:off x="7714739" y="2295694"/>
+              <a:ext cx="3020379" cy="1046440"/>
+            </a:xfrm>
+            <a:prstGeom prst="rect">
+              <a:avLst/>
+            </a:prstGeom>
+            <a:noFill/>
+          </p:spPr>
+          <p:txBody>
+            <a:bodyPr wrap="none" rtlCol="0">
+              <a:spAutoFit/>
+            </a:bodyPr>
+            <a:lstStyle/>
+            <a:p>
+              <a:r>
+                <a:rPr lang="en-US" sz="4400"/>
+                <a:t>Pier Barbieri</a:t>
+              </a:r>
+            </a:p>
+            <a:p>
+              <a:r>
+                <a:rPr lang="en-US"/>
+                <a:t>Mesa</a:t>
+              </a:r>
+            </a:p>
+          </p:txBody>
+        </p:sp>
+        <p:sp>
+          <p:nvSpPr>
+            <p:cNvPr id="7" name="TextBox 6">
+              <a:extLst>
+                <a:ext uri="{FF2B5EF4-FFF2-40B4-BE49-F238E27FC236}">
+                  <a16:creationId xmlns:a16="http://schemas.microsoft.com/office/drawing/2014/main" id="{07292D46-92D6-42BC-82CE-24A04777ED25}"/>
+                </a:ext>
+              </a:extLst>
+            </p:cNvPr>
+            <p:cNvSpPr txBox="1"/>
+            <p:nvPr/>
+          </p:nvSpPr>
+          <p:spPr>
+            <a:xfrm rot="850804">
+              <a:off x="1493431" y="4637835"/>
+              <a:ext cx="3443122" cy="1323439"/>
+            </a:xfrm>
+            <a:prstGeom prst="rect">
+              <a:avLst/>
+            </a:prstGeom>
+            <a:noFill/>
+          </p:spPr>
+          <p:txBody>
+            <a:bodyPr wrap="none" rtlCol="0">
+              <a:spAutoFit/>
+            </a:bodyPr>
+            <a:lstStyle/>
+            <a:p>
+              <a:r>
+                <a:rPr lang="en-US" sz="4400"/>
+                <a:t>Joseph Toulier</a:t>
+              </a:r>
+            </a:p>
+            <a:p>
+              <a:r>
+                <a:rPr lang="en-US"/>
+                <a:t>Office Banking</a:t>
+              </a:r>
+            </a:p>
+            <a:p>
+              <a:r>
+                <a:rPr lang="en-US"/>
+                <a:t>Squad Carta Fianza</a:t>
+              </a:r>
+            </a:p>
+          </p:txBody>
+        </p:sp>
+        <p:sp>
+          <p:nvSpPr>
+            <p:cNvPr id="8" name="TextBox 7">
+              <a:extLst>
+                <a:ext uri="{FF2B5EF4-FFF2-40B4-BE49-F238E27FC236}">
+                  <a16:creationId xmlns:a16="http://schemas.microsoft.com/office/drawing/2014/main" id="{16CB8A36-0DF1-4D12-B6E9-13900E6388A3}"/>
+                </a:ext>
+              </a:extLst>
+            </p:cNvPr>
+            <p:cNvSpPr txBox="1"/>
+            <p:nvPr/>
+          </p:nvSpPr>
+          <p:spPr>
+            <a:xfrm rot="20836441">
+              <a:off x="6426200" y="4802079"/>
+              <a:ext cx="4786247" cy="1046440"/>
+            </a:xfrm>
+            <a:prstGeom prst="rect">
+              <a:avLst/>
+            </a:prstGeom>
+            <a:noFill/>
+          </p:spPr>
+          <p:txBody>
+            <a:bodyPr wrap="none" rtlCol="0">
+              <a:spAutoFit/>
+            </a:bodyPr>
+            <a:lstStyle/>
+            <a:p>
+              <a:r>
+                <a:rPr lang="en-US" sz="4400"/>
+                <a:t>Sebastián Meléndez</a:t>
+              </a:r>
+            </a:p>
+            <a:p>
+              <a:r>
+                <a:rPr lang="en-US"/>
+                <a:t>Mesa</a:t>
+              </a:r>
+            </a:p>
+          </p:txBody>
+        </p:sp>
+      </p:grpSp>
+    </p:spTree>
+    <p:extLst>
+      <p:ext uri="{BB962C8B-B14F-4D97-AF65-F5344CB8AC3E}">
+        <p14:creationId xmlns:p14="http://schemas.microsoft.com/office/powerpoint/2010/main" val="745313425"/>
+      </p:ext>
+    </p:extLst>
+  </p:cSld>
+  <p:clrMapOvr>
+    <a:masterClrMapping/>
+  </p:clrMapOvr>
+  <p:timing>
+    <p:tnLst>
+      <p:par>
+        <p:cTn id="1" dur="indefinite" restart="never" nodeType="tmRoot">
+          <p:childTnLst>
+            <p:seq concurrent="1" nextAc="seek">
+              <p:cTn id="2" dur="indefinite" nodeType="mainSeq">
+                <p:childTnLst>
+                  <p:par>
+                    <p:cTn id="3" fill="hold">
+                      <p:stCondLst>
+                        <p:cond delay="indefinite"/>
+                      </p:stCondLst>
+                      <p:childTnLst>
+                        <p:par>
+                          <p:cTn id="4" fill="hold">
+                            <p:stCondLst>
+                              <p:cond delay="0"/>
+                            </p:stCondLst>
+                            <p:childTnLst>
+                              <p:par>
+                                <p:cTn id="5" presetID="6" presetClass="entr" presetSubtype="32" fill="hold" nodeType="clickEffect">
+                                  <p:stCondLst>
+                                    <p:cond delay="0"/>
+                                  </p:stCondLst>
+                                  <p:childTnLst>
+                                    <p:set>
+                                      <p:cBhvr>
+                                        <p:cTn id="6" dur="1" fill="hold">
+                                          <p:stCondLst>
+                                            <p:cond delay="0"/>
+                                          </p:stCondLst>
+                                        </p:cTn>
+                                        <p:tgtEl>
+                                          <p:spTgt spid="9"/>
+                                        </p:tgtEl>
+                                        <p:attrNameLst>
+                                          <p:attrName>style.visibility</p:attrName>
+                                        </p:attrNameLst>
+                                      </p:cBhvr>
+                                      <p:to>
+                                        <p:strVal val="visible"/>
+                                      </p:to>
+                                    </p:set>
+                                    <p:animEffect transition="in" filter="circle(out)">
+                                      <p:cBhvr>
+                                        <p:cTn id="7" dur="2000"/>
+                                        <p:tgtEl>
+                                          <p:spTgt spid="9"/>
+                                        </p:tgtEl>
+                                      </p:cBhvr>
+                                    </p:animEffect>
+                                  </p:childTnLst>
+                                </p:cTn>
+                              </p:par>
+                            </p:childTnLst>
+                          </p:cTn>
+                        </p:par>
+                      </p:childTnLst>
+                    </p:cTn>
+                  </p:par>
+                </p:childTnLst>
+              </p:cTn>
+              <p:prevCondLst>
+                <p:cond evt="onPrev" delay="0">
+                  <p:tgtEl>
+                    <p:sldTgt/>
+                  </p:tgtEl>
+                </p:cond>
+              </p:prevCondLst>
+              <p:nextCondLst>
+                <p:cond evt="onNext" delay="0">
+                  <p:tgtEl>
+                    <p:sldTgt/>
+                  </p:tgtEl>
+                </p:cond>
+              </p:nextCondLst>
+            </p:seq>
+          </p:childTnLst>
+        </p:cTn>
+      </p:par>
+    </p:tnLst>
+  </p:timing>
 </p:sld>
 </file>
 

--- a/design/hackaton.pptx
+++ b/design/hackaton.pptx
@@ -9535,10 +9535,10 @@
         </p:nvGrpSpPr>
         <p:grpSpPr>
           <a:xfrm>
-            <a:off x="1493431" y="2269951"/>
-            <a:ext cx="9719016" cy="3691323"/>
-            <a:chOff x="1493431" y="2269951"/>
-            <a:chExt cx="9719016" cy="3691323"/>
+            <a:off x="1493431" y="2131452"/>
+            <a:ext cx="9819570" cy="3994067"/>
+            <a:chOff x="1493431" y="2131452"/>
+            <a:chExt cx="9819570" cy="3994067"/>
           </a:xfrm>
         </p:grpSpPr>
         <p:sp>
@@ -9555,8 +9555,8 @@
           </p:nvSpPr>
           <p:spPr>
             <a:xfrm rot="20758942">
-              <a:off x="1739900" y="2269951"/>
-              <a:ext cx="3359381" cy="1046440"/>
+              <a:off x="1739900" y="2131452"/>
+              <a:ext cx="3359381" cy="1323439"/>
             </a:xfrm>
             <a:prstGeom prst="rect">
               <a:avLst/>
@@ -9584,7 +9584,13 @@
             <a:p>
               <a:r>
                 <a:rPr lang="en-US" sz="1800"/>
-                <a:t>Mesa</a:t>
+                <a:t>Yape Personas</a:t>
+              </a:r>
+            </a:p>
+            <a:p>
+              <a:r>
+                <a:rPr lang="en-US" sz="1800"/>
+                <a:t>Squad Ventas</a:t>
               </a:r>
             </a:p>
           </p:txBody>
@@ -9603,8 +9609,8 @@
           </p:nvSpPr>
           <p:spPr>
             <a:xfrm rot="703666">
-              <a:off x="7714739" y="2295694"/>
-              <a:ext cx="3020379" cy="1046440"/>
+              <a:off x="7136858" y="2157195"/>
+              <a:ext cx="4176143" cy="1323439"/>
             </a:xfrm>
             <a:prstGeom prst="rect">
               <a:avLst/>
@@ -9619,13 +9625,19 @@
             <a:p>
               <a:r>
                 <a:rPr lang="en-US" sz="4400"/>
-                <a:t>Pier Barbieri</a:t>
+                <a:t>Jean Pier Barbieri</a:t>
               </a:r>
             </a:p>
             <a:p>
               <a:r>
                 <a:rPr lang="en-US"/>
-                <a:t>Mesa</a:t>
+                <a:t>Mesa Grou</a:t>
+              </a:r>
+            </a:p>
+            <a:p>
+              <a:r>
+                <a:rPr lang="en-US"/>
+                <a:t>CIX</a:t>
               </a:r>
             </a:p>
           </p:txBody>
@@ -9691,8 +9703,8 @@
           </p:nvSpPr>
           <p:spPr>
             <a:xfrm rot="20836441">
-              <a:off x="6426200" y="4802079"/>
-              <a:ext cx="4786247" cy="1046440"/>
+              <a:off x="6426200" y="4525081"/>
+              <a:ext cx="4786247" cy="1600438"/>
             </a:xfrm>
             <a:prstGeom prst="rect">
               <a:avLst/>
@@ -9713,8 +9725,17 @@
             <a:p>
               <a:r>
                 <a:rPr lang="en-US"/>
-                <a:t>Mesa</a:t>
+                <a:t>Office Banking</a:t>
               </a:r>
+            </a:p>
+            <a:p>
+              <a:r>
+                <a:rPr lang="en-US"/>
+                <a:t>Squad Telecrédito Móvil (MBOB)</a:t>
+              </a:r>
+            </a:p>
+            <a:p>
+              <a:endParaRPr lang="en-US"/>
             </a:p>
           </p:txBody>
         </p:sp>
